--- a/幣值辨識20241226.pptx
+++ b/幣值辨識20241226.pptx
@@ -5,30 +5,30 @@
     <p:sldMasterId id="2147483648" r:id="rId1"/>
   </p:sldMasterIdLst>
   <p:notesMasterIdLst>
-    <p:notesMasterId r:id="rId34"/>
+    <p:notesMasterId r:id="rId35"/>
   </p:notesMasterIdLst>
   <p:handoutMasterIdLst>
-    <p:handoutMasterId r:id="rId35"/>
+    <p:handoutMasterId r:id="rId36"/>
   </p:handoutMasterIdLst>
   <p:sldIdLst>
     <p:sldId id="259" r:id="rId2"/>
-    <p:sldId id="1142" r:id="rId3"/>
-    <p:sldId id="269" r:id="rId4"/>
-    <p:sldId id="1253" r:id="rId5"/>
-    <p:sldId id="1136" r:id="rId6"/>
-    <p:sldId id="1268" r:id="rId7"/>
-    <p:sldId id="1254" r:id="rId8"/>
-    <p:sldId id="1256" r:id="rId9"/>
-    <p:sldId id="1257" r:id="rId10"/>
-    <p:sldId id="1258" r:id="rId11"/>
-    <p:sldId id="1259" r:id="rId12"/>
-    <p:sldId id="1260" r:id="rId13"/>
-    <p:sldId id="1261" r:id="rId14"/>
-    <p:sldId id="1262" r:id="rId15"/>
-    <p:sldId id="1263" r:id="rId16"/>
-    <p:sldId id="1264" r:id="rId17"/>
-    <p:sldId id="1265" r:id="rId18"/>
-    <p:sldId id="1266" r:id="rId19"/>
+    <p:sldId id="1136" r:id="rId3"/>
+    <p:sldId id="1268" r:id="rId4"/>
+    <p:sldId id="1254" r:id="rId5"/>
+    <p:sldId id="1256" r:id="rId6"/>
+    <p:sldId id="1257" r:id="rId7"/>
+    <p:sldId id="1258" r:id="rId8"/>
+    <p:sldId id="1259" r:id="rId9"/>
+    <p:sldId id="1260" r:id="rId10"/>
+    <p:sldId id="1261" r:id="rId11"/>
+    <p:sldId id="1262" r:id="rId12"/>
+    <p:sldId id="1263" r:id="rId13"/>
+    <p:sldId id="1264" r:id="rId14"/>
+    <p:sldId id="1265" r:id="rId15"/>
+    <p:sldId id="1266" r:id="rId16"/>
+    <p:sldId id="1142" r:id="rId17"/>
+    <p:sldId id="269" r:id="rId18"/>
+    <p:sldId id="1253" r:id="rId19"/>
     <p:sldId id="1269" r:id="rId20"/>
     <p:sldId id="1270" r:id="rId21"/>
     <p:sldId id="1271" r:id="rId22"/>
@@ -42,7 +42,8 @@
     <p:sldId id="1276" r:id="rId30"/>
     <p:sldId id="1277" r:id="rId31"/>
     <p:sldId id="1279" r:id="rId32"/>
-    <p:sldId id="1284" r:id="rId33"/>
+    <p:sldId id="1287" r:id="rId33"/>
+    <p:sldId id="1284" r:id="rId34"/>
   </p:sldIdLst>
   <p:sldSz cx="12192000" cy="6858000"/>
   <p:notesSz cx="6858000" cy="9144000"/>
@@ -149,13 +150,6 @@
             <p14:sldId id="259"/>
           </p14:sldIdLst>
         </p14:section>
-        <p14:section name="需求列表" id="{DE023DAD-9EED-426D-8EB3-17248E4D00C3}">
-          <p14:sldIdLst>
-            <p14:sldId id="1142"/>
-            <p14:sldId id="269"/>
-            <p14:sldId id="1253"/>
-          </p14:sldIdLst>
-        </p14:section>
         <p14:section name="專案架構" id="{1EBCE073-09FA-4CD3-BDCF-56A4EDB986FF}">
           <p14:sldIdLst>
             <p14:sldId id="1136"/>
@@ -182,6 +176,13 @@
             <p14:sldId id="1266"/>
           </p14:sldIdLst>
         </p14:section>
+        <p14:section name="需求列表" id="{DE023DAD-9EED-426D-8EB3-17248E4D00C3}">
+          <p14:sldIdLst>
+            <p14:sldId id="1142"/>
+            <p14:sldId id="269"/>
+            <p14:sldId id="1253"/>
+          </p14:sldIdLst>
+        </p14:section>
         <p14:section name="3D" id="{0A0F2CD6-CFE6-449C-830D-8D49A5FEB540}">
           <p14:sldIdLst>
             <p14:sldId id="1269"/>
@@ -201,6 +202,7 @@
             <p14:sldId id="1276"/>
             <p14:sldId id="1277"/>
             <p14:sldId id="1279"/>
+            <p14:sldId id="1287"/>
             <p14:sldId id="1284"/>
           </p14:sldIdLst>
         </p14:section>
@@ -13155,7 +13157,7 @@
             <a:fld id="{EF8A6B0B-A5FB-4629-B823-69B1A9EB3A43}" type="slidenum">
               <a:rPr lang="zh-TW" altLang="en-US" smtClean="0"/>
               <a:pPr/>
-              <a:t>17</a:t>
+              <a:t>14</a:t>
             </a:fld>
             <a:endParaRPr lang="zh-TW" altLang="en-US" dirty="0"/>
           </a:p>
@@ -13264,7 +13266,7 @@
             <a:fld id="{EF8A6B0B-A5FB-4629-B823-69B1A9EB3A43}" type="slidenum">
               <a:rPr lang="zh-TW" altLang="en-US" smtClean="0"/>
               <a:pPr/>
-              <a:t>18</a:t>
+              <a:t>15</a:t>
             </a:fld>
             <a:endParaRPr lang="zh-TW" altLang="en-US" dirty="0"/>
           </a:p>
@@ -13982,50 +13984,13 @@
           <a:lstStyle/>
           <a:p>
             <a:r>
-              <a:rPr lang="zh-TW" altLang="en-US" dirty="0"/>
-              <a:t>高度計算</a:t>
-            </a:r>
-            <a:r>
-              <a:rPr lang="en-US" altLang="zh-TW" dirty="0"/>
-              <a:t>:</a:t>
-            </a:r>
-            <a:br>
-              <a:rPr lang="en-US" altLang="zh-TW" dirty="0"/>
-            </a:br>
-            <a:r>
               <a:rPr lang="en-US" altLang="zh-TW" dirty="0"/>
               <a:t>1.</a:t>
             </a:r>
             <a:r>
               <a:rPr lang="zh-TW" altLang="en-US" dirty="0"/>
-              <a:t>視角轉換</a:t>
+              <a:t> 硬幣深度、光流、距離</a:t>
             </a:r>
-            <a:endParaRPr lang="en-US" altLang="zh-TW" dirty="0"/>
-          </a:p>
-          <a:p>
-            <a:r>
-              <a:rPr lang="en-US" altLang="zh-TW" dirty="0"/>
-              <a:t>2.</a:t>
-            </a:r>
-            <a:r>
-              <a:rPr lang="zh-TW" altLang="en-US" dirty="0"/>
-              <a:t>網格</a:t>
-            </a:r>
-            <a:endParaRPr lang="en-US" altLang="zh-TW" dirty="0"/>
-          </a:p>
-          <a:p>
-            <a:r>
-              <a:rPr lang="en-US" altLang="zh-TW" dirty="0"/>
-              <a:t>3.</a:t>
-            </a:r>
-            <a:r>
-              <a:rPr lang="zh-TW" altLang="en-US"/>
-              <a:t>深度圖</a:t>
-            </a:r>
-            <a:endParaRPr lang="en-US" altLang="zh-TW" dirty="0"/>
-          </a:p>
-          <a:p>
-            <a:endParaRPr lang="zh-TW" altLang="en-US" dirty="0"/>
           </a:p>
         </p:txBody>
       </p:sp>
@@ -14047,7 +14012,7 @@
             <a:fld id="{EF8A6B0B-A5FB-4629-B823-69B1A9EB3A43}" type="slidenum">
               <a:rPr lang="zh-TW" altLang="en-US" smtClean="0"/>
               <a:pPr/>
-              <a:t>32</a:t>
+              <a:t>33</a:t>
             </a:fld>
             <a:endParaRPr lang="zh-TW" altLang="en-US" dirty="0"/>
           </a:p>
@@ -14142,7 +14107,7 @@
             <a:fld id="{EF8A6B0B-A5FB-4629-B823-69B1A9EB3A43}" type="slidenum">
               <a:rPr lang="zh-TW" altLang="en-US" smtClean="0"/>
               <a:pPr/>
-              <a:t>5</a:t>
+              <a:t>2</a:t>
             </a:fld>
             <a:endParaRPr lang="zh-TW" altLang="en-US" dirty="0"/>
           </a:p>
@@ -14227,7 +14192,7 @@
             <a:fld id="{EF8A6B0B-A5FB-4629-B823-69B1A9EB3A43}" type="slidenum">
               <a:rPr lang="zh-TW" altLang="en-US" smtClean="0"/>
               <a:pPr/>
-              <a:t>6</a:t>
+              <a:t>3</a:t>
             </a:fld>
             <a:endParaRPr lang="zh-TW" altLang="en-US" dirty="0"/>
           </a:p>
@@ -14376,7 +14341,7 @@
             <a:fld id="{EF8A6B0B-A5FB-4629-B823-69B1A9EB3A43}" type="slidenum">
               <a:rPr lang="zh-TW" altLang="en-US" smtClean="0"/>
               <a:pPr/>
-              <a:t>7</a:t>
+              <a:t>4</a:t>
             </a:fld>
             <a:endParaRPr lang="zh-TW" altLang="en-US" dirty="0"/>
           </a:p>
@@ -14461,7 +14426,7 @@
             <a:fld id="{EF8A6B0B-A5FB-4629-B823-69B1A9EB3A43}" type="slidenum">
               <a:rPr lang="zh-TW" altLang="en-US" smtClean="0"/>
               <a:pPr/>
-              <a:t>12</a:t>
+              <a:t>9</a:t>
             </a:fld>
             <a:endParaRPr lang="zh-TW" altLang="en-US" dirty="0"/>
           </a:p>
@@ -14570,7 +14535,7 @@
             <a:fld id="{EF8A6B0B-A5FB-4629-B823-69B1A9EB3A43}" type="slidenum">
               <a:rPr lang="zh-TW" altLang="en-US" smtClean="0"/>
               <a:pPr/>
-              <a:t>13</a:t>
+              <a:t>10</a:t>
             </a:fld>
             <a:endParaRPr lang="zh-TW" altLang="en-US" dirty="0"/>
           </a:p>
@@ -14679,7 +14644,7 @@
             <a:fld id="{EF8A6B0B-A5FB-4629-B823-69B1A9EB3A43}" type="slidenum">
               <a:rPr lang="zh-TW" altLang="en-US" smtClean="0"/>
               <a:pPr/>
-              <a:t>14</a:t>
+              <a:t>11</a:t>
             </a:fld>
             <a:endParaRPr lang="zh-TW" altLang="en-US" dirty="0"/>
           </a:p>
@@ -14788,7 +14753,7 @@
             <a:fld id="{EF8A6B0B-A5FB-4629-B823-69B1A9EB3A43}" type="slidenum">
               <a:rPr lang="zh-TW" altLang="en-US" smtClean="0"/>
               <a:pPr/>
-              <a:t>15</a:t>
+              <a:t>12</a:t>
             </a:fld>
             <a:endParaRPr lang="zh-TW" altLang="en-US" dirty="0"/>
           </a:p>
@@ -14897,7 +14862,7 @@
             <a:fld id="{EF8A6B0B-A5FB-4629-B823-69B1A9EB3A43}" type="slidenum">
               <a:rPr lang="zh-TW" altLang="en-US" smtClean="0"/>
               <a:pPr/>
-              <a:t>16</a:t>
+              <a:t>13</a:t>
             </a:fld>
             <a:endParaRPr lang="zh-TW" altLang="en-US" dirty="0"/>
           </a:p>
@@ -18005,1309 +17970,6 @@
   <p:cSld>
     <p:spTree>
       <p:nvGrpSpPr>
-        <p:cNvPr id="1" name=""/>
-        <p:cNvGrpSpPr/>
-        <p:nvPr/>
-      </p:nvGrpSpPr>
-      <p:grpSpPr>
-        <a:xfrm>
-          <a:off x="0" y="0"/>
-          <a:ext cx="0" cy="0"/>
-          <a:chOff x="0" y="0"/>
-          <a:chExt cx="0" cy="0"/>
-        </a:xfrm>
-      </p:grpSpPr>
-      <p:graphicFrame>
-        <p:nvGraphicFramePr>
-          <p:cNvPr id="7" name="內容版面配置區 6">
-            <a:extLst>
-              <a:ext uri="{FF2B5EF4-FFF2-40B4-BE49-F238E27FC236}">
-                <a16:creationId xmlns:a16="http://schemas.microsoft.com/office/drawing/2014/main" id="{196695FC-8643-4BCA-B463-BD8E56079EE6}"/>
-              </a:ext>
-            </a:extLst>
-          </p:cNvPr>
-          <p:cNvGraphicFramePr>
-            <a:graphicFrameLocks noGrp="1"/>
-          </p:cNvGraphicFramePr>
-          <p:nvPr>
-            <p:ph idx="1"/>
-            <p:extLst>
-              <p:ext uri="{D42A27DB-BD31-4B8C-83A1-F6EECF244321}">
-                <p14:modId xmlns:p14="http://schemas.microsoft.com/office/powerpoint/2010/main" val="3439600964"/>
-              </p:ext>
-            </p:extLst>
-          </p:nvPr>
-        </p:nvGraphicFramePr>
-        <p:xfrm>
-          <a:off x="838200" y="1201738"/>
-          <a:ext cx="10515600" cy="5007676"/>
-        </p:xfrm>
-        <a:graphic>
-          <a:graphicData uri="http://schemas.openxmlformats.org/drawingml/2006/table">
-            <a:tbl>
-              <a:tblPr firstRow="1" bandRow="1">
-                <a:tableStyleId>{69CF1AB2-1976-4502-BF36-3FF5EA218861}</a:tableStyleId>
-              </a:tblPr>
-              <a:tblGrid>
-                <a:gridCol w="2946991">
-                  <a:extLst>
-                    <a:ext uri="{9D8B030D-6E8A-4147-A177-3AD203B41FA5}">
-                      <a16:colId xmlns:a16="http://schemas.microsoft.com/office/drawing/2014/main" val="1525235260"/>
-                    </a:ext>
-                  </a:extLst>
-                </a:gridCol>
-                <a:gridCol w="7568609">
-                  <a:extLst>
-                    <a:ext uri="{9D8B030D-6E8A-4147-A177-3AD203B41FA5}">
-                      <a16:colId xmlns:a16="http://schemas.microsoft.com/office/drawing/2014/main" val="3150341969"/>
-                    </a:ext>
-                  </a:extLst>
-                </a:gridCol>
-              </a:tblGrid>
-              <a:tr h="1251919">
-                <a:tc>
-                  <a:txBody>
-                    <a:bodyPr/>
-                    <a:lstStyle/>
-                    <a:p>
-                      <a:pPr algn="ctr"/>
-                      <a:r>
-                        <a:rPr lang="en-US" altLang="zh-TW" dirty="0">
-                          <a:latin typeface="Times New Roman" panose="02020603050405020304" pitchFamily="18" charset="0"/>
-                          <a:ea typeface="標楷體" panose="03000509000000000000" pitchFamily="65" charset="-120"/>
-                          <a:cs typeface="Times New Roman" panose="02020603050405020304" pitchFamily="18" charset="0"/>
-                        </a:rPr>
-                        <a:t>Input</a:t>
-                      </a:r>
-                      <a:endParaRPr lang="zh-TW" altLang="en-US" dirty="0">
-                        <a:latin typeface="Times New Roman" panose="02020603050405020304" pitchFamily="18" charset="0"/>
-                        <a:ea typeface="標楷體" panose="03000509000000000000" pitchFamily="65" charset="-120"/>
-                        <a:cs typeface="Times New Roman" panose="02020603050405020304" pitchFamily="18" charset="0"/>
-                      </a:endParaRPr>
-                    </a:p>
-                  </a:txBody>
-                  <a:tcPr anchor="ctr"/>
-                </a:tc>
-                <a:tc>
-                  <a:txBody>
-                    <a:bodyPr/>
-                    <a:lstStyle/>
-                    <a:p>
-                      <a:pPr marL="0" marR="0" lvl="0" indent="0" algn="ctr" defTabSz="914400" rtl="0" eaLnBrk="1" fontAlgn="auto" latinLnBrk="0" hangingPunct="1">
-                        <a:lnSpc>
-                          <a:spcPct val="100000"/>
-                        </a:lnSpc>
-                        <a:spcBef>
-                          <a:spcPts val="0"/>
-                        </a:spcBef>
-                        <a:spcAft>
-                          <a:spcPts val="0"/>
-                        </a:spcAft>
-                        <a:buClrTx/>
-                        <a:buSzTx/>
-                        <a:buFontTx/>
-                        <a:buNone/>
-                        <a:tabLst/>
-                        <a:defRPr/>
-                      </a:pPr>
-                      <a:r>
-                        <a:rPr lang="zh-TW" altLang="en-US" sz="1800" b="0" kern="1200" dirty="0">
-                          <a:solidFill>
-                            <a:schemeClr val="dk1"/>
-                          </a:solidFill>
-                          <a:effectLst/>
-                          <a:latin typeface="Times New Roman" panose="02020603050405020304" pitchFamily="18" charset="0"/>
-                          <a:ea typeface="標楷體" panose="03000509000000000000" pitchFamily="65" charset="-120"/>
-                          <a:cs typeface="Times New Roman" panose="02020603050405020304" pitchFamily="18" charset="0"/>
-                        </a:rPr>
-                        <a:t>原影像</a:t>
-                      </a:r>
-                      <a:r>
-                        <a:rPr lang="en-US" altLang="zh-TW" sz="1800" b="0" kern="1200" dirty="0">
-                          <a:solidFill>
-                            <a:schemeClr val="dk1"/>
-                          </a:solidFill>
-                          <a:effectLst/>
-                          <a:latin typeface="Times New Roman" panose="02020603050405020304" pitchFamily="18" charset="0"/>
-                          <a:ea typeface="標楷體" panose="03000509000000000000" pitchFamily="65" charset="-120"/>
-                          <a:cs typeface="Times New Roman" panose="02020603050405020304" pitchFamily="18" charset="0"/>
-                        </a:rPr>
-                        <a:t>Frame(</a:t>
-                      </a:r>
-                      <a:r>
-                        <a:rPr lang="en-US" altLang="zh-TW" b="0" dirty="0" err="1">
-                          <a:latin typeface="Times New Roman" panose="02020603050405020304" pitchFamily="18" charset="0"/>
-                          <a:ea typeface="標楷體" panose="03000509000000000000" pitchFamily="65" charset="-120"/>
-                          <a:cs typeface="Times New Roman" panose="02020603050405020304" pitchFamily="18" charset="0"/>
-                        </a:rPr>
-                        <a:t>np.ndarray</a:t>
-                      </a:r>
-                      <a:r>
-                        <a:rPr lang="en-US" altLang="zh-TW" b="0" dirty="0">
-                          <a:latin typeface="Times New Roman" panose="02020603050405020304" pitchFamily="18" charset="0"/>
-                          <a:ea typeface="標楷體" panose="03000509000000000000" pitchFamily="65" charset="-120"/>
-                          <a:cs typeface="Times New Roman" panose="02020603050405020304" pitchFamily="18" charset="0"/>
-                        </a:rPr>
-                        <a:t>)</a:t>
-                      </a:r>
-                      <a:endParaRPr lang="en-US" altLang="zh-TW" sz="1800" b="0" kern="1200" dirty="0">
-                        <a:solidFill>
-                          <a:schemeClr val="dk1"/>
-                        </a:solidFill>
-                        <a:effectLst/>
-                        <a:latin typeface="Times New Roman" panose="02020603050405020304" pitchFamily="18" charset="0"/>
-                        <a:ea typeface="標楷體" panose="03000509000000000000" pitchFamily="65" charset="-120"/>
-                        <a:cs typeface="Times New Roman" panose="02020603050405020304" pitchFamily="18" charset="0"/>
-                      </a:endParaRPr>
-                    </a:p>
-                  </a:txBody>
-                  <a:tcPr anchor="ctr"/>
-                </a:tc>
-                <a:extLst>
-                  <a:ext uri="{0D108BD9-81ED-4DB2-BD59-A6C34878D82A}">
-                    <a16:rowId xmlns:a16="http://schemas.microsoft.com/office/drawing/2014/main" val="1796280440"/>
-                  </a:ext>
-                </a:extLst>
-              </a:tr>
-              <a:tr h="1251919">
-                <a:tc>
-                  <a:txBody>
-                    <a:bodyPr/>
-                    <a:lstStyle/>
-                    <a:p>
-                      <a:pPr marL="0" marR="0" lvl="0" indent="0" algn="ctr" defTabSz="914400" rtl="0" eaLnBrk="1" fontAlgn="auto" latinLnBrk="0" hangingPunct="1">
-                        <a:lnSpc>
-                          <a:spcPct val="100000"/>
-                        </a:lnSpc>
-                        <a:spcBef>
-                          <a:spcPts val="0"/>
-                        </a:spcBef>
-                        <a:spcAft>
-                          <a:spcPts val="0"/>
-                        </a:spcAft>
-                        <a:buClrTx/>
-                        <a:buSzTx/>
-                        <a:buFontTx/>
-                        <a:buNone/>
-                        <a:tabLst/>
-                        <a:defRPr/>
-                      </a:pPr>
-                      <a:r>
-                        <a:rPr lang="en-US" altLang="zh-TW" dirty="0">
-                          <a:latin typeface="Times New Roman" panose="02020603050405020304" pitchFamily="18" charset="0"/>
-                          <a:ea typeface="標楷體" panose="03000509000000000000" pitchFamily="65" charset="-120"/>
-                          <a:cs typeface="Times New Roman" panose="02020603050405020304" pitchFamily="18" charset="0"/>
-                        </a:rPr>
-                        <a:t>Output</a:t>
-                      </a:r>
-                      <a:endParaRPr lang="zh-TW" altLang="en-US" dirty="0">
-                        <a:latin typeface="Times New Roman" panose="02020603050405020304" pitchFamily="18" charset="0"/>
-                        <a:ea typeface="標楷體" panose="03000509000000000000" pitchFamily="65" charset="-120"/>
-                        <a:cs typeface="Times New Roman" panose="02020603050405020304" pitchFamily="18" charset="0"/>
-                      </a:endParaRPr>
-                    </a:p>
-                    <a:p>
-                      <a:pPr algn="ctr"/>
-                      <a:endParaRPr lang="zh-TW" altLang="en-US" dirty="0">
-                        <a:latin typeface="Times New Roman" panose="02020603050405020304" pitchFamily="18" charset="0"/>
-                        <a:ea typeface="標楷體" panose="03000509000000000000" pitchFamily="65" charset="-120"/>
-                        <a:cs typeface="Times New Roman" panose="02020603050405020304" pitchFamily="18" charset="0"/>
-                      </a:endParaRPr>
-                    </a:p>
-                  </a:txBody>
-                  <a:tcPr anchor="ctr"/>
-                </a:tc>
-                <a:tc>
-                  <a:txBody>
-                    <a:bodyPr/>
-                    <a:lstStyle/>
-                    <a:p>
-                      <a:pPr marL="0" marR="0" lvl="0" indent="0" algn="ctr" defTabSz="914400" rtl="0" eaLnBrk="1" fontAlgn="auto" latinLnBrk="0" hangingPunct="1">
-                        <a:lnSpc>
-                          <a:spcPct val="100000"/>
-                        </a:lnSpc>
-                        <a:spcBef>
-                          <a:spcPts val="0"/>
-                        </a:spcBef>
-                        <a:spcAft>
-                          <a:spcPts val="0"/>
-                        </a:spcAft>
-                        <a:buClrTx/>
-                        <a:buSzTx/>
-                        <a:buFontTx/>
-                        <a:buNone/>
-                        <a:tabLst/>
-                        <a:defRPr/>
-                      </a:pPr>
-                      <a:r>
-                        <a:rPr lang="zh-TW" altLang="en-US" b="0" dirty="0">
-                          <a:latin typeface="Times New Roman" panose="02020603050405020304" pitchFamily="18" charset="0"/>
-                          <a:ea typeface="標楷體" panose="03000509000000000000" pitchFamily="65" charset="-120"/>
-                          <a:cs typeface="Times New Roman" panose="02020603050405020304" pitchFamily="18" charset="0"/>
-                        </a:rPr>
-                        <a:t>辨識結果影像</a:t>
-                      </a:r>
-                      <a:r>
-                        <a:rPr lang="en-US" altLang="zh-TW" sz="1800" b="0" kern="1200" dirty="0">
-                          <a:solidFill>
-                            <a:schemeClr val="dk1"/>
-                          </a:solidFill>
-                          <a:effectLst/>
-                          <a:latin typeface="Times New Roman" panose="02020603050405020304" pitchFamily="18" charset="0"/>
-                          <a:ea typeface="標楷體" panose="03000509000000000000" pitchFamily="65" charset="-120"/>
-                          <a:cs typeface="Times New Roman" panose="02020603050405020304" pitchFamily="18" charset="0"/>
-                        </a:rPr>
-                        <a:t>output(</a:t>
-                      </a:r>
-                      <a:r>
-                        <a:rPr lang="en-US" altLang="zh-TW" b="0" dirty="0" err="1">
-                          <a:latin typeface="Times New Roman" panose="02020603050405020304" pitchFamily="18" charset="0"/>
-                          <a:ea typeface="標楷體" panose="03000509000000000000" pitchFamily="65" charset="-120"/>
-                          <a:cs typeface="Times New Roman" panose="02020603050405020304" pitchFamily="18" charset="0"/>
-                        </a:rPr>
-                        <a:t>np.ndarray</a:t>
-                      </a:r>
-                      <a:r>
-                        <a:rPr lang="en-US" altLang="zh-TW" b="0" dirty="0">
-                          <a:latin typeface="Times New Roman" panose="02020603050405020304" pitchFamily="18" charset="0"/>
-                          <a:ea typeface="標楷體" panose="03000509000000000000" pitchFamily="65" charset="-120"/>
-                          <a:cs typeface="Times New Roman" panose="02020603050405020304" pitchFamily="18" charset="0"/>
-                        </a:rPr>
-                        <a:t>)</a:t>
-                      </a:r>
-                      <a:endParaRPr lang="en-US" altLang="zh-TW" sz="1800" b="0" kern="1200" dirty="0">
-                        <a:solidFill>
-                          <a:schemeClr val="dk1"/>
-                        </a:solidFill>
-                        <a:effectLst/>
-                        <a:latin typeface="Times New Roman" panose="02020603050405020304" pitchFamily="18" charset="0"/>
-                        <a:ea typeface="標楷體" panose="03000509000000000000" pitchFamily="65" charset="-120"/>
-                        <a:cs typeface="Times New Roman" panose="02020603050405020304" pitchFamily="18" charset="0"/>
-                      </a:endParaRPr>
-                    </a:p>
-                    <a:p>
-                      <a:pPr algn="ctr"/>
-                      <a:endParaRPr lang="zh-TW" altLang="en-US" b="0" dirty="0">
-                        <a:latin typeface="Times New Roman" panose="02020603050405020304" pitchFamily="18" charset="0"/>
-                        <a:ea typeface="標楷體" panose="03000509000000000000" pitchFamily="65" charset="-120"/>
-                        <a:cs typeface="Times New Roman" panose="02020603050405020304" pitchFamily="18" charset="0"/>
-                      </a:endParaRPr>
-                    </a:p>
-                  </a:txBody>
-                  <a:tcPr anchor="ctr"/>
-                </a:tc>
-                <a:extLst>
-                  <a:ext uri="{0D108BD9-81ED-4DB2-BD59-A6C34878D82A}">
-                    <a16:rowId xmlns:a16="http://schemas.microsoft.com/office/drawing/2014/main" val="1237557617"/>
-                  </a:ext>
-                </a:extLst>
-              </a:tr>
-              <a:tr h="1251919">
-                <a:tc>
-                  <a:txBody>
-                    <a:bodyPr/>
-                    <a:lstStyle/>
-                    <a:p>
-                      <a:pPr algn="ctr"/>
-                      <a:r>
-                        <a:rPr lang="en-US" altLang="zh-TW" dirty="0">
-                          <a:latin typeface="Times New Roman" panose="02020603050405020304" pitchFamily="18" charset="0"/>
-                          <a:ea typeface="標楷體" panose="03000509000000000000" pitchFamily="65" charset="-120"/>
-                          <a:cs typeface="Times New Roman" panose="02020603050405020304" pitchFamily="18" charset="0"/>
-                        </a:rPr>
-                        <a:t>Description</a:t>
-                      </a:r>
-                      <a:endParaRPr lang="zh-TW" altLang="en-US" dirty="0">
-                        <a:latin typeface="Times New Roman" panose="02020603050405020304" pitchFamily="18" charset="0"/>
-                        <a:ea typeface="標楷體" panose="03000509000000000000" pitchFamily="65" charset="-120"/>
-                        <a:cs typeface="Times New Roman" panose="02020603050405020304" pitchFamily="18" charset="0"/>
-                      </a:endParaRPr>
-                    </a:p>
-                  </a:txBody>
-                  <a:tcPr anchor="ctr"/>
-                </a:tc>
-                <a:tc>
-                  <a:txBody>
-                    <a:bodyPr/>
-                    <a:lstStyle/>
-                    <a:p>
-                      <a:pPr algn="ctr"/>
-                      <a:r>
-                        <a:rPr lang="zh-TW" altLang="en-US" b="0" dirty="0">
-                          <a:latin typeface="Times New Roman" panose="02020603050405020304" pitchFamily="18" charset="0"/>
-                          <a:ea typeface="標楷體" panose="03000509000000000000" pitchFamily="65" charset="-120"/>
-                          <a:cs typeface="Times New Roman" panose="02020603050405020304" pitchFamily="18" charset="0"/>
-                        </a:rPr>
-                        <a:t>對影像作前處理後，偵測圓形，並標示在畫面上。</a:t>
-                      </a:r>
-                    </a:p>
-                  </a:txBody>
-                  <a:tcPr anchor="ctr"/>
-                </a:tc>
-                <a:extLst>
-                  <a:ext uri="{0D108BD9-81ED-4DB2-BD59-A6C34878D82A}">
-                    <a16:rowId xmlns:a16="http://schemas.microsoft.com/office/drawing/2014/main" val="2724953223"/>
-                  </a:ext>
-                </a:extLst>
-              </a:tr>
-              <a:tr h="1251919">
-                <a:tc>
-                  <a:txBody>
-                    <a:bodyPr/>
-                    <a:lstStyle/>
-                    <a:p>
-                      <a:pPr algn="ctr"/>
-                      <a:r>
-                        <a:rPr lang="en-US" altLang="zh-TW" dirty="0">
-                          <a:latin typeface="Times New Roman" panose="02020603050405020304" pitchFamily="18" charset="0"/>
-                          <a:ea typeface="標楷體" panose="03000509000000000000" pitchFamily="65" charset="-120"/>
-                          <a:cs typeface="Times New Roman" panose="02020603050405020304" pitchFamily="18" charset="0"/>
-                        </a:rPr>
-                        <a:t>Method</a:t>
-                      </a:r>
-                      <a:endParaRPr lang="zh-TW" altLang="en-US" dirty="0">
-                        <a:latin typeface="Times New Roman" panose="02020603050405020304" pitchFamily="18" charset="0"/>
-                        <a:ea typeface="標楷體" panose="03000509000000000000" pitchFamily="65" charset="-120"/>
-                        <a:cs typeface="Times New Roman" panose="02020603050405020304" pitchFamily="18" charset="0"/>
-                      </a:endParaRPr>
-                    </a:p>
-                  </a:txBody>
-                  <a:tcPr anchor="ctr"/>
-                </a:tc>
-                <a:tc>
-                  <a:txBody>
-                    <a:bodyPr/>
-                    <a:lstStyle/>
-                    <a:p>
-                      <a:pPr algn="ctr"/>
-                      <a:r>
-                        <a:rPr lang="zh-TW" altLang="en-US" b="0" dirty="0">
-                          <a:latin typeface="Times New Roman" panose="02020603050405020304" pitchFamily="18" charset="0"/>
-                          <a:ea typeface="標楷體" panose="03000509000000000000" pitchFamily="65" charset="-120"/>
-                          <a:cs typeface="Times New Roman" panose="02020603050405020304" pitchFamily="18" charset="0"/>
-                        </a:rPr>
-                        <a:t>使用設定好的座標框選</a:t>
-                      </a:r>
-                      <a:r>
-                        <a:rPr lang="en-US" altLang="zh-TW" b="0" dirty="0">
-                          <a:latin typeface="Times New Roman" panose="02020603050405020304" pitchFamily="18" charset="0"/>
-                          <a:ea typeface="標楷體" panose="03000509000000000000" pitchFamily="65" charset="-120"/>
-                          <a:cs typeface="Times New Roman" panose="02020603050405020304" pitchFamily="18" charset="0"/>
-                        </a:rPr>
-                        <a:t>ROI</a:t>
-                      </a:r>
-                      <a:r>
-                        <a:rPr lang="zh-TW" altLang="en-US" b="0" dirty="0">
-                          <a:latin typeface="Times New Roman" panose="02020603050405020304" pitchFamily="18" charset="0"/>
-                          <a:ea typeface="標楷體" panose="03000509000000000000" pitchFamily="65" charset="-120"/>
-                          <a:cs typeface="Times New Roman" panose="02020603050405020304" pitchFamily="18" charset="0"/>
-                        </a:rPr>
-                        <a:t>，並對影像作灰階及高斯濾波，後使用霍夫圓檢測辨識後，並標示在畫面上。</a:t>
-                      </a:r>
-                    </a:p>
-                  </a:txBody>
-                  <a:tcPr anchor="ctr"/>
-                </a:tc>
-                <a:extLst>
-                  <a:ext uri="{0D108BD9-81ED-4DB2-BD59-A6C34878D82A}">
-                    <a16:rowId xmlns:a16="http://schemas.microsoft.com/office/drawing/2014/main" val="1249205175"/>
-                  </a:ext>
-                </a:extLst>
-              </a:tr>
-            </a:tbl>
-          </a:graphicData>
-        </a:graphic>
-      </p:graphicFrame>
-      <p:sp>
-        <p:nvSpPr>
-          <p:cNvPr id="3" name="標題 2">
-            <a:extLst>
-              <a:ext uri="{FF2B5EF4-FFF2-40B4-BE49-F238E27FC236}">
-                <a16:creationId xmlns:a16="http://schemas.microsoft.com/office/drawing/2014/main" id="{6A7930DE-6901-442B-83B7-7F6681C80DC6}"/>
-              </a:ext>
-            </a:extLst>
-          </p:cNvPr>
-          <p:cNvSpPr>
-            <a:spLocks noGrp="1"/>
-          </p:cNvSpPr>
-          <p:nvPr>
-            <p:ph type="title"/>
-          </p:nvPr>
-        </p:nvSpPr>
-        <p:spPr/>
-        <p:txBody>
-          <a:bodyPr>
-            <a:normAutofit/>
-          </a:bodyPr>
-          <a:lstStyle/>
-          <a:p>
-            <a:r>
-              <a:rPr lang="en-US" altLang="zh-TW" dirty="0" err="1"/>
-              <a:t>Function:process_frame</a:t>
-            </a:r>
-            <a:endParaRPr lang="zh-TW" altLang="en-US" dirty="0"/>
-          </a:p>
-        </p:txBody>
-      </p:sp>
-    </p:spTree>
-    <p:extLst>
-      <p:ext uri="{BB962C8B-B14F-4D97-AF65-F5344CB8AC3E}">
-        <p14:creationId xmlns:p14="http://schemas.microsoft.com/office/powerpoint/2010/main" val="3548823149"/>
-      </p:ext>
-    </p:extLst>
-  </p:cSld>
-  <p:clrMapOvr>
-    <a:masterClrMapping/>
-  </p:clrMapOvr>
-</p:sld>
-</file>
-
-<file path=ppt/slides/slide11.xml><?xml version="1.0" encoding="utf-8"?>
-<p:sld xmlns:a="http://schemas.openxmlformats.org/drawingml/2006/main" xmlns:r="http://schemas.openxmlformats.org/officeDocument/2006/relationships" xmlns:p="http://schemas.openxmlformats.org/presentationml/2006/main">
-  <p:cSld>
-    <p:spTree>
-      <p:nvGrpSpPr>
-        <p:cNvPr id="1" name=""/>
-        <p:cNvGrpSpPr/>
-        <p:nvPr/>
-      </p:nvGrpSpPr>
-      <p:grpSpPr>
-        <a:xfrm>
-          <a:off x="0" y="0"/>
-          <a:ext cx="0" cy="0"/>
-          <a:chOff x="0" y="0"/>
-          <a:chExt cx="0" cy="0"/>
-        </a:xfrm>
-      </p:grpSpPr>
-      <p:graphicFrame>
-        <p:nvGraphicFramePr>
-          <p:cNvPr id="7" name="內容版面配置區 6">
-            <a:extLst>
-              <a:ext uri="{FF2B5EF4-FFF2-40B4-BE49-F238E27FC236}">
-                <a16:creationId xmlns:a16="http://schemas.microsoft.com/office/drawing/2014/main" id="{196695FC-8643-4BCA-B463-BD8E56079EE6}"/>
-              </a:ext>
-            </a:extLst>
-          </p:cNvPr>
-          <p:cNvGraphicFramePr>
-            <a:graphicFrameLocks noGrp="1"/>
-          </p:cNvGraphicFramePr>
-          <p:nvPr>
-            <p:ph idx="1"/>
-            <p:extLst>
-              <p:ext uri="{D42A27DB-BD31-4B8C-83A1-F6EECF244321}">
-                <p14:modId xmlns:p14="http://schemas.microsoft.com/office/powerpoint/2010/main" val="3535800783"/>
-              </p:ext>
-            </p:extLst>
-          </p:nvPr>
-        </p:nvGraphicFramePr>
-        <p:xfrm>
-          <a:off x="838200" y="1201738"/>
-          <a:ext cx="10515600" cy="5007676"/>
-        </p:xfrm>
-        <a:graphic>
-          <a:graphicData uri="http://schemas.openxmlformats.org/drawingml/2006/table">
-            <a:tbl>
-              <a:tblPr firstRow="1" bandRow="1">
-                <a:tableStyleId>{69CF1AB2-1976-4502-BF36-3FF5EA218861}</a:tableStyleId>
-              </a:tblPr>
-              <a:tblGrid>
-                <a:gridCol w="2946991">
-                  <a:extLst>
-                    <a:ext uri="{9D8B030D-6E8A-4147-A177-3AD203B41FA5}">
-                      <a16:colId xmlns:a16="http://schemas.microsoft.com/office/drawing/2014/main" val="1525235260"/>
-                    </a:ext>
-                  </a:extLst>
-                </a:gridCol>
-                <a:gridCol w="7568609">
-                  <a:extLst>
-                    <a:ext uri="{9D8B030D-6E8A-4147-A177-3AD203B41FA5}">
-                      <a16:colId xmlns:a16="http://schemas.microsoft.com/office/drawing/2014/main" val="3150341969"/>
-                    </a:ext>
-                  </a:extLst>
-                </a:gridCol>
-              </a:tblGrid>
-              <a:tr h="1251919">
-                <a:tc>
-                  <a:txBody>
-                    <a:bodyPr/>
-                    <a:lstStyle/>
-                    <a:p>
-                      <a:pPr algn="ctr"/>
-                      <a:r>
-                        <a:rPr lang="en-US" altLang="zh-TW" dirty="0">
-                          <a:latin typeface="Times New Roman" panose="02020603050405020304" pitchFamily="18" charset="0"/>
-                          <a:ea typeface="標楷體" panose="03000509000000000000" pitchFamily="65" charset="-120"/>
-                          <a:cs typeface="Times New Roman" panose="02020603050405020304" pitchFamily="18" charset="0"/>
-                        </a:rPr>
-                        <a:t>Input</a:t>
-                      </a:r>
-                      <a:endParaRPr lang="zh-TW" altLang="en-US" dirty="0">
-                        <a:latin typeface="Times New Roman" panose="02020603050405020304" pitchFamily="18" charset="0"/>
-                        <a:ea typeface="標楷體" panose="03000509000000000000" pitchFamily="65" charset="-120"/>
-                        <a:cs typeface="Times New Roman" panose="02020603050405020304" pitchFamily="18" charset="0"/>
-                      </a:endParaRPr>
-                    </a:p>
-                  </a:txBody>
-                  <a:tcPr anchor="ctr"/>
-                </a:tc>
-                <a:tc>
-                  <a:txBody>
-                    <a:bodyPr/>
-                    <a:lstStyle/>
-                    <a:p>
-                      <a:pPr algn="ctr"/>
-                      <a:r>
-                        <a:rPr lang="en-US" altLang="zh-TW" b="0" dirty="0">
-                          <a:latin typeface="Times New Roman" panose="02020603050405020304" pitchFamily="18" charset="0"/>
-                          <a:ea typeface="標楷體" panose="03000509000000000000" pitchFamily="65" charset="-120"/>
-                          <a:cs typeface="Times New Roman" panose="02020603050405020304" pitchFamily="18" charset="0"/>
-                        </a:rPr>
-                        <a:t>None</a:t>
-                      </a:r>
-                      <a:endParaRPr lang="zh-TW" altLang="en-US" b="0" dirty="0">
-                        <a:latin typeface="Times New Roman" panose="02020603050405020304" pitchFamily="18" charset="0"/>
-                        <a:ea typeface="標楷體" panose="03000509000000000000" pitchFamily="65" charset="-120"/>
-                        <a:cs typeface="Times New Roman" panose="02020603050405020304" pitchFamily="18" charset="0"/>
-                      </a:endParaRPr>
-                    </a:p>
-                  </a:txBody>
-                  <a:tcPr anchor="ctr"/>
-                </a:tc>
-                <a:extLst>
-                  <a:ext uri="{0D108BD9-81ED-4DB2-BD59-A6C34878D82A}">
-                    <a16:rowId xmlns:a16="http://schemas.microsoft.com/office/drawing/2014/main" val="1796280440"/>
-                  </a:ext>
-                </a:extLst>
-              </a:tr>
-              <a:tr h="1251919">
-                <a:tc>
-                  <a:txBody>
-                    <a:bodyPr/>
-                    <a:lstStyle/>
-                    <a:p>
-                      <a:pPr marL="0" marR="0" lvl="0" indent="0" algn="ctr" defTabSz="914400" rtl="0" eaLnBrk="1" fontAlgn="auto" latinLnBrk="0" hangingPunct="1">
-                        <a:lnSpc>
-                          <a:spcPct val="100000"/>
-                        </a:lnSpc>
-                        <a:spcBef>
-                          <a:spcPts val="0"/>
-                        </a:spcBef>
-                        <a:spcAft>
-                          <a:spcPts val="0"/>
-                        </a:spcAft>
-                        <a:buClrTx/>
-                        <a:buSzTx/>
-                        <a:buFontTx/>
-                        <a:buNone/>
-                        <a:tabLst/>
-                        <a:defRPr/>
-                      </a:pPr>
-                      <a:r>
-                        <a:rPr lang="en-US" altLang="zh-TW" dirty="0">
-                          <a:latin typeface="Times New Roman" panose="02020603050405020304" pitchFamily="18" charset="0"/>
-                          <a:ea typeface="標楷體" panose="03000509000000000000" pitchFamily="65" charset="-120"/>
-                          <a:cs typeface="Times New Roman" panose="02020603050405020304" pitchFamily="18" charset="0"/>
-                        </a:rPr>
-                        <a:t>Output</a:t>
-                      </a:r>
-                      <a:endParaRPr lang="zh-TW" altLang="en-US" dirty="0">
-                        <a:latin typeface="Times New Roman" panose="02020603050405020304" pitchFamily="18" charset="0"/>
-                        <a:ea typeface="標楷體" panose="03000509000000000000" pitchFamily="65" charset="-120"/>
-                        <a:cs typeface="Times New Roman" panose="02020603050405020304" pitchFamily="18" charset="0"/>
-                      </a:endParaRPr>
-                    </a:p>
-                    <a:p>
-                      <a:pPr algn="ctr"/>
-                      <a:endParaRPr lang="zh-TW" altLang="en-US" dirty="0">
-                        <a:latin typeface="Times New Roman" panose="02020603050405020304" pitchFamily="18" charset="0"/>
-                        <a:ea typeface="標楷體" panose="03000509000000000000" pitchFamily="65" charset="-120"/>
-                        <a:cs typeface="Times New Roman" panose="02020603050405020304" pitchFamily="18" charset="0"/>
-                      </a:endParaRPr>
-                    </a:p>
-                  </a:txBody>
-                  <a:tcPr anchor="ctr"/>
-                </a:tc>
-                <a:tc>
-                  <a:txBody>
-                    <a:bodyPr/>
-                    <a:lstStyle/>
-                    <a:p>
-                      <a:pPr algn="ctr"/>
-                      <a:r>
-                        <a:rPr lang="en-US" altLang="zh-TW" b="0" dirty="0">
-                          <a:latin typeface="Times New Roman" panose="02020603050405020304" pitchFamily="18" charset="0"/>
-                          <a:ea typeface="標楷體" panose="03000509000000000000" pitchFamily="65" charset="-120"/>
-                          <a:cs typeface="Times New Roman" panose="02020603050405020304" pitchFamily="18" charset="0"/>
-                        </a:rPr>
-                        <a:t>None</a:t>
-                      </a:r>
-                      <a:endParaRPr lang="zh-TW" altLang="en-US" b="0" dirty="0">
-                        <a:latin typeface="Times New Roman" panose="02020603050405020304" pitchFamily="18" charset="0"/>
-                        <a:ea typeface="標楷體" panose="03000509000000000000" pitchFamily="65" charset="-120"/>
-                        <a:cs typeface="Times New Roman" panose="02020603050405020304" pitchFamily="18" charset="0"/>
-                      </a:endParaRPr>
-                    </a:p>
-                  </a:txBody>
-                  <a:tcPr anchor="ctr"/>
-                </a:tc>
-                <a:extLst>
-                  <a:ext uri="{0D108BD9-81ED-4DB2-BD59-A6C34878D82A}">
-                    <a16:rowId xmlns:a16="http://schemas.microsoft.com/office/drawing/2014/main" val="1237557617"/>
-                  </a:ext>
-                </a:extLst>
-              </a:tr>
-              <a:tr h="1251919">
-                <a:tc>
-                  <a:txBody>
-                    <a:bodyPr/>
-                    <a:lstStyle/>
-                    <a:p>
-                      <a:pPr algn="ctr"/>
-                      <a:r>
-                        <a:rPr lang="en-US" altLang="zh-TW" dirty="0">
-                          <a:latin typeface="Times New Roman" panose="02020603050405020304" pitchFamily="18" charset="0"/>
-                          <a:ea typeface="標楷體" panose="03000509000000000000" pitchFamily="65" charset="-120"/>
-                          <a:cs typeface="Times New Roman" panose="02020603050405020304" pitchFamily="18" charset="0"/>
-                        </a:rPr>
-                        <a:t>Description</a:t>
-                      </a:r>
-                      <a:endParaRPr lang="zh-TW" altLang="en-US" dirty="0">
-                        <a:latin typeface="Times New Roman" panose="02020603050405020304" pitchFamily="18" charset="0"/>
-                        <a:ea typeface="標楷體" panose="03000509000000000000" pitchFamily="65" charset="-120"/>
-                        <a:cs typeface="Times New Roman" panose="02020603050405020304" pitchFamily="18" charset="0"/>
-                      </a:endParaRPr>
-                    </a:p>
-                  </a:txBody>
-                  <a:tcPr anchor="ctr"/>
-                </a:tc>
-                <a:tc>
-                  <a:txBody>
-                    <a:bodyPr/>
-                    <a:lstStyle/>
-                    <a:p>
-                      <a:pPr algn="ctr"/>
-                      <a:r>
-                        <a:rPr lang="zh-TW" altLang="en-US" b="0" dirty="0">
-                          <a:latin typeface="Times New Roman" panose="02020603050405020304" pitchFamily="18" charset="0"/>
-                          <a:ea typeface="標楷體" panose="03000509000000000000" pitchFamily="65" charset="-120"/>
-                          <a:cs typeface="Times New Roman" panose="02020603050405020304" pitchFamily="18" charset="0"/>
-                        </a:rPr>
-                        <a:t>讀取影像並顯示結果</a:t>
-                      </a:r>
-                    </a:p>
-                  </a:txBody>
-                  <a:tcPr anchor="ctr"/>
-                </a:tc>
-                <a:extLst>
-                  <a:ext uri="{0D108BD9-81ED-4DB2-BD59-A6C34878D82A}">
-                    <a16:rowId xmlns:a16="http://schemas.microsoft.com/office/drawing/2014/main" val="2724953223"/>
-                  </a:ext>
-                </a:extLst>
-              </a:tr>
-              <a:tr h="1251919">
-                <a:tc>
-                  <a:txBody>
-                    <a:bodyPr/>
-                    <a:lstStyle/>
-                    <a:p>
-                      <a:pPr algn="ctr"/>
-                      <a:r>
-                        <a:rPr lang="en-US" altLang="zh-TW" dirty="0">
-                          <a:latin typeface="Times New Roman" panose="02020603050405020304" pitchFamily="18" charset="0"/>
-                          <a:ea typeface="標楷體" panose="03000509000000000000" pitchFamily="65" charset="-120"/>
-                          <a:cs typeface="Times New Roman" panose="02020603050405020304" pitchFamily="18" charset="0"/>
-                        </a:rPr>
-                        <a:t>Method</a:t>
-                      </a:r>
-                      <a:endParaRPr lang="zh-TW" altLang="en-US" dirty="0">
-                        <a:latin typeface="Times New Roman" panose="02020603050405020304" pitchFamily="18" charset="0"/>
-                        <a:ea typeface="標楷體" panose="03000509000000000000" pitchFamily="65" charset="-120"/>
-                        <a:cs typeface="Times New Roman" panose="02020603050405020304" pitchFamily="18" charset="0"/>
-                      </a:endParaRPr>
-                    </a:p>
-                  </a:txBody>
-                  <a:tcPr anchor="ctr"/>
-                </a:tc>
-                <a:tc>
-                  <a:txBody>
-                    <a:bodyPr/>
-                    <a:lstStyle/>
-                    <a:p>
-                      <a:pPr algn="ctr"/>
-                      <a:endParaRPr lang="zh-TW" altLang="en-US" b="0" dirty="0">
-                        <a:latin typeface="Times New Roman" panose="02020603050405020304" pitchFamily="18" charset="0"/>
-                        <a:ea typeface="標楷體" panose="03000509000000000000" pitchFamily="65" charset="-120"/>
-                        <a:cs typeface="Times New Roman" panose="02020603050405020304" pitchFamily="18" charset="0"/>
-                      </a:endParaRPr>
-                    </a:p>
-                  </a:txBody>
-                  <a:tcPr anchor="ctr"/>
-                </a:tc>
-                <a:extLst>
-                  <a:ext uri="{0D108BD9-81ED-4DB2-BD59-A6C34878D82A}">
-                    <a16:rowId xmlns:a16="http://schemas.microsoft.com/office/drawing/2014/main" val="1249205175"/>
-                  </a:ext>
-                </a:extLst>
-              </a:tr>
-            </a:tbl>
-          </a:graphicData>
-        </a:graphic>
-      </p:graphicFrame>
-      <p:sp>
-        <p:nvSpPr>
-          <p:cNvPr id="3" name="標題 2">
-            <a:extLst>
-              <a:ext uri="{FF2B5EF4-FFF2-40B4-BE49-F238E27FC236}">
-                <a16:creationId xmlns:a16="http://schemas.microsoft.com/office/drawing/2014/main" id="{6A7930DE-6901-442B-83B7-7F6681C80DC6}"/>
-              </a:ext>
-            </a:extLst>
-          </p:cNvPr>
-          <p:cNvSpPr>
-            <a:spLocks noGrp="1"/>
-          </p:cNvSpPr>
-          <p:nvPr>
-            <p:ph type="title"/>
-          </p:nvPr>
-        </p:nvSpPr>
-        <p:spPr/>
-        <p:txBody>
-          <a:bodyPr>
-            <a:normAutofit/>
-          </a:bodyPr>
-          <a:lstStyle/>
-          <a:p>
-            <a:r>
-              <a:rPr lang="en-US" altLang="zh-TW" dirty="0" err="1"/>
-              <a:t>Function:process_video</a:t>
-            </a:r>
-            <a:endParaRPr lang="zh-TW" altLang="en-US" dirty="0"/>
-          </a:p>
-        </p:txBody>
-      </p:sp>
-    </p:spTree>
-    <p:extLst>
-      <p:ext uri="{BB962C8B-B14F-4D97-AF65-F5344CB8AC3E}">
-        <p14:creationId xmlns:p14="http://schemas.microsoft.com/office/powerpoint/2010/main" val="2824849072"/>
-      </p:ext>
-    </p:extLst>
-  </p:cSld>
-  <p:clrMapOvr>
-    <a:masterClrMapping/>
-  </p:clrMapOvr>
-</p:sld>
-</file>
-
-<file path=ppt/slides/slide12.xml><?xml version="1.0" encoding="utf-8"?>
-<p:sld xmlns:a="http://schemas.openxmlformats.org/drawingml/2006/main" xmlns:r="http://schemas.openxmlformats.org/officeDocument/2006/relationships" xmlns:p="http://schemas.openxmlformats.org/presentationml/2006/main">
-  <p:cSld>
-    <p:spTree>
-      <p:nvGrpSpPr>
-        <p:cNvPr id="1" name="">
-          <a:extLst>
-            <a:ext uri="{FF2B5EF4-FFF2-40B4-BE49-F238E27FC236}">
-              <a16:creationId xmlns:a16="http://schemas.microsoft.com/office/drawing/2014/main" id="{88857372-3048-1677-A6FF-D4886F500597}"/>
-            </a:ext>
-          </a:extLst>
-        </p:cNvPr>
-        <p:cNvGrpSpPr/>
-        <p:nvPr/>
-      </p:nvGrpSpPr>
-      <p:grpSpPr>
-        <a:xfrm>
-          <a:off x="0" y="0"/>
-          <a:ext cx="0" cy="0"/>
-          <a:chOff x="0" y="0"/>
-          <a:chExt cx="0" cy="0"/>
-        </a:xfrm>
-      </p:grpSpPr>
-      <p:graphicFrame>
-        <p:nvGraphicFramePr>
-          <p:cNvPr id="7" name="內容版面配置區 6">
-            <a:extLst>
-              <a:ext uri="{FF2B5EF4-FFF2-40B4-BE49-F238E27FC236}">
-                <a16:creationId xmlns:a16="http://schemas.microsoft.com/office/drawing/2014/main" id="{55426EDC-352D-7049-07D1-5D20455D1EC2}"/>
-              </a:ext>
-            </a:extLst>
-          </p:cNvPr>
-          <p:cNvGraphicFramePr>
-            <a:graphicFrameLocks noGrp="1"/>
-          </p:cNvGraphicFramePr>
-          <p:nvPr>
-            <p:ph idx="1"/>
-            <p:extLst>
-              <p:ext uri="{D42A27DB-BD31-4B8C-83A1-F6EECF244321}">
-                <p14:modId xmlns:p14="http://schemas.microsoft.com/office/powerpoint/2010/main" val="1946277104"/>
-              </p:ext>
-            </p:extLst>
-          </p:nvPr>
-        </p:nvGraphicFramePr>
-        <p:xfrm>
-          <a:off x="838200" y="1201738"/>
-          <a:ext cx="10515600" cy="5007676"/>
-        </p:xfrm>
-        <a:graphic>
-          <a:graphicData uri="http://schemas.openxmlformats.org/drawingml/2006/table">
-            <a:tbl>
-              <a:tblPr firstRow="1" bandRow="1">
-                <a:tableStyleId>{69CF1AB2-1976-4502-BF36-3FF5EA218861}</a:tableStyleId>
-              </a:tblPr>
-              <a:tblGrid>
-                <a:gridCol w="2946991">
-                  <a:extLst>
-                    <a:ext uri="{9D8B030D-6E8A-4147-A177-3AD203B41FA5}">
-                      <a16:colId xmlns:a16="http://schemas.microsoft.com/office/drawing/2014/main" val="1525235260"/>
-                    </a:ext>
-                  </a:extLst>
-                </a:gridCol>
-                <a:gridCol w="7568609">
-                  <a:extLst>
-                    <a:ext uri="{9D8B030D-6E8A-4147-A177-3AD203B41FA5}">
-                      <a16:colId xmlns:a16="http://schemas.microsoft.com/office/drawing/2014/main" val="3150341969"/>
-                    </a:ext>
-                  </a:extLst>
-                </a:gridCol>
-              </a:tblGrid>
-              <a:tr h="1251919">
-                <a:tc>
-                  <a:txBody>
-                    <a:bodyPr/>
-                    <a:lstStyle/>
-                    <a:p>
-                      <a:pPr algn="ctr"/>
-                      <a:r>
-                        <a:rPr lang="en-US" altLang="zh-TW" dirty="0">
-                          <a:latin typeface="Times New Roman" panose="02020603050405020304" pitchFamily="18" charset="0"/>
-                          <a:ea typeface="標楷體" panose="03000509000000000000" pitchFamily="65" charset="-120"/>
-                          <a:cs typeface="Times New Roman" panose="02020603050405020304" pitchFamily="18" charset="0"/>
-                        </a:rPr>
-                        <a:t>Input</a:t>
-                      </a:r>
-                      <a:endParaRPr lang="zh-TW" altLang="en-US" dirty="0">
-                        <a:latin typeface="Times New Roman" panose="02020603050405020304" pitchFamily="18" charset="0"/>
-                        <a:ea typeface="標楷體" panose="03000509000000000000" pitchFamily="65" charset="-120"/>
-                        <a:cs typeface="Times New Roman" panose="02020603050405020304" pitchFamily="18" charset="0"/>
-                      </a:endParaRPr>
-                    </a:p>
-                  </a:txBody>
-                  <a:tcPr anchor="ctr"/>
-                </a:tc>
-                <a:tc>
-                  <a:txBody>
-                    <a:bodyPr/>
-                    <a:lstStyle/>
-                    <a:p>
-                      <a:pPr algn="ctr"/>
-                      <a:r>
-                        <a:rPr lang="zh-TW" altLang="en-US" b="0" dirty="0">
-                          <a:latin typeface="Times New Roman" panose="02020603050405020304" pitchFamily="18" charset="0"/>
-                          <a:ea typeface="標楷體" panose="03000509000000000000" pitchFamily="65" charset="-120"/>
-                          <a:cs typeface="Times New Roman" panose="02020603050405020304" pitchFamily="18" charset="0"/>
-                        </a:rPr>
-                        <a:t>偵測點的 </a:t>
-                      </a:r>
-                      <a:r>
-                        <a:rPr lang="en-US" altLang="zh-TW" b="0" dirty="0">
-                          <a:latin typeface="Times New Roman" panose="02020603050405020304" pitchFamily="18" charset="0"/>
-                          <a:ea typeface="標楷體" panose="03000509000000000000" pitchFamily="65" charset="-120"/>
-                          <a:cs typeface="Times New Roman" panose="02020603050405020304" pitchFamily="18" charset="0"/>
-                        </a:rPr>
-                        <a:t>x </a:t>
-                      </a:r>
-                      <a:r>
-                        <a:rPr lang="zh-TW" altLang="en-US" b="0" dirty="0">
-                          <a:latin typeface="Times New Roman" panose="02020603050405020304" pitchFamily="18" charset="0"/>
-                          <a:ea typeface="標楷體" panose="03000509000000000000" pitchFamily="65" charset="-120"/>
-                          <a:cs typeface="Times New Roman" panose="02020603050405020304" pitchFamily="18" charset="0"/>
-                        </a:rPr>
-                        <a:t>和 </a:t>
-                      </a:r>
-                      <a:r>
-                        <a:rPr lang="en-US" altLang="zh-TW" b="0" dirty="0">
-                          <a:latin typeface="Times New Roman" panose="02020603050405020304" pitchFamily="18" charset="0"/>
-                          <a:ea typeface="標楷體" panose="03000509000000000000" pitchFamily="65" charset="-120"/>
-                          <a:cs typeface="Times New Roman" panose="02020603050405020304" pitchFamily="18" charset="0"/>
-                        </a:rPr>
-                        <a:t>y </a:t>
-                      </a:r>
-                      <a:r>
-                        <a:rPr lang="zh-TW" altLang="en-US" b="0" dirty="0">
-                          <a:latin typeface="Times New Roman" panose="02020603050405020304" pitchFamily="18" charset="0"/>
-                          <a:ea typeface="標楷體" panose="03000509000000000000" pitchFamily="65" charset="-120"/>
-                          <a:cs typeface="Times New Roman" panose="02020603050405020304" pitchFamily="18" charset="0"/>
-                        </a:rPr>
-                        <a:t>座標，以及 </a:t>
-                      </a:r>
-                      <a:r>
-                        <a:rPr lang="en-US" altLang="zh-TW" b="0" dirty="0">
-                          <a:latin typeface="Times New Roman" panose="02020603050405020304" pitchFamily="18" charset="0"/>
-                          <a:ea typeface="標楷體" panose="03000509000000000000" pitchFamily="65" charset="-120"/>
-                          <a:cs typeface="Times New Roman" panose="02020603050405020304" pitchFamily="18" charset="0"/>
-                        </a:rPr>
-                        <a:t>FOE </a:t>
-                      </a:r>
-                      <a:r>
-                        <a:rPr lang="zh-TW" altLang="en-US" b="0" dirty="0">
-                          <a:latin typeface="Times New Roman" panose="02020603050405020304" pitchFamily="18" charset="0"/>
-                          <a:ea typeface="標楷體" panose="03000509000000000000" pitchFamily="65" charset="-120"/>
-                          <a:cs typeface="Times New Roman" panose="02020603050405020304" pitchFamily="18" charset="0"/>
-                        </a:rPr>
-                        <a:t>的 </a:t>
-                      </a:r>
-                      <a:r>
-                        <a:rPr lang="en-US" altLang="zh-TW" b="0" dirty="0">
-                          <a:latin typeface="Times New Roman" panose="02020603050405020304" pitchFamily="18" charset="0"/>
-                          <a:ea typeface="標楷體" panose="03000509000000000000" pitchFamily="65" charset="-120"/>
-                          <a:cs typeface="Times New Roman" panose="02020603050405020304" pitchFamily="18" charset="0"/>
-                        </a:rPr>
-                        <a:t>x </a:t>
-                      </a:r>
-                      <a:r>
-                        <a:rPr lang="zh-TW" altLang="en-US" b="0" dirty="0">
-                          <a:latin typeface="Times New Roman" panose="02020603050405020304" pitchFamily="18" charset="0"/>
-                          <a:ea typeface="標楷體" panose="03000509000000000000" pitchFamily="65" charset="-120"/>
-                          <a:cs typeface="Times New Roman" panose="02020603050405020304" pitchFamily="18" charset="0"/>
-                        </a:rPr>
-                        <a:t>和 </a:t>
-                      </a:r>
-                      <a:r>
-                        <a:rPr lang="en-US" altLang="zh-TW" b="0" dirty="0">
-                          <a:latin typeface="Times New Roman" panose="02020603050405020304" pitchFamily="18" charset="0"/>
-                          <a:ea typeface="標楷體" panose="03000509000000000000" pitchFamily="65" charset="-120"/>
-                          <a:cs typeface="Times New Roman" panose="02020603050405020304" pitchFamily="18" charset="0"/>
-                        </a:rPr>
-                        <a:t>y </a:t>
-                      </a:r>
-                      <a:r>
-                        <a:rPr lang="zh-TW" altLang="en-US" b="0" dirty="0">
-                          <a:latin typeface="Times New Roman" panose="02020603050405020304" pitchFamily="18" charset="0"/>
-                          <a:ea typeface="標楷體" panose="03000509000000000000" pitchFamily="65" charset="-120"/>
-                          <a:cs typeface="Times New Roman" panose="02020603050405020304" pitchFamily="18" charset="0"/>
-                        </a:rPr>
-                        <a:t>座標（</a:t>
-                      </a:r>
-                      <a:r>
-                        <a:rPr lang="en-US" altLang="zh-TW" b="0" dirty="0">
-                          <a:latin typeface="Times New Roman" panose="02020603050405020304" pitchFamily="18" charset="0"/>
-                          <a:ea typeface="標楷體" panose="03000509000000000000" pitchFamily="65" charset="-120"/>
-                          <a:cs typeface="Times New Roman" panose="02020603050405020304" pitchFamily="18" charset="0"/>
-                        </a:rPr>
-                        <a:t>float </a:t>
-                      </a:r>
-                      <a:r>
-                        <a:rPr lang="zh-TW" altLang="en-US" b="0" dirty="0">
-                          <a:latin typeface="Times New Roman" panose="02020603050405020304" pitchFamily="18" charset="0"/>
-                          <a:ea typeface="標楷體" panose="03000509000000000000" pitchFamily="65" charset="-120"/>
-                          <a:cs typeface="Times New Roman" panose="02020603050405020304" pitchFamily="18" charset="0"/>
-                        </a:rPr>
-                        <a:t>型別）</a:t>
-                      </a:r>
-                    </a:p>
-                  </a:txBody>
-                  <a:tcPr anchor="ctr"/>
-                </a:tc>
-                <a:extLst>
-                  <a:ext uri="{0D108BD9-81ED-4DB2-BD59-A6C34878D82A}">
-                    <a16:rowId xmlns:a16="http://schemas.microsoft.com/office/drawing/2014/main" val="1796280440"/>
-                  </a:ext>
-                </a:extLst>
-              </a:tr>
-              <a:tr h="1251919">
-                <a:tc>
-                  <a:txBody>
-                    <a:bodyPr/>
-                    <a:lstStyle/>
-                    <a:p>
-                      <a:pPr marL="0" marR="0" lvl="0" indent="0" algn="ctr" defTabSz="914400" rtl="0" eaLnBrk="1" fontAlgn="auto" latinLnBrk="0" hangingPunct="1">
-                        <a:lnSpc>
-                          <a:spcPct val="100000"/>
-                        </a:lnSpc>
-                        <a:spcBef>
-                          <a:spcPts val="0"/>
-                        </a:spcBef>
-                        <a:spcAft>
-                          <a:spcPts val="0"/>
-                        </a:spcAft>
-                        <a:buClrTx/>
-                        <a:buSzTx/>
-                        <a:buFontTx/>
-                        <a:buNone/>
-                        <a:tabLst/>
-                        <a:defRPr/>
-                      </a:pPr>
-                      <a:r>
-                        <a:rPr lang="en-US" altLang="zh-TW" dirty="0">
-                          <a:latin typeface="Times New Roman" panose="02020603050405020304" pitchFamily="18" charset="0"/>
-                          <a:ea typeface="標楷體" panose="03000509000000000000" pitchFamily="65" charset="-120"/>
-                          <a:cs typeface="Times New Roman" panose="02020603050405020304" pitchFamily="18" charset="0"/>
-                        </a:rPr>
-                        <a:t>Output</a:t>
-                      </a:r>
-                      <a:endParaRPr lang="zh-TW" altLang="en-US" dirty="0">
-                        <a:latin typeface="Times New Roman" panose="02020603050405020304" pitchFamily="18" charset="0"/>
-                        <a:ea typeface="標楷體" panose="03000509000000000000" pitchFamily="65" charset="-120"/>
-                        <a:cs typeface="Times New Roman" panose="02020603050405020304" pitchFamily="18" charset="0"/>
-                      </a:endParaRPr>
-                    </a:p>
-                    <a:p>
-                      <a:pPr algn="ctr"/>
-                      <a:endParaRPr lang="zh-TW" altLang="en-US" dirty="0">
-                        <a:latin typeface="Times New Roman" panose="02020603050405020304" pitchFamily="18" charset="0"/>
-                        <a:ea typeface="標楷體" panose="03000509000000000000" pitchFamily="65" charset="-120"/>
-                        <a:cs typeface="Times New Roman" panose="02020603050405020304" pitchFamily="18" charset="0"/>
-                      </a:endParaRPr>
-                    </a:p>
-                  </a:txBody>
-                  <a:tcPr anchor="ctr"/>
-                </a:tc>
-                <a:tc>
-                  <a:txBody>
-                    <a:bodyPr/>
-                    <a:lstStyle/>
-                    <a:p>
-                      <a:pPr algn="ctr"/>
-                      <a:r>
-                        <a:rPr lang="zh-TW" altLang="en-US" b="0" dirty="0">
-                          <a:latin typeface="Times New Roman" panose="02020603050405020304" pitchFamily="18" charset="0"/>
-                          <a:ea typeface="標楷體" panose="03000509000000000000" pitchFamily="65" charset="-120"/>
-                          <a:cs typeface="Times New Roman" panose="02020603050405020304" pitchFamily="18" charset="0"/>
-                        </a:rPr>
-                        <a:t>返回該點與 </a:t>
-                      </a:r>
-                      <a:r>
-                        <a:rPr lang="en-US" altLang="zh-TW" b="0" dirty="0">
-                          <a:latin typeface="Times New Roman" panose="02020603050405020304" pitchFamily="18" charset="0"/>
-                          <a:ea typeface="標楷體" panose="03000509000000000000" pitchFamily="65" charset="-120"/>
-                          <a:cs typeface="Times New Roman" panose="02020603050405020304" pitchFamily="18" charset="0"/>
-                        </a:rPr>
-                        <a:t>FOE </a:t>
-                      </a:r>
-                      <a:r>
-                        <a:rPr lang="zh-TW" altLang="en-US" b="0" dirty="0">
-                          <a:latin typeface="Times New Roman" panose="02020603050405020304" pitchFamily="18" charset="0"/>
-                          <a:ea typeface="標楷體" panose="03000509000000000000" pitchFamily="65" charset="-120"/>
-                          <a:cs typeface="Times New Roman" panose="02020603050405020304" pitchFamily="18" charset="0"/>
-                        </a:rPr>
-                        <a:t>的歐幾里得距離（</a:t>
-                      </a:r>
-                      <a:r>
-                        <a:rPr lang="en-US" altLang="zh-TW" b="0" dirty="0">
-                          <a:latin typeface="Times New Roman" panose="02020603050405020304" pitchFamily="18" charset="0"/>
-                          <a:ea typeface="標楷體" panose="03000509000000000000" pitchFamily="65" charset="-120"/>
-                          <a:cs typeface="Times New Roman" panose="02020603050405020304" pitchFamily="18" charset="0"/>
-                        </a:rPr>
-                        <a:t>float </a:t>
-                      </a:r>
-                      <a:r>
-                        <a:rPr lang="zh-TW" altLang="en-US" b="0" dirty="0">
-                          <a:latin typeface="Times New Roman" panose="02020603050405020304" pitchFamily="18" charset="0"/>
-                          <a:ea typeface="標楷體" panose="03000509000000000000" pitchFamily="65" charset="-120"/>
-                          <a:cs typeface="Times New Roman" panose="02020603050405020304" pitchFamily="18" charset="0"/>
-                        </a:rPr>
-                        <a:t>型別）</a:t>
-                      </a:r>
-                    </a:p>
-                  </a:txBody>
-                  <a:tcPr anchor="ctr"/>
-                </a:tc>
-                <a:extLst>
-                  <a:ext uri="{0D108BD9-81ED-4DB2-BD59-A6C34878D82A}">
-                    <a16:rowId xmlns:a16="http://schemas.microsoft.com/office/drawing/2014/main" val="1237557617"/>
-                  </a:ext>
-                </a:extLst>
-              </a:tr>
-              <a:tr h="1251919">
-                <a:tc>
-                  <a:txBody>
-                    <a:bodyPr/>
-                    <a:lstStyle/>
-                    <a:p>
-                      <a:pPr algn="ctr"/>
-                      <a:r>
-                        <a:rPr lang="en-US" altLang="zh-TW" dirty="0">
-                          <a:latin typeface="Times New Roman" panose="02020603050405020304" pitchFamily="18" charset="0"/>
-                          <a:ea typeface="標楷體" panose="03000509000000000000" pitchFamily="65" charset="-120"/>
-                          <a:cs typeface="Times New Roman" panose="02020603050405020304" pitchFamily="18" charset="0"/>
-                        </a:rPr>
-                        <a:t>Description</a:t>
-                      </a:r>
-                      <a:endParaRPr lang="zh-TW" altLang="en-US" dirty="0">
-                        <a:latin typeface="Times New Roman" panose="02020603050405020304" pitchFamily="18" charset="0"/>
-                        <a:ea typeface="標楷體" panose="03000509000000000000" pitchFamily="65" charset="-120"/>
-                        <a:cs typeface="Times New Roman" panose="02020603050405020304" pitchFamily="18" charset="0"/>
-                      </a:endParaRPr>
-                    </a:p>
-                  </a:txBody>
-                  <a:tcPr anchor="ctr"/>
-                </a:tc>
-                <a:tc>
-                  <a:txBody>
-                    <a:bodyPr/>
-                    <a:lstStyle/>
-                    <a:p>
-                      <a:pPr algn="ctr"/>
-                      <a:r>
-                        <a:rPr lang="zh-TW" altLang="en-US" b="0" dirty="0">
-                          <a:latin typeface="Times New Roman" panose="02020603050405020304" pitchFamily="18" charset="0"/>
-                          <a:ea typeface="標楷體" panose="03000509000000000000" pitchFamily="65" charset="-120"/>
-                          <a:cs typeface="Times New Roman" panose="02020603050405020304" pitchFamily="18" charset="0"/>
-                        </a:rPr>
-                        <a:t>計算特定點與 </a:t>
-                      </a:r>
-                      <a:r>
-                        <a:rPr lang="en-US" altLang="zh-TW" b="0" dirty="0">
-                          <a:latin typeface="Times New Roman" panose="02020603050405020304" pitchFamily="18" charset="0"/>
-                          <a:ea typeface="標楷體" panose="03000509000000000000" pitchFamily="65" charset="-120"/>
-                          <a:cs typeface="Times New Roman" panose="02020603050405020304" pitchFamily="18" charset="0"/>
-                        </a:rPr>
-                        <a:t>FOE </a:t>
-                      </a:r>
-                      <a:r>
-                        <a:rPr lang="zh-TW" altLang="en-US" b="0" dirty="0">
-                          <a:latin typeface="Times New Roman" panose="02020603050405020304" pitchFamily="18" charset="0"/>
-                          <a:ea typeface="標楷體" panose="03000509000000000000" pitchFamily="65" charset="-120"/>
-                          <a:cs typeface="Times New Roman" panose="02020603050405020304" pitchFamily="18" charset="0"/>
-                        </a:rPr>
-                        <a:t>的距離</a:t>
-                      </a:r>
-                    </a:p>
-                  </a:txBody>
-                  <a:tcPr anchor="ctr"/>
-                </a:tc>
-                <a:extLst>
-                  <a:ext uri="{0D108BD9-81ED-4DB2-BD59-A6C34878D82A}">
-                    <a16:rowId xmlns:a16="http://schemas.microsoft.com/office/drawing/2014/main" val="2724953223"/>
-                  </a:ext>
-                </a:extLst>
-              </a:tr>
-              <a:tr h="1251919">
-                <a:tc>
-                  <a:txBody>
-                    <a:bodyPr/>
-                    <a:lstStyle/>
-                    <a:p>
-                      <a:pPr algn="ctr"/>
-                      <a:r>
-                        <a:rPr lang="en-US" altLang="zh-TW" dirty="0">
-                          <a:latin typeface="Times New Roman" panose="02020603050405020304" pitchFamily="18" charset="0"/>
-                          <a:ea typeface="標楷體" panose="03000509000000000000" pitchFamily="65" charset="-120"/>
-                          <a:cs typeface="Times New Roman" panose="02020603050405020304" pitchFamily="18" charset="0"/>
-                        </a:rPr>
-                        <a:t>Method</a:t>
-                      </a:r>
-                      <a:endParaRPr lang="zh-TW" altLang="en-US" dirty="0">
-                        <a:latin typeface="Times New Roman" panose="02020603050405020304" pitchFamily="18" charset="0"/>
-                        <a:ea typeface="標楷體" panose="03000509000000000000" pitchFamily="65" charset="-120"/>
-                        <a:cs typeface="Times New Roman" panose="02020603050405020304" pitchFamily="18" charset="0"/>
-                      </a:endParaRPr>
-                    </a:p>
-                  </a:txBody>
-                  <a:tcPr anchor="ctr"/>
-                </a:tc>
-                <a:tc>
-                  <a:txBody>
-                    <a:bodyPr/>
-                    <a:lstStyle/>
-                    <a:p>
-                      <a:pPr algn="ctr"/>
-                      <a:r>
-                        <a:rPr lang="zh-TW" altLang="en-US" b="0" dirty="0">
-                          <a:latin typeface="Times New Roman" panose="02020603050405020304" pitchFamily="18" charset="0"/>
-                          <a:ea typeface="標楷體" panose="03000509000000000000" pitchFamily="65" charset="-120"/>
-                          <a:cs typeface="Times New Roman" panose="02020603050405020304" pitchFamily="18" charset="0"/>
-                        </a:rPr>
-                        <a:t>使用歐幾里得公式</a:t>
-                      </a:r>
-                    </a:p>
-                  </a:txBody>
-                  <a:tcPr anchor="ctr"/>
-                </a:tc>
-                <a:extLst>
-                  <a:ext uri="{0D108BD9-81ED-4DB2-BD59-A6C34878D82A}">
-                    <a16:rowId xmlns:a16="http://schemas.microsoft.com/office/drawing/2014/main" val="1249205175"/>
-                  </a:ext>
-                </a:extLst>
-              </a:tr>
-            </a:tbl>
-          </a:graphicData>
-        </a:graphic>
-      </p:graphicFrame>
-      <p:sp>
-        <p:nvSpPr>
-          <p:cNvPr id="3" name="標題 2">
-            <a:extLst>
-              <a:ext uri="{FF2B5EF4-FFF2-40B4-BE49-F238E27FC236}">
-                <a16:creationId xmlns:a16="http://schemas.microsoft.com/office/drawing/2014/main" id="{D4F3953A-46AF-68D1-FCD9-88A190F2C722}"/>
-              </a:ext>
-            </a:extLst>
-          </p:cNvPr>
-          <p:cNvSpPr>
-            <a:spLocks noGrp="1"/>
-          </p:cNvSpPr>
-          <p:nvPr>
-            <p:ph type="title"/>
-          </p:nvPr>
-        </p:nvSpPr>
-        <p:spPr/>
-        <p:txBody>
-          <a:bodyPr>
-            <a:normAutofit/>
-          </a:bodyPr>
-          <a:lstStyle/>
-          <a:p>
-            <a:r>
-              <a:rPr lang="en-US" altLang="zh-TW" dirty="0">
-                <a:cs typeface="Times New Roman" panose="02020603050405020304" pitchFamily="18" charset="0"/>
-              </a:rPr>
-              <a:t>Function</a:t>
-            </a:r>
-            <a:r>
-              <a:rPr lang="zh-TW" altLang="en-US" dirty="0">
-                <a:cs typeface="Times New Roman" panose="02020603050405020304" pitchFamily="18" charset="0"/>
-              </a:rPr>
-              <a:t> </a:t>
-            </a:r>
-            <a:r>
-              <a:rPr lang="en-US" altLang="zh-TW" dirty="0">
-                <a:cs typeface="Times New Roman" panose="02020603050405020304" pitchFamily="18" charset="0"/>
-              </a:rPr>
-              <a:t>:</a:t>
-            </a:r>
-            <a:r>
-              <a:rPr lang="zh-TW" altLang="en-US" dirty="0">
-                <a:cs typeface="Times New Roman" panose="02020603050405020304" pitchFamily="18" charset="0"/>
-              </a:rPr>
-              <a:t> </a:t>
-            </a:r>
-            <a:r>
-              <a:rPr lang="en-US" altLang="zh-TW" dirty="0" err="1">
-                <a:cs typeface="Times New Roman" panose="02020603050405020304" pitchFamily="18" charset="0"/>
-              </a:rPr>
-              <a:t>calculate_distance</a:t>
-            </a:r>
-            <a:endParaRPr lang="zh-TW" altLang="en-US" dirty="0">
-              <a:cs typeface="Times New Roman" panose="02020603050405020304" pitchFamily="18" charset="0"/>
-            </a:endParaRPr>
-          </a:p>
-        </p:txBody>
-      </p:sp>
-    </p:spTree>
-    <p:extLst>
-      <p:ext uri="{BB962C8B-B14F-4D97-AF65-F5344CB8AC3E}">
-        <p14:creationId xmlns:p14="http://schemas.microsoft.com/office/powerpoint/2010/main" val="2574795543"/>
-      </p:ext>
-    </p:extLst>
-  </p:cSld>
-  <p:clrMapOvr>
-    <a:masterClrMapping/>
-  </p:clrMapOvr>
-</p:sld>
-</file>
-
-<file path=ppt/slides/slide13.xml><?xml version="1.0" encoding="utf-8"?>
-<p:sld xmlns:a="http://schemas.openxmlformats.org/drawingml/2006/main" xmlns:r="http://schemas.openxmlformats.org/officeDocument/2006/relationships" xmlns:p="http://schemas.openxmlformats.org/presentationml/2006/main">
-  <p:cSld>
-    <p:spTree>
-      <p:nvGrpSpPr>
         <p:cNvPr id="1" name="">
           <a:extLst>
             <a:ext uri="{FF2B5EF4-FFF2-40B4-BE49-F238E27FC236}">
@@ -19795,7 +18457,7 @@
 </p:sld>
 </file>
 
-<file path=ppt/slides/slide14.xml><?xml version="1.0" encoding="utf-8"?>
+<file path=ppt/slides/slide11.xml><?xml version="1.0" encoding="utf-8"?>
 <p:sld xmlns:a="http://schemas.openxmlformats.org/drawingml/2006/main" xmlns:r="http://schemas.openxmlformats.org/officeDocument/2006/relationships" xmlns:p="http://schemas.openxmlformats.org/presentationml/2006/main">
   <p:cSld>
     <p:spTree>
@@ -20308,7 +18970,7 @@
 </p:sld>
 </file>
 
-<file path=ppt/slides/slide15.xml><?xml version="1.0" encoding="utf-8"?>
+<file path=ppt/slides/slide12.xml><?xml version="1.0" encoding="utf-8"?>
 <p:sld xmlns:a="http://schemas.openxmlformats.org/drawingml/2006/main" xmlns:r="http://schemas.openxmlformats.org/officeDocument/2006/relationships" xmlns:p="http://schemas.openxmlformats.org/presentationml/2006/main">
   <p:cSld>
     <p:spTree>
@@ -20744,7 +19406,7 @@
 </p:sld>
 </file>
 
-<file path=ppt/slides/slide16.xml><?xml version="1.0" encoding="utf-8"?>
+<file path=ppt/slides/slide13.xml><?xml version="1.0" encoding="utf-8"?>
 <p:sld xmlns:a="http://schemas.openxmlformats.org/drawingml/2006/main" xmlns:r="http://schemas.openxmlformats.org/officeDocument/2006/relationships" xmlns:p="http://schemas.openxmlformats.org/presentationml/2006/main">
   <p:cSld>
     <p:spTree>
@@ -21289,7 +19951,7 @@
 </p:sld>
 </file>
 
-<file path=ppt/slides/slide17.xml><?xml version="1.0" encoding="utf-8"?>
+<file path=ppt/slides/slide14.xml><?xml version="1.0" encoding="utf-8"?>
 <p:sld xmlns:a="http://schemas.openxmlformats.org/drawingml/2006/main" xmlns:r="http://schemas.openxmlformats.org/officeDocument/2006/relationships" xmlns:p="http://schemas.openxmlformats.org/presentationml/2006/main">
   <p:cSld>
     <p:spTree>
@@ -21685,7 +20347,7 @@
 </p:sld>
 </file>
 
-<file path=ppt/slides/slide18.xml><?xml version="1.0" encoding="utf-8"?>
+<file path=ppt/slides/slide15.xml><?xml version="1.0" encoding="utf-8"?>
 <p:sld xmlns:a="http://schemas.openxmlformats.org/drawingml/2006/main" xmlns:r="http://schemas.openxmlformats.org/officeDocument/2006/relationships" xmlns:p="http://schemas.openxmlformats.org/presentationml/2006/main">
   <p:cSld>
     <p:spTree>
@@ -22161,703 +20823,7 @@
 </p:sld>
 </file>
 
-<file path=ppt/slides/slide19.xml><?xml version="1.0" encoding="utf-8"?>
-<p:sld xmlns:a="http://schemas.openxmlformats.org/drawingml/2006/main" xmlns:r="http://schemas.openxmlformats.org/officeDocument/2006/relationships" xmlns:p="http://schemas.openxmlformats.org/presentationml/2006/main">
-  <p:cSld>
-    <p:spTree>
-      <p:nvGrpSpPr>
-        <p:cNvPr id="1" name="">
-          <a:extLst>
-            <a:ext uri="{FF2B5EF4-FFF2-40B4-BE49-F238E27FC236}">
-              <a16:creationId xmlns:a16="http://schemas.microsoft.com/office/drawing/2014/main" id="{1CBD5601-0ED1-424D-098B-BEEC3DA00373}"/>
-            </a:ext>
-          </a:extLst>
-        </p:cNvPr>
-        <p:cNvGrpSpPr/>
-        <p:nvPr/>
-      </p:nvGrpSpPr>
-      <p:grpSpPr>
-        <a:xfrm>
-          <a:off x="0" y="0"/>
-          <a:ext cx="0" cy="0"/>
-          <a:chOff x="0" y="0"/>
-          <a:chExt cx="0" cy="0"/>
-        </a:xfrm>
-      </p:grpSpPr>
-      <p:graphicFrame>
-        <p:nvGraphicFramePr>
-          <p:cNvPr id="7" name="內容版面配置區 6">
-            <a:extLst>
-              <a:ext uri="{FF2B5EF4-FFF2-40B4-BE49-F238E27FC236}">
-                <a16:creationId xmlns:a16="http://schemas.microsoft.com/office/drawing/2014/main" id="{BB6FDC85-C626-1676-64EF-4932BE63AF16}"/>
-              </a:ext>
-            </a:extLst>
-          </p:cNvPr>
-          <p:cNvGraphicFramePr>
-            <a:graphicFrameLocks noGrp="1"/>
-          </p:cNvGraphicFramePr>
-          <p:nvPr>
-            <p:ph idx="1"/>
-            <p:extLst>
-              <p:ext uri="{D42A27DB-BD31-4B8C-83A1-F6EECF244321}">
-                <p14:modId xmlns:p14="http://schemas.microsoft.com/office/powerpoint/2010/main" val="1528117128"/>
-              </p:ext>
-            </p:extLst>
-          </p:nvPr>
-        </p:nvGraphicFramePr>
-        <p:xfrm>
-          <a:off x="838200" y="1201738"/>
-          <a:ext cx="10515600" cy="5597381"/>
-        </p:xfrm>
-        <a:graphic>
-          <a:graphicData uri="http://schemas.openxmlformats.org/drawingml/2006/table">
-            <a:tbl>
-              <a:tblPr firstRow="1" bandRow="1">
-                <a:tableStyleId>{69CF1AB2-1976-4502-BF36-3FF5EA218861}</a:tableStyleId>
-              </a:tblPr>
-              <a:tblGrid>
-                <a:gridCol w="2946991">
-                  <a:extLst>
-                    <a:ext uri="{9D8B030D-6E8A-4147-A177-3AD203B41FA5}">
-                      <a16:colId xmlns:a16="http://schemas.microsoft.com/office/drawing/2014/main" val="1525235260"/>
-                    </a:ext>
-                  </a:extLst>
-                </a:gridCol>
-                <a:gridCol w="7568609">
-                  <a:extLst>
-                    <a:ext uri="{9D8B030D-6E8A-4147-A177-3AD203B41FA5}">
-                      <a16:colId xmlns:a16="http://schemas.microsoft.com/office/drawing/2014/main" val="3150341969"/>
-                    </a:ext>
-                  </a:extLst>
-                </a:gridCol>
-              </a:tblGrid>
-              <a:tr h="378584">
-                <a:tc gridSpan="2">
-                  <a:txBody>
-                    <a:bodyPr/>
-                    <a:lstStyle/>
-                    <a:p>
-                      <a:pPr algn="ctr"/>
-                      <a:r>
-                        <a:rPr lang="en-US" sz="1800" b="1" kern="1200" dirty="0" err="1">
-                          <a:solidFill>
-                            <a:schemeClr val="dk1"/>
-                          </a:solidFill>
-                          <a:effectLst/>
-                          <a:latin typeface="+mn-lt"/>
-                          <a:ea typeface="+mn-ea"/>
-                          <a:cs typeface="+mn-cs"/>
-                        </a:rPr>
-                        <a:t>process_camera</a:t>
-                      </a:r>
-                      <a:r>
-                        <a:rPr lang="en-US" sz="1800" b="1" kern="1200" dirty="0">
-                          <a:solidFill>
-                            <a:schemeClr val="dk1"/>
-                          </a:solidFill>
-                          <a:effectLst/>
-                          <a:latin typeface="+mn-lt"/>
-                          <a:ea typeface="+mn-ea"/>
-                          <a:cs typeface="+mn-cs"/>
-                        </a:rPr>
-                        <a:t>(</a:t>
-                      </a:r>
-                      <a:r>
-                        <a:rPr lang="en-US" sz="1800" b="1" kern="1200" dirty="0" err="1">
-                          <a:solidFill>
-                            <a:schemeClr val="dk1"/>
-                          </a:solidFill>
-                          <a:effectLst/>
-                          <a:latin typeface="+mn-lt"/>
-                          <a:ea typeface="+mn-ea"/>
-                          <a:cs typeface="+mn-cs"/>
-                        </a:rPr>
-                        <a:t>second_vp_lines</a:t>
-                      </a:r>
-                      <a:r>
-                        <a:rPr lang="en-US" sz="1800" b="1" kern="1200" dirty="0">
-                          <a:solidFill>
-                            <a:schemeClr val="dk1"/>
-                          </a:solidFill>
-                          <a:effectLst/>
-                          <a:latin typeface="+mn-lt"/>
-                          <a:ea typeface="+mn-ea"/>
-                          <a:cs typeface="+mn-cs"/>
-                        </a:rPr>
-                        <a:t>: list, </a:t>
-                      </a:r>
-                      <a:r>
-                        <a:rPr lang="en-US" sz="1800" b="1" kern="1200" dirty="0" err="1">
-                          <a:solidFill>
-                            <a:schemeClr val="dk1"/>
-                          </a:solidFill>
-                          <a:effectLst/>
-                          <a:latin typeface="+mn-lt"/>
-                          <a:ea typeface="+mn-ea"/>
-                          <a:cs typeface="+mn-cs"/>
-                        </a:rPr>
-                        <a:t>major_vp_lines</a:t>
-                      </a:r>
-                      <a:r>
-                        <a:rPr lang="en-US" sz="1800" b="1" kern="1200" dirty="0">
-                          <a:solidFill>
-                            <a:schemeClr val="dk1"/>
-                          </a:solidFill>
-                          <a:effectLst/>
-                          <a:latin typeface="+mn-lt"/>
-                          <a:ea typeface="+mn-ea"/>
-                          <a:cs typeface="+mn-cs"/>
-                        </a:rPr>
-                        <a:t>: list) -&gt; tuple</a:t>
-                      </a:r>
-                      <a:endParaRPr lang="zh-TW" altLang="en-US" dirty="0">
-                        <a:latin typeface="Times New Roman" panose="02020603050405020304" pitchFamily="18" charset="0"/>
-                        <a:ea typeface="標楷體" panose="03000509000000000000" pitchFamily="65" charset="-120"/>
-                        <a:cs typeface="Times New Roman" panose="02020603050405020304" pitchFamily="18" charset="0"/>
-                      </a:endParaRPr>
-                    </a:p>
-                  </a:txBody>
-                  <a:tcPr anchor="ctr"/>
-                </a:tc>
-                <a:tc hMerge="1">
-                  <a:txBody>
-                    <a:bodyPr/>
-                    <a:lstStyle/>
-                    <a:p>
-                      <a:pPr algn="ctr"/>
-                      <a:endParaRPr lang="zh-TW" altLang="en-US" b="0" dirty="0">
-                        <a:latin typeface="Times New Roman" panose="02020603050405020304" pitchFamily="18" charset="0"/>
-                        <a:ea typeface="標楷體" panose="03000509000000000000" pitchFamily="65" charset="-120"/>
-                        <a:cs typeface="Times New Roman" panose="02020603050405020304" pitchFamily="18" charset="0"/>
-                      </a:endParaRPr>
-                    </a:p>
-                  </a:txBody>
-                  <a:tcPr anchor="ctr"/>
-                </a:tc>
-                <a:extLst>
-                  <a:ext uri="{0D108BD9-81ED-4DB2-BD59-A6C34878D82A}">
-                    <a16:rowId xmlns:a16="http://schemas.microsoft.com/office/drawing/2014/main" val="2604692169"/>
-                  </a:ext>
-                </a:extLst>
-              </a:tr>
-              <a:tr h="1251919">
-                <a:tc>
-                  <a:txBody>
-                    <a:bodyPr/>
-                    <a:lstStyle/>
-                    <a:p>
-                      <a:pPr algn="ctr"/>
-                      <a:r>
-                        <a:rPr lang="en-US" altLang="zh-TW" dirty="0">
-                          <a:latin typeface="Times New Roman" panose="02020603050405020304" pitchFamily="18" charset="0"/>
-                          <a:ea typeface="標楷體" panose="03000509000000000000" pitchFamily="65" charset="-120"/>
-                          <a:cs typeface="Times New Roman" panose="02020603050405020304" pitchFamily="18" charset="0"/>
-                        </a:rPr>
-                        <a:t>Input</a:t>
-                      </a:r>
-                      <a:endParaRPr lang="zh-TW" altLang="en-US" dirty="0">
-                        <a:latin typeface="Times New Roman" panose="02020603050405020304" pitchFamily="18" charset="0"/>
-                        <a:ea typeface="標楷體" panose="03000509000000000000" pitchFamily="65" charset="-120"/>
-                        <a:cs typeface="Times New Roman" panose="02020603050405020304" pitchFamily="18" charset="0"/>
-                      </a:endParaRPr>
-                    </a:p>
-                  </a:txBody>
-                  <a:tcPr anchor="ctr"/>
-                </a:tc>
-                <a:tc>
-                  <a:txBody>
-                    <a:bodyPr/>
-                    <a:lstStyle/>
-                    <a:p>
-                      <a:pPr algn="ctr"/>
-                      <a:r>
-                        <a:rPr lang="en-US" altLang="zh-TW" b="0" dirty="0" err="1">
-                          <a:latin typeface="Times New Roman" panose="02020603050405020304" pitchFamily="18" charset="0"/>
-                          <a:ea typeface="標楷體" panose="03000509000000000000" pitchFamily="65" charset="-120"/>
-                          <a:cs typeface="Times New Roman" panose="02020603050405020304" pitchFamily="18" charset="0"/>
-                        </a:rPr>
-                        <a:t>second_vp_lines</a:t>
-                      </a:r>
-                      <a:r>
-                        <a:rPr lang="en-US" altLang="zh-TW" b="0" dirty="0">
-                          <a:latin typeface="Times New Roman" panose="02020603050405020304" pitchFamily="18" charset="0"/>
-                          <a:ea typeface="標楷體" panose="03000509000000000000" pitchFamily="65" charset="-120"/>
-                          <a:cs typeface="Times New Roman" panose="02020603050405020304" pitchFamily="18" charset="0"/>
-                        </a:rPr>
-                        <a:t> (list): </a:t>
-                      </a:r>
-                      <a:r>
-                        <a:rPr lang="zh-TW" altLang="en-US" b="0" dirty="0">
-                          <a:latin typeface="Times New Roman" panose="02020603050405020304" pitchFamily="18" charset="0"/>
-                          <a:ea typeface="標楷體" panose="03000509000000000000" pitchFamily="65" charset="-120"/>
-                          <a:cs typeface="Times New Roman" panose="02020603050405020304" pitchFamily="18" charset="0"/>
-                        </a:rPr>
-                        <a:t>第二視角消失點線的列表</a:t>
-                      </a:r>
-                    </a:p>
-                    <a:p>
-                      <a:pPr algn="ctr"/>
-                      <a:r>
-                        <a:rPr lang="en-US" altLang="zh-TW" b="0" dirty="0" err="1">
-                          <a:latin typeface="Times New Roman" panose="02020603050405020304" pitchFamily="18" charset="0"/>
-                          <a:ea typeface="標楷體" panose="03000509000000000000" pitchFamily="65" charset="-120"/>
-                          <a:cs typeface="Times New Roman" panose="02020603050405020304" pitchFamily="18" charset="0"/>
-                        </a:rPr>
-                        <a:t>major_vp_lines</a:t>
-                      </a:r>
-                      <a:r>
-                        <a:rPr lang="en-US" altLang="zh-TW" b="0" dirty="0">
-                          <a:latin typeface="Times New Roman" panose="02020603050405020304" pitchFamily="18" charset="0"/>
-                          <a:ea typeface="標楷體" panose="03000509000000000000" pitchFamily="65" charset="-120"/>
-                          <a:cs typeface="Times New Roman" panose="02020603050405020304" pitchFamily="18" charset="0"/>
-                        </a:rPr>
-                        <a:t> (list): </a:t>
-                      </a:r>
-                      <a:r>
-                        <a:rPr lang="zh-TW" altLang="en-US" b="0" dirty="0">
-                          <a:latin typeface="Times New Roman" panose="02020603050405020304" pitchFamily="18" charset="0"/>
-                          <a:ea typeface="標楷體" panose="03000509000000000000" pitchFamily="65" charset="-120"/>
-                          <a:cs typeface="Times New Roman" panose="02020603050405020304" pitchFamily="18" charset="0"/>
-                        </a:rPr>
-                        <a:t>主要視角消失點線的列表</a:t>
-                      </a:r>
-                    </a:p>
-                  </a:txBody>
-                  <a:tcPr anchor="ctr"/>
-                </a:tc>
-                <a:extLst>
-                  <a:ext uri="{0D108BD9-81ED-4DB2-BD59-A6C34878D82A}">
-                    <a16:rowId xmlns:a16="http://schemas.microsoft.com/office/drawing/2014/main" val="1796280440"/>
-                  </a:ext>
-                </a:extLst>
-              </a:tr>
-              <a:tr h="1251919">
-                <a:tc>
-                  <a:txBody>
-                    <a:bodyPr/>
-                    <a:lstStyle/>
-                    <a:p>
-                      <a:pPr marL="0" marR="0" lvl="0" indent="0" algn="ctr" defTabSz="914400" rtl="0" eaLnBrk="1" fontAlgn="auto" latinLnBrk="0" hangingPunct="1">
-                        <a:lnSpc>
-                          <a:spcPct val="100000"/>
-                        </a:lnSpc>
-                        <a:spcBef>
-                          <a:spcPts val="0"/>
-                        </a:spcBef>
-                        <a:spcAft>
-                          <a:spcPts val="0"/>
-                        </a:spcAft>
-                        <a:buClrTx/>
-                        <a:buSzTx/>
-                        <a:buFontTx/>
-                        <a:buNone/>
-                        <a:tabLst/>
-                        <a:defRPr/>
-                      </a:pPr>
-                      <a:r>
-                        <a:rPr lang="en-US" altLang="zh-TW" dirty="0">
-                          <a:latin typeface="Times New Roman" panose="02020603050405020304" pitchFamily="18" charset="0"/>
-                          <a:ea typeface="標楷體" panose="03000509000000000000" pitchFamily="65" charset="-120"/>
-                          <a:cs typeface="Times New Roman" panose="02020603050405020304" pitchFamily="18" charset="0"/>
-                        </a:rPr>
-                        <a:t>Output</a:t>
-                      </a:r>
-                      <a:endParaRPr lang="zh-TW" altLang="en-US" dirty="0">
-                        <a:latin typeface="Times New Roman" panose="02020603050405020304" pitchFamily="18" charset="0"/>
-                        <a:ea typeface="標楷體" panose="03000509000000000000" pitchFamily="65" charset="-120"/>
-                        <a:cs typeface="Times New Roman" panose="02020603050405020304" pitchFamily="18" charset="0"/>
-                      </a:endParaRPr>
-                    </a:p>
-                    <a:p>
-                      <a:pPr algn="ctr"/>
-                      <a:endParaRPr lang="zh-TW" altLang="en-US" dirty="0">
-                        <a:latin typeface="Times New Roman" panose="02020603050405020304" pitchFamily="18" charset="0"/>
-                        <a:ea typeface="標楷體" panose="03000509000000000000" pitchFamily="65" charset="-120"/>
-                        <a:cs typeface="Times New Roman" panose="02020603050405020304" pitchFamily="18" charset="0"/>
-                      </a:endParaRPr>
-                    </a:p>
-                  </a:txBody>
-                  <a:tcPr anchor="ctr"/>
-                </a:tc>
-                <a:tc>
-                  <a:txBody>
-                    <a:bodyPr/>
-                    <a:lstStyle/>
-                    <a:p>
-                      <a:pPr algn="ctr"/>
-                      <a:r>
-                        <a:rPr lang="en-US" altLang="zh-TW" b="0" dirty="0" err="1">
-                          <a:latin typeface="Times New Roman" panose="02020603050405020304" pitchFamily="18" charset="0"/>
-                          <a:ea typeface="標楷體" panose="03000509000000000000" pitchFamily="65" charset="-120"/>
-                          <a:cs typeface="Times New Roman" panose="02020603050405020304" pitchFamily="18" charset="0"/>
-                        </a:rPr>
-                        <a:t>major_vp_point</a:t>
-                      </a:r>
-                      <a:r>
-                        <a:rPr lang="en-US" altLang="zh-TW" b="0" dirty="0">
-                          <a:latin typeface="Times New Roman" panose="02020603050405020304" pitchFamily="18" charset="0"/>
-                          <a:ea typeface="標楷體" panose="03000509000000000000" pitchFamily="65" charset="-120"/>
-                          <a:cs typeface="Times New Roman" panose="02020603050405020304" pitchFamily="18" charset="0"/>
-                        </a:rPr>
-                        <a:t> (tuple): </a:t>
-                      </a:r>
-                      <a:r>
-                        <a:rPr lang="zh-TW" altLang="en-US" b="0" dirty="0">
-                          <a:latin typeface="Times New Roman" panose="02020603050405020304" pitchFamily="18" charset="0"/>
-                          <a:ea typeface="標楷體" panose="03000509000000000000" pitchFamily="65" charset="-120"/>
-                          <a:cs typeface="Times New Roman" panose="02020603050405020304" pitchFamily="18" charset="0"/>
-                        </a:rPr>
-                        <a:t>計算出的主要視角消失點</a:t>
-                      </a:r>
-                    </a:p>
-                    <a:p>
-                      <a:pPr algn="ctr"/>
-                      <a:r>
-                        <a:rPr lang="en-US" altLang="zh-TW" b="0" dirty="0" err="1">
-                          <a:latin typeface="Times New Roman" panose="02020603050405020304" pitchFamily="18" charset="0"/>
-                          <a:ea typeface="標楷體" panose="03000509000000000000" pitchFamily="65" charset="-120"/>
-                          <a:cs typeface="Times New Roman" panose="02020603050405020304" pitchFamily="18" charset="0"/>
-                        </a:rPr>
-                        <a:t>second_vp_point</a:t>
-                      </a:r>
-                      <a:r>
-                        <a:rPr lang="en-US" altLang="zh-TW" b="0" dirty="0">
-                          <a:latin typeface="Times New Roman" panose="02020603050405020304" pitchFamily="18" charset="0"/>
-                          <a:ea typeface="標楷體" panose="03000509000000000000" pitchFamily="65" charset="-120"/>
-                          <a:cs typeface="Times New Roman" panose="02020603050405020304" pitchFamily="18" charset="0"/>
-                        </a:rPr>
-                        <a:t> (tuple): </a:t>
-                      </a:r>
-                      <a:r>
-                        <a:rPr lang="zh-TW" altLang="en-US" b="0" dirty="0">
-                          <a:latin typeface="Times New Roman" panose="02020603050405020304" pitchFamily="18" charset="0"/>
-                          <a:ea typeface="標楷體" panose="03000509000000000000" pitchFamily="65" charset="-120"/>
-                          <a:cs typeface="Times New Roman" panose="02020603050405020304" pitchFamily="18" charset="0"/>
-                        </a:rPr>
-                        <a:t>計算出的第二視角消失點</a:t>
-                      </a:r>
-                    </a:p>
-                    <a:p>
-                      <a:pPr algn="ctr"/>
-                      <a:r>
-                        <a:rPr lang="en-US" altLang="zh-TW" b="0" dirty="0" err="1">
-                          <a:latin typeface="Times New Roman" panose="02020603050405020304" pitchFamily="18" charset="0"/>
-                          <a:ea typeface="標楷體" panose="03000509000000000000" pitchFamily="65" charset="-120"/>
-                          <a:cs typeface="Times New Roman" panose="02020603050405020304" pitchFamily="18" charset="0"/>
-                        </a:rPr>
-                        <a:t>every_floor_points_list</a:t>
-                      </a:r>
-                      <a:r>
-                        <a:rPr lang="en-US" altLang="zh-TW" b="0" dirty="0">
-                          <a:latin typeface="Times New Roman" panose="02020603050405020304" pitchFamily="18" charset="0"/>
-                          <a:ea typeface="標楷體" panose="03000509000000000000" pitchFamily="65" charset="-120"/>
-                          <a:cs typeface="Times New Roman" panose="02020603050405020304" pitchFamily="18" charset="0"/>
-                        </a:rPr>
-                        <a:t> (list): </a:t>
-                      </a:r>
-                      <a:r>
-                        <a:rPr lang="zh-TW" altLang="en-US" b="0" dirty="0">
-                          <a:latin typeface="Times New Roman" panose="02020603050405020304" pitchFamily="18" charset="0"/>
-                          <a:ea typeface="標楷體" panose="03000509000000000000" pitchFamily="65" charset="-120"/>
-                          <a:cs typeface="Times New Roman" panose="02020603050405020304" pitchFamily="18" charset="0"/>
-                        </a:rPr>
-                        <a:t>每層樓的網格點列表</a:t>
-                      </a:r>
-                    </a:p>
-                  </a:txBody>
-                  <a:tcPr anchor="ctr"/>
-                </a:tc>
-                <a:extLst>
-                  <a:ext uri="{0D108BD9-81ED-4DB2-BD59-A6C34878D82A}">
-                    <a16:rowId xmlns:a16="http://schemas.microsoft.com/office/drawing/2014/main" val="1237557617"/>
-                  </a:ext>
-                </a:extLst>
-              </a:tr>
-              <a:tr h="1251919">
-                <a:tc>
-                  <a:txBody>
-                    <a:bodyPr/>
-                    <a:lstStyle/>
-                    <a:p>
-                      <a:pPr algn="ctr"/>
-                      <a:r>
-                        <a:rPr lang="en-US" altLang="zh-TW" dirty="0">
-                          <a:latin typeface="Times New Roman" panose="02020603050405020304" pitchFamily="18" charset="0"/>
-                          <a:ea typeface="標楷體" panose="03000509000000000000" pitchFamily="65" charset="-120"/>
-                          <a:cs typeface="Times New Roman" panose="02020603050405020304" pitchFamily="18" charset="0"/>
-                        </a:rPr>
-                        <a:t>parameter</a:t>
-                      </a:r>
-                      <a:endParaRPr lang="zh-TW" altLang="en-US" dirty="0">
-                        <a:latin typeface="Times New Roman" panose="02020603050405020304" pitchFamily="18" charset="0"/>
-                        <a:ea typeface="標楷體" panose="03000509000000000000" pitchFamily="65" charset="-120"/>
-                        <a:cs typeface="Times New Roman" panose="02020603050405020304" pitchFamily="18" charset="0"/>
-                      </a:endParaRPr>
-                    </a:p>
-                  </a:txBody>
-                  <a:tcPr anchor="ctr"/>
-                </a:tc>
-                <a:tc>
-                  <a:txBody>
-                    <a:bodyPr/>
-                    <a:lstStyle/>
-                    <a:p>
-                      <a:pPr algn="ctr"/>
-                      <a:r>
-                        <a:rPr lang="zh-TW" altLang="en-US" b="0" dirty="0">
-                          <a:latin typeface="Times New Roman" panose="02020603050405020304" pitchFamily="18" charset="0"/>
-                          <a:ea typeface="標楷體" panose="03000509000000000000" pitchFamily="65" charset="-120"/>
-                          <a:cs typeface="Times New Roman" panose="02020603050405020304" pitchFamily="18" charset="0"/>
-                        </a:rPr>
-                        <a:t>無</a:t>
-                      </a:r>
-                    </a:p>
-                  </a:txBody>
-                  <a:tcPr anchor="ctr"/>
-                </a:tc>
-                <a:extLst>
-                  <a:ext uri="{0D108BD9-81ED-4DB2-BD59-A6C34878D82A}">
-                    <a16:rowId xmlns:a16="http://schemas.microsoft.com/office/drawing/2014/main" val="2724953223"/>
-                  </a:ext>
-                </a:extLst>
-              </a:tr>
-              <a:tr h="1251919">
-                <a:tc>
-                  <a:txBody>
-                    <a:bodyPr/>
-                    <a:lstStyle/>
-                    <a:p>
-                      <a:pPr algn="ctr"/>
-                      <a:r>
-                        <a:rPr lang="en-US" altLang="zh-TW" dirty="0">
-                          <a:latin typeface="Times New Roman" panose="02020603050405020304" pitchFamily="18" charset="0"/>
-                          <a:ea typeface="標楷體" panose="03000509000000000000" pitchFamily="65" charset="-120"/>
-                          <a:cs typeface="Times New Roman" panose="02020603050405020304" pitchFamily="18" charset="0"/>
-                        </a:rPr>
-                        <a:t>Method</a:t>
-                      </a:r>
-                      <a:endParaRPr lang="zh-TW" altLang="en-US" dirty="0">
-                        <a:latin typeface="Times New Roman" panose="02020603050405020304" pitchFamily="18" charset="0"/>
-                        <a:ea typeface="標楷體" panose="03000509000000000000" pitchFamily="65" charset="-120"/>
-                        <a:cs typeface="Times New Roman" panose="02020603050405020304" pitchFamily="18" charset="0"/>
-                      </a:endParaRPr>
-                    </a:p>
-                  </a:txBody>
-                  <a:tcPr anchor="ctr"/>
-                </a:tc>
-                <a:tc>
-                  <a:txBody>
-                    <a:bodyPr/>
-                    <a:lstStyle/>
-                    <a:p>
-                      <a:pPr algn="l"/>
-                      <a:r>
-                        <a:rPr lang="en-US" altLang="zh-TW" b="0" dirty="0">
-                          <a:latin typeface="Times New Roman" panose="02020603050405020304" pitchFamily="18" charset="0"/>
-                          <a:ea typeface="標楷體" panose="03000509000000000000" pitchFamily="65" charset="-120"/>
-                          <a:cs typeface="Times New Roman" panose="02020603050405020304" pitchFamily="18" charset="0"/>
-                        </a:rPr>
-                        <a:t>1.</a:t>
-                      </a:r>
-                      <a:r>
-                        <a:rPr lang="zh-TW" altLang="en-US" b="0" dirty="0">
-                          <a:latin typeface="Times New Roman" panose="02020603050405020304" pitchFamily="18" charset="0"/>
-                          <a:ea typeface="標楷體" panose="03000509000000000000" pitchFamily="65" charset="-120"/>
-                          <a:cs typeface="Times New Roman" panose="02020603050405020304" pitchFamily="18" charset="0"/>
-                        </a:rPr>
-                        <a:t>創建一個初始的空白圖像 </a:t>
-                      </a:r>
-                      <a:r>
-                        <a:rPr lang="en-US" altLang="zh-TW" b="0" dirty="0" err="1">
-                          <a:latin typeface="Times New Roman" panose="02020603050405020304" pitchFamily="18" charset="0"/>
-                          <a:ea typeface="標楷體" panose="03000509000000000000" pitchFamily="65" charset="-120"/>
-                          <a:cs typeface="Times New Roman" panose="02020603050405020304" pitchFamily="18" charset="0"/>
-                        </a:rPr>
-                        <a:t>origin_img</a:t>
-                      </a:r>
-                      <a:r>
-                        <a:rPr lang="zh-TW" altLang="en-US" b="0" dirty="0">
-                          <a:latin typeface="Times New Roman" panose="02020603050405020304" pitchFamily="18" charset="0"/>
-                          <a:ea typeface="標楷體" panose="03000509000000000000" pitchFamily="65" charset="-120"/>
-                          <a:cs typeface="Times New Roman" panose="02020603050405020304" pitchFamily="18" charset="0"/>
-                        </a:rPr>
-                        <a:t>。</a:t>
-                      </a:r>
-                    </a:p>
-                    <a:p>
-                      <a:pPr algn="l"/>
-                      <a:r>
-                        <a:rPr lang="en-US" altLang="zh-TW" b="0" dirty="0">
-                          <a:latin typeface="Times New Roman" panose="02020603050405020304" pitchFamily="18" charset="0"/>
-                          <a:ea typeface="標楷體" panose="03000509000000000000" pitchFamily="65" charset="-120"/>
-                          <a:cs typeface="Times New Roman" panose="02020603050405020304" pitchFamily="18" charset="0"/>
-                        </a:rPr>
-                        <a:t>2.</a:t>
-                      </a:r>
-                      <a:r>
-                        <a:rPr lang="zh-TW" altLang="en-US" b="0" dirty="0">
-                          <a:latin typeface="Times New Roman" panose="02020603050405020304" pitchFamily="18" charset="0"/>
-                          <a:ea typeface="標楷體" panose="03000509000000000000" pitchFamily="65" charset="-120"/>
-                          <a:cs typeface="Times New Roman" panose="02020603050405020304" pitchFamily="18" charset="0"/>
-                        </a:rPr>
-                        <a:t>將所有的消失點線合併成一個列表 </a:t>
-                      </a:r>
-                      <a:r>
-                        <a:rPr lang="en-US" altLang="zh-TW" b="0" dirty="0" err="1">
-                          <a:latin typeface="Times New Roman" panose="02020603050405020304" pitchFamily="18" charset="0"/>
-                          <a:ea typeface="標楷體" panose="03000509000000000000" pitchFamily="65" charset="-120"/>
-                          <a:cs typeface="Times New Roman" panose="02020603050405020304" pitchFamily="18" charset="0"/>
-                        </a:rPr>
-                        <a:t>vp_lines</a:t>
-                      </a:r>
-                      <a:r>
-                        <a:rPr lang="zh-TW" altLang="en-US" b="0" dirty="0">
-                          <a:latin typeface="Times New Roman" panose="02020603050405020304" pitchFamily="18" charset="0"/>
-                          <a:ea typeface="標楷體" panose="03000509000000000000" pitchFamily="65" charset="-120"/>
-                          <a:cs typeface="Times New Roman" panose="02020603050405020304" pitchFamily="18" charset="0"/>
-                        </a:rPr>
-                        <a:t>。</a:t>
-                      </a:r>
-                    </a:p>
-                    <a:p>
-                      <a:pPr algn="l"/>
-                      <a:r>
-                        <a:rPr lang="en-US" altLang="zh-TW" b="0" dirty="0">
-                          <a:latin typeface="Times New Roman" panose="02020603050405020304" pitchFamily="18" charset="0"/>
-                          <a:ea typeface="標楷體" panose="03000509000000000000" pitchFamily="65" charset="-120"/>
-                          <a:cs typeface="Times New Roman" panose="02020603050405020304" pitchFamily="18" charset="0"/>
-                        </a:rPr>
-                        <a:t>3.</a:t>
-                      </a:r>
-                      <a:r>
-                        <a:rPr lang="zh-TW" altLang="en-US" b="0" dirty="0">
-                          <a:latin typeface="Times New Roman" panose="02020603050405020304" pitchFamily="18" charset="0"/>
-                          <a:ea typeface="標楷體" panose="03000509000000000000" pitchFamily="65" charset="-120"/>
-                          <a:cs typeface="Times New Roman" panose="02020603050405020304" pitchFamily="18" charset="0"/>
-                        </a:rPr>
-                        <a:t>調用 </a:t>
-                      </a:r>
-                      <a:r>
-                        <a:rPr lang="en-US" altLang="zh-TW" b="0" dirty="0" err="1">
-                          <a:latin typeface="Times New Roman" panose="02020603050405020304" pitchFamily="18" charset="0"/>
-                          <a:ea typeface="標楷體" panose="03000509000000000000" pitchFamily="65" charset="-120"/>
-                          <a:cs typeface="Times New Roman" panose="02020603050405020304" pitchFamily="18" charset="0"/>
-                        </a:rPr>
-                        <a:t>Multisection_two_VP_Grid</a:t>
-                      </a:r>
-                      <a:r>
-                        <a:rPr lang="en-US" altLang="zh-TW" b="0" dirty="0">
-                          <a:latin typeface="Times New Roman" panose="02020603050405020304" pitchFamily="18" charset="0"/>
-                          <a:ea typeface="標楷體" panose="03000509000000000000" pitchFamily="65" charset="-120"/>
-                          <a:cs typeface="Times New Roman" panose="02020603050405020304" pitchFamily="18" charset="0"/>
-                        </a:rPr>
-                        <a:t> </a:t>
-                      </a:r>
-                      <a:r>
-                        <a:rPr lang="zh-TW" altLang="en-US" b="0" dirty="0">
-                          <a:latin typeface="Times New Roman" panose="02020603050405020304" pitchFamily="18" charset="0"/>
-                          <a:ea typeface="標楷體" panose="03000509000000000000" pitchFamily="65" charset="-120"/>
-                          <a:cs typeface="Times New Roman" panose="02020603050405020304" pitchFamily="18" charset="0"/>
-                        </a:rPr>
-                        <a:t>函數來生成網格，並返回主要視角消失點、第二視角消失點以及每層樓的網格點列表。</a:t>
-                      </a:r>
-                    </a:p>
-                    <a:p>
-                      <a:pPr algn="l"/>
-                      <a:r>
-                        <a:rPr lang="en-US" altLang="zh-TW" b="0" dirty="0">
-                          <a:latin typeface="Times New Roman" panose="02020603050405020304" pitchFamily="18" charset="0"/>
-                          <a:ea typeface="標楷體" panose="03000509000000000000" pitchFamily="65" charset="-120"/>
-                          <a:cs typeface="Times New Roman" panose="02020603050405020304" pitchFamily="18" charset="0"/>
-                        </a:rPr>
-                        <a:t>4.</a:t>
-                      </a:r>
-                      <a:r>
-                        <a:rPr lang="zh-TW" altLang="en-US" b="0" dirty="0">
-                          <a:latin typeface="Times New Roman" panose="02020603050405020304" pitchFamily="18" charset="0"/>
-                          <a:ea typeface="標楷體" panose="03000509000000000000" pitchFamily="65" charset="-120"/>
-                          <a:cs typeface="Times New Roman" panose="02020603050405020304" pitchFamily="18" charset="0"/>
-                        </a:rPr>
-                        <a:t>返回計算出的視角消失點和網格點列表。</a:t>
-                      </a:r>
-                    </a:p>
-                  </a:txBody>
-                  <a:tcPr anchor="ctr"/>
-                </a:tc>
-                <a:extLst>
-                  <a:ext uri="{0D108BD9-81ED-4DB2-BD59-A6C34878D82A}">
-                    <a16:rowId xmlns:a16="http://schemas.microsoft.com/office/drawing/2014/main" val="1249205175"/>
-                  </a:ext>
-                </a:extLst>
-              </a:tr>
-            </a:tbl>
-          </a:graphicData>
-        </a:graphic>
-      </p:graphicFrame>
-      <p:sp>
-        <p:nvSpPr>
-          <p:cNvPr id="3" name="標題 2">
-            <a:extLst>
-              <a:ext uri="{FF2B5EF4-FFF2-40B4-BE49-F238E27FC236}">
-                <a16:creationId xmlns:a16="http://schemas.microsoft.com/office/drawing/2014/main" id="{6F92454E-BB35-52B1-C513-B64234E91D25}"/>
-              </a:ext>
-            </a:extLst>
-          </p:cNvPr>
-          <p:cNvSpPr>
-            <a:spLocks noGrp="1"/>
-          </p:cNvSpPr>
-          <p:nvPr>
-            <p:ph type="title"/>
-          </p:nvPr>
-        </p:nvSpPr>
-        <p:spPr/>
-        <p:txBody>
-          <a:bodyPr>
-            <a:normAutofit/>
-          </a:bodyPr>
-          <a:lstStyle/>
-          <a:p>
-            <a:r>
-              <a:rPr lang="en-US" altLang="zh-TW" dirty="0">
-                <a:cs typeface="Times New Roman" panose="02020603050405020304" pitchFamily="18" charset="0"/>
-              </a:rPr>
-              <a:t>Function</a:t>
-            </a:r>
-            <a:r>
-              <a:rPr lang="zh-TW" altLang="en-US" dirty="0">
-                <a:cs typeface="Times New Roman" panose="02020603050405020304" pitchFamily="18" charset="0"/>
-              </a:rPr>
-              <a:t> </a:t>
-            </a:r>
-            <a:r>
-              <a:rPr lang="en-US" altLang="zh-TW" dirty="0">
-                <a:cs typeface="Times New Roman" panose="02020603050405020304" pitchFamily="18" charset="0"/>
-              </a:rPr>
-              <a:t>:</a:t>
-            </a:r>
-            <a:r>
-              <a:rPr lang="zh-TW" altLang="en-US" dirty="0">
-                <a:cs typeface="Times New Roman" panose="02020603050405020304" pitchFamily="18" charset="0"/>
-              </a:rPr>
-              <a:t>兩點透視</a:t>
-            </a:r>
-          </a:p>
-        </p:txBody>
-      </p:sp>
-    </p:spTree>
-    <p:extLst>
-      <p:ext uri="{BB962C8B-B14F-4D97-AF65-F5344CB8AC3E}">
-        <p14:creationId xmlns:p14="http://schemas.microsoft.com/office/powerpoint/2010/main" val="84104758"/>
-      </p:ext>
-    </p:extLst>
-  </p:cSld>
-  <p:clrMapOvr>
-    <a:masterClrMapping/>
-  </p:clrMapOvr>
-</p:sld>
-</file>
-
-<file path=ppt/slides/slide2.xml><?xml version="1.0" encoding="utf-8"?>
+<file path=ppt/slides/slide16.xml><?xml version="1.0" encoding="utf-8"?>
 <p:sld xmlns:a="http://schemas.openxmlformats.org/drawingml/2006/main" xmlns:r="http://schemas.openxmlformats.org/officeDocument/2006/relationships" xmlns:p="http://schemas.openxmlformats.org/presentationml/2006/main">
   <p:cSld>
     <p:spTree>
@@ -23246,6 +21212,1456 @@
     <p:extLst>
       <p:ext uri="{BB962C8B-B14F-4D97-AF65-F5344CB8AC3E}">
         <p14:creationId xmlns:p14="http://schemas.microsoft.com/office/powerpoint/2010/main" val="2590588513"/>
+      </p:ext>
+    </p:extLst>
+  </p:cSld>
+  <p:clrMapOvr>
+    <a:masterClrMapping/>
+  </p:clrMapOvr>
+</p:sld>
+</file>
+
+<file path=ppt/slides/slide17.xml><?xml version="1.0" encoding="utf-8"?>
+<p:sld xmlns:a="http://schemas.openxmlformats.org/drawingml/2006/main" xmlns:r="http://schemas.openxmlformats.org/officeDocument/2006/relationships" xmlns:p="http://schemas.openxmlformats.org/presentationml/2006/main">
+  <p:cSld>
+    <p:spTree>
+      <p:nvGrpSpPr>
+        <p:cNvPr id="1" name=""/>
+        <p:cNvGrpSpPr/>
+        <p:nvPr/>
+      </p:nvGrpSpPr>
+      <p:grpSpPr>
+        <a:xfrm>
+          <a:off x="0" y="0"/>
+          <a:ext cx="0" cy="0"/>
+          <a:chOff x="0" y="0"/>
+          <a:chExt cx="0" cy="0"/>
+        </a:xfrm>
+      </p:grpSpPr>
+      <p:sp>
+        <p:nvSpPr>
+          <p:cNvPr id="3" name="標題 2"/>
+          <p:cNvSpPr>
+            <a:spLocks noGrp="1"/>
+          </p:cNvSpPr>
+          <p:nvPr>
+            <p:ph type="title"/>
+          </p:nvPr>
+        </p:nvSpPr>
+        <p:spPr>
+          <a:xfrm>
+            <a:off x="838200" y="296376"/>
+            <a:ext cx="10515600" cy="720000"/>
+          </a:xfrm>
+        </p:spPr>
+        <p:txBody>
+          <a:bodyPr>
+            <a:noAutofit/>
+          </a:bodyPr>
+          <a:lstStyle/>
+          <a:p>
+            <a:r>
+              <a:rPr lang="zh-TW" altLang="en-US" sz="3600" dirty="0"/>
+              <a:t>需求列表 </a:t>
+            </a:r>
+            <a:r>
+              <a:rPr lang="en-US" altLang="zh-TW" sz="3600" dirty="0"/>
+              <a:t>– </a:t>
+            </a:r>
+            <a:r>
+              <a:rPr lang="zh-TW" altLang="en-US" sz="3600" dirty="0"/>
+              <a:t>硬體</a:t>
+            </a:r>
+          </a:p>
+        </p:txBody>
+      </p:sp>
+      <p:sp>
+        <p:nvSpPr>
+          <p:cNvPr id="7" name="內容版面配置區 1">
+            <a:extLst>
+              <a:ext uri="{FF2B5EF4-FFF2-40B4-BE49-F238E27FC236}">
+                <a16:creationId xmlns:a16="http://schemas.microsoft.com/office/drawing/2014/main" id="{AA0B3468-4E94-4C87-83E5-7571196E9226}"/>
+              </a:ext>
+            </a:extLst>
+          </p:cNvPr>
+          <p:cNvSpPr txBox="1">
+            <a:spLocks/>
+          </p:cNvSpPr>
+          <p:nvPr/>
+        </p:nvSpPr>
+        <p:spPr>
+          <a:xfrm>
+            <a:off x="826698" y="1204074"/>
+            <a:ext cx="5496464" cy="4997550"/>
+          </a:xfrm>
+          <a:prstGeom prst="rect">
+            <a:avLst/>
+          </a:prstGeom>
+        </p:spPr>
+        <p:txBody>
+          <a:bodyPr vert="horz" lIns="91440" tIns="45720" rIns="91440" bIns="45720" numCol="1" rtlCol="0">
+            <a:normAutofit/>
+          </a:bodyPr>
+          <a:lstStyle>
+            <a:lvl1pPr marL="144000" indent="-144000" algn="l" defTabSz="914400" rtl="0" eaLnBrk="1" latinLnBrk="0" hangingPunct="0">
+              <a:lnSpc>
+                <a:spcPct val="90000"/>
+              </a:lnSpc>
+              <a:spcBef>
+                <a:spcPts val="300"/>
+              </a:spcBef>
+              <a:buFont typeface="Arial" panose="020B0604020202020204" pitchFamily="34" charset="0"/>
+              <a:buChar char="•"/>
+              <a:defRPr sz="1600" kern="1200" baseline="0">
+                <a:solidFill>
+                  <a:schemeClr val="tx1"/>
+                </a:solidFill>
+                <a:latin typeface="Times New Roman" panose="02020603050405020304" pitchFamily="18" charset="0"/>
+                <a:ea typeface="標楷體" panose="03000509000000000000" pitchFamily="65" charset="-120"/>
+                <a:cs typeface="+mn-cs"/>
+              </a:defRPr>
+            </a:lvl1pPr>
+            <a:lvl2pPr marL="685800" indent="-228600" algn="l" defTabSz="914400" rtl="0" eaLnBrk="1" latinLnBrk="0" hangingPunct="0">
+              <a:lnSpc>
+                <a:spcPct val="90000"/>
+              </a:lnSpc>
+              <a:spcBef>
+                <a:spcPts val="300"/>
+              </a:spcBef>
+              <a:buFont typeface="Arial" panose="020B0604020202020204" pitchFamily="34" charset="0"/>
+              <a:buChar char="•"/>
+              <a:defRPr sz="1600" kern="1200" baseline="0">
+                <a:solidFill>
+                  <a:schemeClr val="tx1"/>
+                </a:solidFill>
+                <a:latin typeface="Times New Roman" panose="02020603050405020304" pitchFamily="18" charset="0"/>
+                <a:ea typeface="標楷體" panose="03000509000000000000" pitchFamily="65" charset="-120"/>
+                <a:cs typeface="+mn-cs"/>
+              </a:defRPr>
+            </a:lvl2pPr>
+            <a:lvl3pPr marL="1143000" indent="-228600" algn="l" defTabSz="914400" rtl="0" eaLnBrk="1" latinLnBrk="0" hangingPunct="0">
+              <a:lnSpc>
+                <a:spcPct val="90000"/>
+              </a:lnSpc>
+              <a:spcBef>
+                <a:spcPts val="300"/>
+              </a:spcBef>
+              <a:buFont typeface="Arial" panose="020B0604020202020204" pitchFamily="34" charset="0"/>
+              <a:buChar char="•"/>
+              <a:defRPr sz="1600" kern="1200" baseline="0">
+                <a:solidFill>
+                  <a:schemeClr val="tx1"/>
+                </a:solidFill>
+                <a:latin typeface="Times New Roman" panose="02020603050405020304" pitchFamily="18" charset="0"/>
+                <a:ea typeface="標楷體" panose="03000509000000000000" pitchFamily="65" charset="-120"/>
+                <a:cs typeface="+mn-cs"/>
+              </a:defRPr>
+            </a:lvl3pPr>
+            <a:lvl4pPr marL="1600200" indent="-228600" algn="l" defTabSz="914400" rtl="0" eaLnBrk="1" latinLnBrk="0" hangingPunct="0">
+              <a:lnSpc>
+                <a:spcPct val="90000"/>
+              </a:lnSpc>
+              <a:spcBef>
+                <a:spcPts val="300"/>
+              </a:spcBef>
+              <a:buFont typeface="Arial" panose="020B0604020202020204" pitchFamily="34" charset="0"/>
+              <a:buChar char="•"/>
+              <a:defRPr sz="1600" kern="1200" baseline="0">
+                <a:solidFill>
+                  <a:schemeClr val="tx1"/>
+                </a:solidFill>
+                <a:latin typeface="Times New Roman" panose="02020603050405020304" pitchFamily="18" charset="0"/>
+                <a:ea typeface="標楷體" panose="03000509000000000000" pitchFamily="65" charset="-120"/>
+                <a:cs typeface="+mn-cs"/>
+              </a:defRPr>
+            </a:lvl4pPr>
+            <a:lvl5pPr marL="2057400" indent="-228600" algn="l" defTabSz="914400" rtl="0" eaLnBrk="1" latinLnBrk="0" hangingPunct="0">
+              <a:lnSpc>
+                <a:spcPct val="90000"/>
+              </a:lnSpc>
+              <a:spcBef>
+                <a:spcPts val="300"/>
+              </a:spcBef>
+              <a:buFont typeface="Arial" panose="020B0604020202020204" pitchFamily="34" charset="0"/>
+              <a:buChar char="•"/>
+              <a:defRPr sz="1600" kern="1200" baseline="0">
+                <a:solidFill>
+                  <a:schemeClr val="tx1"/>
+                </a:solidFill>
+                <a:latin typeface="Times New Roman" panose="02020603050405020304" pitchFamily="18" charset="0"/>
+                <a:ea typeface="標楷體" panose="03000509000000000000" pitchFamily="65" charset="-120"/>
+                <a:cs typeface="+mn-cs"/>
+              </a:defRPr>
+            </a:lvl5pPr>
+            <a:lvl6pPr marL="2514600" indent="-228600" algn="l" defTabSz="914400" rtl="0" eaLnBrk="1" latinLnBrk="0" hangingPunct="1">
+              <a:lnSpc>
+                <a:spcPct val="90000"/>
+              </a:lnSpc>
+              <a:spcBef>
+                <a:spcPts val="500"/>
+              </a:spcBef>
+              <a:buFont typeface="Arial" panose="020B0604020202020204" pitchFamily="34" charset="0"/>
+              <a:buChar char="•"/>
+              <a:defRPr sz="1800" kern="1200">
+                <a:solidFill>
+                  <a:schemeClr val="tx1"/>
+                </a:solidFill>
+                <a:latin typeface="+mn-lt"/>
+                <a:ea typeface="+mn-ea"/>
+                <a:cs typeface="+mn-cs"/>
+              </a:defRPr>
+            </a:lvl6pPr>
+            <a:lvl7pPr marL="2971800" indent="-228600" algn="l" defTabSz="914400" rtl="0" eaLnBrk="1" latinLnBrk="0" hangingPunct="1">
+              <a:lnSpc>
+                <a:spcPct val="90000"/>
+              </a:lnSpc>
+              <a:spcBef>
+                <a:spcPts val="500"/>
+              </a:spcBef>
+              <a:buFont typeface="Arial" panose="020B0604020202020204" pitchFamily="34" charset="0"/>
+              <a:buChar char="•"/>
+              <a:defRPr sz="1800" kern="1200">
+                <a:solidFill>
+                  <a:schemeClr val="tx1"/>
+                </a:solidFill>
+                <a:latin typeface="+mn-lt"/>
+                <a:ea typeface="+mn-ea"/>
+                <a:cs typeface="+mn-cs"/>
+              </a:defRPr>
+            </a:lvl7pPr>
+            <a:lvl8pPr marL="3429000" indent="-228600" algn="l" defTabSz="914400" rtl="0" eaLnBrk="1" latinLnBrk="0" hangingPunct="1">
+              <a:lnSpc>
+                <a:spcPct val="90000"/>
+              </a:lnSpc>
+              <a:spcBef>
+                <a:spcPts val="500"/>
+              </a:spcBef>
+              <a:buFont typeface="Arial" panose="020B0604020202020204" pitchFamily="34" charset="0"/>
+              <a:buChar char="•"/>
+              <a:defRPr sz="1800" kern="1200">
+                <a:solidFill>
+                  <a:schemeClr val="tx1"/>
+                </a:solidFill>
+                <a:latin typeface="+mn-lt"/>
+                <a:ea typeface="+mn-ea"/>
+                <a:cs typeface="+mn-cs"/>
+              </a:defRPr>
+            </a:lvl8pPr>
+            <a:lvl9pPr marL="3886200" indent="-228600" algn="l" defTabSz="914400" rtl="0" eaLnBrk="1" latinLnBrk="0" hangingPunct="1">
+              <a:lnSpc>
+                <a:spcPct val="90000"/>
+              </a:lnSpc>
+              <a:spcBef>
+                <a:spcPts val="500"/>
+              </a:spcBef>
+              <a:buFont typeface="Arial" panose="020B0604020202020204" pitchFamily="34" charset="0"/>
+              <a:buChar char="•"/>
+              <a:defRPr sz="1800" kern="1200">
+                <a:solidFill>
+                  <a:schemeClr val="tx1"/>
+                </a:solidFill>
+                <a:latin typeface="+mn-lt"/>
+                <a:ea typeface="+mn-ea"/>
+                <a:cs typeface="+mn-cs"/>
+              </a:defRPr>
+            </a:lvl9pPr>
+          </a:lstStyle>
+          <a:p>
+            <a:pPr marL="0" indent="0">
+              <a:buNone/>
+            </a:pPr>
+            <a:r>
+              <a:rPr lang="zh-TW" altLang="en-US" sz="2000" dirty="0"/>
+              <a:t>硬體列表：</a:t>
+            </a:r>
+            <a:endParaRPr lang="en-US" altLang="zh-TW" sz="2000" dirty="0"/>
+          </a:p>
+          <a:p>
+            <a:pPr marL="0" indent="0">
+              <a:buNone/>
+            </a:pPr>
+            <a:endParaRPr lang="en-US" altLang="zh-TW" dirty="0">
+              <a:solidFill>
+                <a:srgbClr val="FF0000"/>
+              </a:solidFill>
+            </a:endParaRPr>
+          </a:p>
+          <a:p>
+            <a:pPr marL="884700" lvl="1" indent="-342900">
+              <a:buFont typeface="+mj-lt"/>
+              <a:buAutoNum type="arabicPeriod"/>
+            </a:pPr>
+            <a:endParaRPr lang="en-US" altLang="zh-TW" dirty="0">
+              <a:solidFill>
+                <a:srgbClr val="FF0000"/>
+              </a:solidFill>
+            </a:endParaRPr>
+          </a:p>
+        </p:txBody>
+      </p:sp>
+    </p:spTree>
+    <p:extLst>
+      <p:ext uri="{BB962C8B-B14F-4D97-AF65-F5344CB8AC3E}">
+        <p14:creationId xmlns:p14="http://schemas.microsoft.com/office/powerpoint/2010/main" val="2460776231"/>
+      </p:ext>
+    </p:extLst>
+  </p:cSld>
+  <p:clrMapOvr>
+    <a:masterClrMapping/>
+  </p:clrMapOvr>
+</p:sld>
+</file>
+
+<file path=ppt/slides/slide18.xml><?xml version="1.0" encoding="utf-8"?>
+<p:sld xmlns:a="http://schemas.openxmlformats.org/drawingml/2006/main" xmlns:r="http://schemas.openxmlformats.org/officeDocument/2006/relationships" xmlns:p="http://schemas.openxmlformats.org/presentationml/2006/main">
+  <p:cSld>
+    <p:spTree>
+      <p:nvGrpSpPr>
+        <p:cNvPr id="1" name="">
+          <a:extLst>
+            <a:ext uri="{FF2B5EF4-FFF2-40B4-BE49-F238E27FC236}">
+              <a16:creationId xmlns:a16="http://schemas.microsoft.com/office/drawing/2014/main" id="{F7D47375-7DC6-7B0C-2348-2C84E4F9CBC7}"/>
+            </a:ext>
+          </a:extLst>
+        </p:cNvPr>
+        <p:cNvGrpSpPr/>
+        <p:nvPr/>
+      </p:nvGrpSpPr>
+      <p:grpSpPr>
+        <a:xfrm>
+          <a:off x="0" y="0"/>
+          <a:ext cx="0" cy="0"/>
+          <a:chOff x="0" y="0"/>
+          <a:chExt cx="0" cy="0"/>
+        </a:xfrm>
+      </p:grpSpPr>
+      <p:sp>
+        <p:nvSpPr>
+          <p:cNvPr id="3" name="標題 2">
+            <a:extLst>
+              <a:ext uri="{FF2B5EF4-FFF2-40B4-BE49-F238E27FC236}">
+                <a16:creationId xmlns:a16="http://schemas.microsoft.com/office/drawing/2014/main" id="{9EB592D2-2EDE-272D-3B28-A1E0C6CABBAA}"/>
+              </a:ext>
+            </a:extLst>
+          </p:cNvPr>
+          <p:cNvSpPr>
+            <a:spLocks noGrp="1"/>
+          </p:cNvSpPr>
+          <p:nvPr>
+            <p:ph type="title"/>
+          </p:nvPr>
+        </p:nvSpPr>
+        <p:spPr/>
+        <p:txBody>
+          <a:bodyPr>
+            <a:noAutofit/>
+          </a:bodyPr>
+          <a:lstStyle/>
+          <a:p>
+            <a:r>
+              <a:rPr lang="zh-TW" altLang="en-US" sz="3600" dirty="0"/>
+              <a:t>需求列表 </a:t>
+            </a:r>
+            <a:r>
+              <a:rPr lang="en-US" altLang="zh-TW" sz="3600" dirty="0"/>
+              <a:t>–</a:t>
+            </a:r>
+            <a:r>
+              <a:rPr lang="zh-TW" altLang="en-US" sz="3600" dirty="0"/>
+              <a:t> 環境需求</a:t>
+            </a:r>
+          </a:p>
+        </p:txBody>
+      </p:sp>
+      <p:sp>
+        <p:nvSpPr>
+          <p:cNvPr id="8" name="內容版面配置區 1">
+            <a:extLst>
+              <a:ext uri="{FF2B5EF4-FFF2-40B4-BE49-F238E27FC236}">
+                <a16:creationId xmlns:a16="http://schemas.microsoft.com/office/drawing/2014/main" id="{43D3056F-7038-034F-3D0E-1B99CF10054E}"/>
+              </a:ext>
+            </a:extLst>
+          </p:cNvPr>
+          <p:cNvSpPr txBox="1">
+            <a:spLocks/>
+          </p:cNvSpPr>
+          <p:nvPr/>
+        </p:nvSpPr>
+        <p:spPr>
+          <a:xfrm>
+            <a:off x="838200" y="1247206"/>
+            <a:ext cx="5868838" cy="4997550"/>
+          </a:xfrm>
+          <a:prstGeom prst="rect">
+            <a:avLst/>
+          </a:prstGeom>
+        </p:spPr>
+        <p:txBody>
+          <a:bodyPr vert="horz" lIns="91440" tIns="45720" rIns="91440" bIns="45720" numCol="1" rtlCol="0">
+            <a:normAutofit/>
+          </a:bodyPr>
+          <a:lstStyle>
+            <a:lvl1pPr marL="144000" indent="-144000" algn="l" defTabSz="914400" rtl="0" eaLnBrk="1" latinLnBrk="0" hangingPunct="0">
+              <a:lnSpc>
+                <a:spcPct val="90000"/>
+              </a:lnSpc>
+              <a:spcBef>
+                <a:spcPts val="300"/>
+              </a:spcBef>
+              <a:buFont typeface="Arial" panose="020B0604020202020204" pitchFamily="34" charset="0"/>
+              <a:buChar char="•"/>
+              <a:defRPr sz="1600" kern="1200" baseline="0">
+                <a:solidFill>
+                  <a:schemeClr val="tx1"/>
+                </a:solidFill>
+                <a:latin typeface="Times New Roman" panose="02020603050405020304" pitchFamily="18" charset="0"/>
+                <a:ea typeface="標楷體" panose="03000509000000000000" pitchFamily="65" charset="-120"/>
+                <a:cs typeface="+mn-cs"/>
+              </a:defRPr>
+            </a:lvl1pPr>
+            <a:lvl2pPr marL="685800" indent="-228600" algn="l" defTabSz="914400" rtl="0" eaLnBrk="1" latinLnBrk="0" hangingPunct="0">
+              <a:lnSpc>
+                <a:spcPct val="90000"/>
+              </a:lnSpc>
+              <a:spcBef>
+                <a:spcPts val="300"/>
+              </a:spcBef>
+              <a:buFont typeface="Arial" panose="020B0604020202020204" pitchFamily="34" charset="0"/>
+              <a:buChar char="•"/>
+              <a:defRPr sz="1600" kern="1200" baseline="0">
+                <a:solidFill>
+                  <a:schemeClr val="tx1"/>
+                </a:solidFill>
+                <a:latin typeface="Times New Roman" panose="02020603050405020304" pitchFamily="18" charset="0"/>
+                <a:ea typeface="標楷體" panose="03000509000000000000" pitchFamily="65" charset="-120"/>
+                <a:cs typeface="+mn-cs"/>
+              </a:defRPr>
+            </a:lvl2pPr>
+            <a:lvl3pPr marL="1143000" indent="-228600" algn="l" defTabSz="914400" rtl="0" eaLnBrk="1" latinLnBrk="0" hangingPunct="0">
+              <a:lnSpc>
+                <a:spcPct val="90000"/>
+              </a:lnSpc>
+              <a:spcBef>
+                <a:spcPts val="300"/>
+              </a:spcBef>
+              <a:buFont typeface="Arial" panose="020B0604020202020204" pitchFamily="34" charset="0"/>
+              <a:buChar char="•"/>
+              <a:defRPr sz="1600" kern="1200" baseline="0">
+                <a:solidFill>
+                  <a:schemeClr val="tx1"/>
+                </a:solidFill>
+                <a:latin typeface="Times New Roman" panose="02020603050405020304" pitchFamily="18" charset="0"/>
+                <a:ea typeface="標楷體" panose="03000509000000000000" pitchFamily="65" charset="-120"/>
+                <a:cs typeface="+mn-cs"/>
+              </a:defRPr>
+            </a:lvl3pPr>
+            <a:lvl4pPr marL="1600200" indent="-228600" algn="l" defTabSz="914400" rtl="0" eaLnBrk="1" latinLnBrk="0" hangingPunct="0">
+              <a:lnSpc>
+                <a:spcPct val="90000"/>
+              </a:lnSpc>
+              <a:spcBef>
+                <a:spcPts val="300"/>
+              </a:spcBef>
+              <a:buFont typeface="Arial" panose="020B0604020202020204" pitchFamily="34" charset="0"/>
+              <a:buChar char="•"/>
+              <a:defRPr sz="1600" kern="1200" baseline="0">
+                <a:solidFill>
+                  <a:schemeClr val="tx1"/>
+                </a:solidFill>
+                <a:latin typeface="Times New Roman" panose="02020603050405020304" pitchFamily="18" charset="0"/>
+                <a:ea typeface="標楷體" panose="03000509000000000000" pitchFamily="65" charset="-120"/>
+                <a:cs typeface="+mn-cs"/>
+              </a:defRPr>
+            </a:lvl4pPr>
+            <a:lvl5pPr marL="2057400" indent="-228600" algn="l" defTabSz="914400" rtl="0" eaLnBrk="1" latinLnBrk="0" hangingPunct="0">
+              <a:lnSpc>
+                <a:spcPct val="90000"/>
+              </a:lnSpc>
+              <a:spcBef>
+                <a:spcPts val="300"/>
+              </a:spcBef>
+              <a:buFont typeface="Arial" panose="020B0604020202020204" pitchFamily="34" charset="0"/>
+              <a:buChar char="•"/>
+              <a:defRPr sz="1600" kern="1200" baseline="0">
+                <a:solidFill>
+                  <a:schemeClr val="tx1"/>
+                </a:solidFill>
+                <a:latin typeface="Times New Roman" panose="02020603050405020304" pitchFamily="18" charset="0"/>
+                <a:ea typeface="標楷體" panose="03000509000000000000" pitchFamily="65" charset="-120"/>
+                <a:cs typeface="+mn-cs"/>
+              </a:defRPr>
+            </a:lvl5pPr>
+            <a:lvl6pPr marL="2514600" indent="-228600" algn="l" defTabSz="914400" rtl="0" eaLnBrk="1" latinLnBrk="0" hangingPunct="1">
+              <a:lnSpc>
+                <a:spcPct val="90000"/>
+              </a:lnSpc>
+              <a:spcBef>
+                <a:spcPts val="500"/>
+              </a:spcBef>
+              <a:buFont typeface="Arial" panose="020B0604020202020204" pitchFamily="34" charset="0"/>
+              <a:buChar char="•"/>
+              <a:defRPr sz="1800" kern="1200">
+                <a:solidFill>
+                  <a:schemeClr val="tx1"/>
+                </a:solidFill>
+                <a:latin typeface="+mn-lt"/>
+                <a:ea typeface="+mn-ea"/>
+                <a:cs typeface="+mn-cs"/>
+              </a:defRPr>
+            </a:lvl6pPr>
+            <a:lvl7pPr marL="2971800" indent="-228600" algn="l" defTabSz="914400" rtl="0" eaLnBrk="1" latinLnBrk="0" hangingPunct="1">
+              <a:lnSpc>
+                <a:spcPct val="90000"/>
+              </a:lnSpc>
+              <a:spcBef>
+                <a:spcPts val="500"/>
+              </a:spcBef>
+              <a:buFont typeface="Arial" panose="020B0604020202020204" pitchFamily="34" charset="0"/>
+              <a:buChar char="•"/>
+              <a:defRPr sz="1800" kern="1200">
+                <a:solidFill>
+                  <a:schemeClr val="tx1"/>
+                </a:solidFill>
+                <a:latin typeface="+mn-lt"/>
+                <a:ea typeface="+mn-ea"/>
+                <a:cs typeface="+mn-cs"/>
+              </a:defRPr>
+            </a:lvl7pPr>
+            <a:lvl8pPr marL="3429000" indent="-228600" algn="l" defTabSz="914400" rtl="0" eaLnBrk="1" latinLnBrk="0" hangingPunct="1">
+              <a:lnSpc>
+                <a:spcPct val="90000"/>
+              </a:lnSpc>
+              <a:spcBef>
+                <a:spcPts val="500"/>
+              </a:spcBef>
+              <a:buFont typeface="Arial" panose="020B0604020202020204" pitchFamily="34" charset="0"/>
+              <a:buChar char="•"/>
+              <a:defRPr sz="1800" kern="1200">
+                <a:solidFill>
+                  <a:schemeClr val="tx1"/>
+                </a:solidFill>
+                <a:latin typeface="+mn-lt"/>
+                <a:ea typeface="+mn-ea"/>
+                <a:cs typeface="+mn-cs"/>
+              </a:defRPr>
+            </a:lvl8pPr>
+            <a:lvl9pPr marL="3886200" indent="-228600" algn="l" defTabSz="914400" rtl="0" eaLnBrk="1" latinLnBrk="0" hangingPunct="1">
+              <a:lnSpc>
+                <a:spcPct val="90000"/>
+              </a:lnSpc>
+              <a:spcBef>
+                <a:spcPts val="500"/>
+              </a:spcBef>
+              <a:buFont typeface="Arial" panose="020B0604020202020204" pitchFamily="34" charset="0"/>
+              <a:buChar char="•"/>
+              <a:defRPr sz="1800" kern="1200">
+                <a:solidFill>
+                  <a:schemeClr val="tx1"/>
+                </a:solidFill>
+                <a:latin typeface="+mn-lt"/>
+                <a:ea typeface="+mn-ea"/>
+                <a:cs typeface="+mn-cs"/>
+              </a:defRPr>
+            </a:lvl9pPr>
+          </a:lstStyle>
+          <a:p>
+            <a:pPr marL="0" indent="0">
+              <a:buNone/>
+            </a:pPr>
+            <a:r>
+              <a:rPr lang="zh-TW" altLang="en-US" dirty="0"/>
+              <a:t>作業系統：</a:t>
+            </a:r>
+            <a:r>
+              <a:rPr lang="en-US" altLang="zh-TW" dirty="0"/>
+              <a:t>windows</a:t>
+            </a:r>
+            <a:r>
+              <a:rPr lang="zh-TW" altLang="en-US" dirty="0"/>
+              <a:t> </a:t>
+            </a:r>
+            <a:r>
+              <a:rPr lang="en-US" altLang="zh-TW" dirty="0"/>
+              <a:t>10</a:t>
+            </a:r>
+          </a:p>
+          <a:p>
+            <a:pPr lvl="1"/>
+            <a:endParaRPr lang="en-US" altLang="zh-TW" dirty="0"/>
+          </a:p>
+          <a:p>
+            <a:pPr marL="0" indent="0">
+              <a:buNone/>
+            </a:pPr>
+            <a:endParaRPr lang="en-US" altLang="zh-TW" dirty="0"/>
+          </a:p>
+          <a:p>
+            <a:pPr marL="0" indent="0">
+              <a:buNone/>
+            </a:pPr>
+            <a:endParaRPr lang="en-US" altLang="zh-TW" dirty="0"/>
+          </a:p>
+          <a:p>
+            <a:pPr marL="0" indent="0">
+              <a:buNone/>
+            </a:pPr>
+            <a:r>
+              <a:rPr lang="zh-TW" altLang="en-US" dirty="0"/>
+              <a:t>環境設定：</a:t>
+            </a:r>
+            <a:r>
+              <a:rPr lang="en-US" altLang="zh-TW" dirty="0"/>
+              <a:t>python 3.8</a:t>
+            </a:r>
+            <a:r>
+              <a:rPr lang="zh-TW" altLang="en-US" dirty="0"/>
+              <a:t> ，</a:t>
+            </a:r>
+            <a:r>
+              <a:rPr lang="en-US" altLang="zh-TW" dirty="0"/>
+              <a:t>OpenCV</a:t>
+            </a:r>
+          </a:p>
+          <a:p>
+            <a:pPr marL="884700" lvl="1" indent="-342900"/>
+            <a:endParaRPr lang="en-US" altLang="zh-TW" dirty="0"/>
+          </a:p>
+          <a:p>
+            <a:pPr marL="884700" lvl="1" indent="-342900"/>
+            <a:endParaRPr lang="en-US" altLang="zh-TW" dirty="0"/>
+          </a:p>
+          <a:p>
+            <a:pPr marL="0" indent="0">
+              <a:buNone/>
+            </a:pPr>
+            <a:r>
+              <a:rPr lang="zh-TW" altLang="en-US" dirty="0"/>
+              <a:t>其他工具：</a:t>
+            </a:r>
+            <a:endParaRPr lang="en-US" altLang="zh-TW" dirty="0"/>
+          </a:p>
+          <a:p>
+            <a:pPr lvl="1"/>
+            <a:endParaRPr lang="en-US" altLang="zh-TW" dirty="0">
+              <a:solidFill>
+                <a:srgbClr val="FF0000"/>
+              </a:solidFill>
+            </a:endParaRPr>
+          </a:p>
+        </p:txBody>
+      </p:sp>
+      <p:pic>
+        <p:nvPicPr>
+          <p:cNvPr id="4" name="圖片 3">
+            <a:extLst>
+              <a:ext uri="{FF2B5EF4-FFF2-40B4-BE49-F238E27FC236}">
+                <a16:creationId xmlns:a16="http://schemas.microsoft.com/office/drawing/2014/main" id="{248157F6-43DC-E387-3BC8-FD77FC133FBA}"/>
+              </a:ext>
+            </a:extLst>
+          </p:cNvPr>
+          <p:cNvPicPr>
+            <a:picLocks noChangeAspect="1"/>
+          </p:cNvPicPr>
+          <p:nvPr/>
+        </p:nvPicPr>
+        <p:blipFill>
+          <a:blip r:embed="rId2"/>
+          <a:stretch>
+            <a:fillRect/>
+          </a:stretch>
+        </p:blipFill>
+        <p:spPr>
+          <a:xfrm>
+            <a:off x="4915856" y="1876290"/>
+            <a:ext cx="6534451" cy="3105420"/>
+          </a:xfrm>
+          <a:prstGeom prst="rect">
+            <a:avLst/>
+          </a:prstGeom>
+        </p:spPr>
+      </p:pic>
+    </p:spTree>
+    <p:extLst>
+      <p:ext uri="{BB962C8B-B14F-4D97-AF65-F5344CB8AC3E}">
+        <p14:creationId xmlns:p14="http://schemas.microsoft.com/office/powerpoint/2010/main" val="698926209"/>
+      </p:ext>
+    </p:extLst>
+  </p:cSld>
+  <p:clrMapOvr>
+    <a:masterClrMapping/>
+  </p:clrMapOvr>
+</p:sld>
+</file>
+
+<file path=ppt/slides/slide19.xml><?xml version="1.0" encoding="utf-8"?>
+<p:sld xmlns:a="http://schemas.openxmlformats.org/drawingml/2006/main" xmlns:r="http://schemas.openxmlformats.org/officeDocument/2006/relationships" xmlns:p="http://schemas.openxmlformats.org/presentationml/2006/main">
+  <p:cSld>
+    <p:spTree>
+      <p:nvGrpSpPr>
+        <p:cNvPr id="1" name="">
+          <a:extLst>
+            <a:ext uri="{FF2B5EF4-FFF2-40B4-BE49-F238E27FC236}">
+              <a16:creationId xmlns:a16="http://schemas.microsoft.com/office/drawing/2014/main" id="{1CBD5601-0ED1-424D-098B-BEEC3DA00373}"/>
+            </a:ext>
+          </a:extLst>
+        </p:cNvPr>
+        <p:cNvGrpSpPr/>
+        <p:nvPr/>
+      </p:nvGrpSpPr>
+      <p:grpSpPr>
+        <a:xfrm>
+          <a:off x="0" y="0"/>
+          <a:ext cx="0" cy="0"/>
+          <a:chOff x="0" y="0"/>
+          <a:chExt cx="0" cy="0"/>
+        </a:xfrm>
+      </p:grpSpPr>
+      <p:graphicFrame>
+        <p:nvGraphicFramePr>
+          <p:cNvPr id="7" name="內容版面配置區 6">
+            <a:extLst>
+              <a:ext uri="{FF2B5EF4-FFF2-40B4-BE49-F238E27FC236}">
+                <a16:creationId xmlns:a16="http://schemas.microsoft.com/office/drawing/2014/main" id="{BB6FDC85-C626-1676-64EF-4932BE63AF16}"/>
+              </a:ext>
+            </a:extLst>
+          </p:cNvPr>
+          <p:cNvGraphicFramePr>
+            <a:graphicFrameLocks noGrp="1"/>
+          </p:cNvGraphicFramePr>
+          <p:nvPr>
+            <p:ph idx="1"/>
+            <p:extLst>
+              <p:ext uri="{D42A27DB-BD31-4B8C-83A1-F6EECF244321}">
+                <p14:modId xmlns:p14="http://schemas.microsoft.com/office/powerpoint/2010/main" val="1528117128"/>
+              </p:ext>
+            </p:extLst>
+          </p:nvPr>
+        </p:nvGraphicFramePr>
+        <p:xfrm>
+          <a:off x="838200" y="1201738"/>
+          <a:ext cx="10515600" cy="5597381"/>
+        </p:xfrm>
+        <a:graphic>
+          <a:graphicData uri="http://schemas.openxmlformats.org/drawingml/2006/table">
+            <a:tbl>
+              <a:tblPr firstRow="1" bandRow="1">
+                <a:tableStyleId>{69CF1AB2-1976-4502-BF36-3FF5EA218861}</a:tableStyleId>
+              </a:tblPr>
+              <a:tblGrid>
+                <a:gridCol w="2946991">
+                  <a:extLst>
+                    <a:ext uri="{9D8B030D-6E8A-4147-A177-3AD203B41FA5}">
+                      <a16:colId xmlns:a16="http://schemas.microsoft.com/office/drawing/2014/main" val="1525235260"/>
+                    </a:ext>
+                  </a:extLst>
+                </a:gridCol>
+                <a:gridCol w="7568609">
+                  <a:extLst>
+                    <a:ext uri="{9D8B030D-6E8A-4147-A177-3AD203B41FA5}">
+                      <a16:colId xmlns:a16="http://schemas.microsoft.com/office/drawing/2014/main" val="3150341969"/>
+                    </a:ext>
+                  </a:extLst>
+                </a:gridCol>
+              </a:tblGrid>
+              <a:tr h="378584">
+                <a:tc gridSpan="2">
+                  <a:txBody>
+                    <a:bodyPr/>
+                    <a:lstStyle/>
+                    <a:p>
+                      <a:pPr algn="ctr"/>
+                      <a:r>
+                        <a:rPr lang="en-US" sz="1800" b="1" kern="1200" dirty="0" err="1">
+                          <a:solidFill>
+                            <a:schemeClr val="dk1"/>
+                          </a:solidFill>
+                          <a:effectLst/>
+                          <a:latin typeface="+mn-lt"/>
+                          <a:ea typeface="+mn-ea"/>
+                          <a:cs typeface="+mn-cs"/>
+                        </a:rPr>
+                        <a:t>process_camera</a:t>
+                      </a:r>
+                      <a:r>
+                        <a:rPr lang="en-US" sz="1800" b="1" kern="1200" dirty="0">
+                          <a:solidFill>
+                            <a:schemeClr val="dk1"/>
+                          </a:solidFill>
+                          <a:effectLst/>
+                          <a:latin typeface="+mn-lt"/>
+                          <a:ea typeface="+mn-ea"/>
+                          <a:cs typeface="+mn-cs"/>
+                        </a:rPr>
+                        <a:t>(</a:t>
+                      </a:r>
+                      <a:r>
+                        <a:rPr lang="en-US" sz="1800" b="1" kern="1200" dirty="0" err="1">
+                          <a:solidFill>
+                            <a:schemeClr val="dk1"/>
+                          </a:solidFill>
+                          <a:effectLst/>
+                          <a:latin typeface="+mn-lt"/>
+                          <a:ea typeface="+mn-ea"/>
+                          <a:cs typeface="+mn-cs"/>
+                        </a:rPr>
+                        <a:t>second_vp_lines</a:t>
+                      </a:r>
+                      <a:r>
+                        <a:rPr lang="en-US" sz="1800" b="1" kern="1200" dirty="0">
+                          <a:solidFill>
+                            <a:schemeClr val="dk1"/>
+                          </a:solidFill>
+                          <a:effectLst/>
+                          <a:latin typeface="+mn-lt"/>
+                          <a:ea typeface="+mn-ea"/>
+                          <a:cs typeface="+mn-cs"/>
+                        </a:rPr>
+                        <a:t>: list, </a:t>
+                      </a:r>
+                      <a:r>
+                        <a:rPr lang="en-US" sz="1800" b="1" kern="1200" dirty="0" err="1">
+                          <a:solidFill>
+                            <a:schemeClr val="dk1"/>
+                          </a:solidFill>
+                          <a:effectLst/>
+                          <a:latin typeface="+mn-lt"/>
+                          <a:ea typeface="+mn-ea"/>
+                          <a:cs typeface="+mn-cs"/>
+                        </a:rPr>
+                        <a:t>major_vp_lines</a:t>
+                      </a:r>
+                      <a:r>
+                        <a:rPr lang="en-US" sz="1800" b="1" kern="1200" dirty="0">
+                          <a:solidFill>
+                            <a:schemeClr val="dk1"/>
+                          </a:solidFill>
+                          <a:effectLst/>
+                          <a:latin typeface="+mn-lt"/>
+                          <a:ea typeface="+mn-ea"/>
+                          <a:cs typeface="+mn-cs"/>
+                        </a:rPr>
+                        <a:t>: list) -&gt; tuple</a:t>
+                      </a:r>
+                      <a:endParaRPr lang="zh-TW" altLang="en-US" dirty="0">
+                        <a:latin typeface="Times New Roman" panose="02020603050405020304" pitchFamily="18" charset="0"/>
+                        <a:ea typeface="標楷體" panose="03000509000000000000" pitchFamily="65" charset="-120"/>
+                        <a:cs typeface="Times New Roman" panose="02020603050405020304" pitchFamily="18" charset="0"/>
+                      </a:endParaRPr>
+                    </a:p>
+                  </a:txBody>
+                  <a:tcPr anchor="ctr"/>
+                </a:tc>
+                <a:tc hMerge="1">
+                  <a:txBody>
+                    <a:bodyPr/>
+                    <a:lstStyle/>
+                    <a:p>
+                      <a:pPr algn="ctr"/>
+                      <a:endParaRPr lang="zh-TW" altLang="en-US" b="0" dirty="0">
+                        <a:latin typeface="Times New Roman" panose="02020603050405020304" pitchFamily="18" charset="0"/>
+                        <a:ea typeface="標楷體" panose="03000509000000000000" pitchFamily="65" charset="-120"/>
+                        <a:cs typeface="Times New Roman" panose="02020603050405020304" pitchFamily="18" charset="0"/>
+                      </a:endParaRPr>
+                    </a:p>
+                  </a:txBody>
+                  <a:tcPr anchor="ctr"/>
+                </a:tc>
+                <a:extLst>
+                  <a:ext uri="{0D108BD9-81ED-4DB2-BD59-A6C34878D82A}">
+                    <a16:rowId xmlns:a16="http://schemas.microsoft.com/office/drawing/2014/main" val="2604692169"/>
+                  </a:ext>
+                </a:extLst>
+              </a:tr>
+              <a:tr h="1251919">
+                <a:tc>
+                  <a:txBody>
+                    <a:bodyPr/>
+                    <a:lstStyle/>
+                    <a:p>
+                      <a:pPr algn="ctr"/>
+                      <a:r>
+                        <a:rPr lang="en-US" altLang="zh-TW" dirty="0">
+                          <a:latin typeface="Times New Roman" panose="02020603050405020304" pitchFamily="18" charset="0"/>
+                          <a:ea typeface="標楷體" panose="03000509000000000000" pitchFamily="65" charset="-120"/>
+                          <a:cs typeface="Times New Roman" panose="02020603050405020304" pitchFamily="18" charset="0"/>
+                        </a:rPr>
+                        <a:t>Input</a:t>
+                      </a:r>
+                      <a:endParaRPr lang="zh-TW" altLang="en-US" dirty="0">
+                        <a:latin typeface="Times New Roman" panose="02020603050405020304" pitchFamily="18" charset="0"/>
+                        <a:ea typeface="標楷體" panose="03000509000000000000" pitchFamily="65" charset="-120"/>
+                        <a:cs typeface="Times New Roman" panose="02020603050405020304" pitchFamily="18" charset="0"/>
+                      </a:endParaRPr>
+                    </a:p>
+                  </a:txBody>
+                  <a:tcPr anchor="ctr"/>
+                </a:tc>
+                <a:tc>
+                  <a:txBody>
+                    <a:bodyPr/>
+                    <a:lstStyle/>
+                    <a:p>
+                      <a:pPr algn="ctr"/>
+                      <a:r>
+                        <a:rPr lang="en-US" altLang="zh-TW" b="0" dirty="0" err="1">
+                          <a:latin typeface="Times New Roman" panose="02020603050405020304" pitchFamily="18" charset="0"/>
+                          <a:ea typeface="標楷體" panose="03000509000000000000" pitchFamily="65" charset="-120"/>
+                          <a:cs typeface="Times New Roman" panose="02020603050405020304" pitchFamily="18" charset="0"/>
+                        </a:rPr>
+                        <a:t>second_vp_lines</a:t>
+                      </a:r>
+                      <a:r>
+                        <a:rPr lang="en-US" altLang="zh-TW" b="0" dirty="0">
+                          <a:latin typeface="Times New Roman" panose="02020603050405020304" pitchFamily="18" charset="0"/>
+                          <a:ea typeface="標楷體" panose="03000509000000000000" pitchFamily="65" charset="-120"/>
+                          <a:cs typeface="Times New Roman" panose="02020603050405020304" pitchFamily="18" charset="0"/>
+                        </a:rPr>
+                        <a:t> (list): </a:t>
+                      </a:r>
+                      <a:r>
+                        <a:rPr lang="zh-TW" altLang="en-US" b="0" dirty="0">
+                          <a:latin typeface="Times New Roman" panose="02020603050405020304" pitchFamily="18" charset="0"/>
+                          <a:ea typeface="標楷體" panose="03000509000000000000" pitchFamily="65" charset="-120"/>
+                          <a:cs typeface="Times New Roman" panose="02020603050405020304" pitchFamily="18" charset="0"/>
+                        </a:rPr>
+                        <a:t>第二視角消失點線的列表</a:t>
+                      </a:r>
+                    </a:p>
+                    <a:p>
+                      <a:pPr algn="ctr"/>
+                      <a:r>
+                        <a:rPr lang="en-US" altLang="zh-TW" b="0" dirty="0" err="1">
+                          <a:latin typeface="Times New Roman" panose="02020603050405020304" pitchFamily="18" charset="0"/>
+                          <a:ea typeface="標楷體" panose="03000509000000000000" pitchFamily="65" charset="-120"/>
+                          <a:cs typeface="Times New Roman" panose="02020603050405020304" pitchFamily="18" charset="0"/>
+                        </a:rPr>
+                        <a:t>major_vp_lines</a:t>
+                      </a:r>
+                      <a:r>
+                        <a:rPr lang="en-US" altLang="zh-TW" b="0" dirty="0">
+                          <a:latin typeface="Times New Roman" panose="02020603050405020304" pitchFamily="18" charset="0"/>
+                          <a:ea typeface="標楷體" panose="03000509000000000000" pitchFamily="65" charset="-120"/>
+                          <a:cs typeface="Times New Roman" panose="02020603050405020304" pitchFamily="18" charset="0"/>
+                        </a:rPr>
+                        <a:t> (list): </a:t>
+                      </a:r>
+                      <a:r>
+                        <a:rPr lang="zh-TW" altLang="en-US" b="0" dirty="0">
+                          <a:latin typeface="Times New Roman" panose="02020603050405020304" pitchFamily="18" charset="0"/>
+                          <a:ea typeface="標楷體" panose="03000509000000000000" pitchFamily="65" charset="-120"/>
+                          <a:cs typeface="Times New Roman" panose="02020603050405020304" pitchFamily="18" charset="0"/>
+                        </a:rPr>
+                        <a:t>主要視角消失點線的列表</a:t>
+                      </a:r>
+                    </a:p>
+                  </a:txBody>
+                  <a:tcPr anchor="ctr"/>
+                </a:tc>
+                <a:extLst>
+                  <a:ext uri="{0D108BD9-81ED-4DB2-BD59-A6C34878D82A}">
+                    <a16:rowId xmlns:a16="http://schemas.microsoft.com/office/drawing/2014/main" val="1796280440"/>
+                  </a:ext>
+                </a:extLst>
+              </a:tr>
+              <a:tr h="1251919">
+                <a:tc>
+                  <a:txBody>
+                    <a:bodyPr/>
+                    <a:lstStyle/>
+                    <a:p>
+                      <a:pPr marL="0" marR="0" lvl="0" indent="0" algn="ctr" defTabSz="914400" rtl="0" eaLnBrk="1" fontAlgn="auto" latinLnBrk="0" hangingPunct="1">
+                        <a:lnSpc>
+                          <a:spcPct val="100000"/>
+                        </a:lnSpc>
+                        <a:spcBef>
+                          <a:spcPts val="0"/>
+                        </a:spcBef>
+                        <a:spcAft>
+                          <a:spcPts val="0"/>
+                        </a:spcAft>
+                        <a:buClrTx/>
+                        <a:buSzTx/>
+                        <a:buFontTx/>
+                        <a:buNone/>
+                        <a:tabLst/>
+                        <a:defRPr/>
+                      </a:pPr>
+                      <a:r>
+                        <a:rPr lang="en-US" altLang="zh-TW" dirty="0">
+                          <a:latin typeface="Times New Roman" panose="02020603050405020304" pitchFamily="18" charset="0"/>
+                          <a:ea typeface="標楷體" panose="03000509000000000000" pitchFamily="65" charset="-120"/>
+                          <a:cs typeface="Times New Roman" panose="02020603050405020304" pitchFamily="18" charset="0"/>
+                        </a:rPr>
+                        <a:t>Output</a:t>
+                      </a:r>
+                      <a:endParaRPr lang="zh-TW" altLang="en-US" dirty="0">
+                        <a:latin typeface="Times New Roman" panose="02020603050405020304" pitchFamily="18" charset="0"/>
+                        <a:ea typeface="標楷體" panose="03000509000000000000" pitchFamily="65" charset="-120"/>
+                        <a:cs typeface="Times New Roman" panose="02020603050405020304" pitchFamily="18" charset="0"/>
+                      </a:endParaRPr>
+                    </a:p>
+                    <a:p>
+                      <a:pPr algn="ctr"/>
+                      <a:endParaRPr lang="zh-TW" altLang="en-US" dirty="0">
+                        <a:latin typeface="Times New Roman" panose="02020603050405020304" pitchFamily="18" charset="0"/>
+                        <a:ea typeface="標楷體" panose="03000509000000000000" pitchFamily="65" charset="-120"/>
+                        <a:cs typeface="Times New Roman" panose="02020603050405020304" pitchFamily="18" charset="0"/>
+                      </a:endParaRPr>
+                    </a:p>
+                  </a:txBody>
+                  <a:tcPr anchor="ctr"/>
+                </a:tc>
+                <a:tc>
+                  <a:txBody>
+                    <a:bodyPr/>
+                    <a:lstStyle/>
+                    <a:p>
+                      <a:pPr algn="ctr"/>
+                      <a:r>
+                        <a:rPr lang="en-US" altLang="zh-TW" b="0" dirty="0" err="1">
+                          <a:latin typeface="Times New Roman" panose="02020603050405020304" pitchFamily="18" charset="0"/>
+                          <a:ea typeface="標楷體" panose="03000509000000000000" pitchFamily="65" charset="-120"/>
+                          <a:cs typeface="Times New Roman" panose="02020603050405020304" pitchFamily="18" charset="0"/>
+                        </a:rPr>
+                        <a:t>major_vp_point</a:t>
+                      </a:r>
+                      <a:r>
+                        <a:rPr lang="en-US" altLang="zh-TW" b="0" dirty="0">
+                          <a:latin typeface="Times New Roman" panose="02020603050405020304" pitchFamily="18" charset="0"/>
+                          <a:ea typeface="標楷體" panose="03000509000000000000" pitchFamily="65" charset="-120"/>
+                          <a:cs typeface="Times New Roman" panose="02020603050405020304" pitchFamily="18" charset="0"/>
+                        </a:rPr>
+                        <a:t> (tuple): </a:t>
+                      </a:r>
+                      <a:r>
+                        <a:rPr lang="zh-TW" altLang="en-US" b="0" dirty="0">
+                          <a:latin typeface="Times New Roman" panose="02020603050405020304" pitchFamily="18" charset="0"/>
+                          <a:ea typeface="標楷體" panose="03000509000000000000" pitchFamily="65" charset="-120"/>
+                          <a:cs typeface="Times New Roman" panose="02020603050405020304" pitchFamily="18" charset="0"/>
+                        </a:rPr>
+                        <a:t>計算出的主要視角消失點</a:t>
+                      </a:r>
+                    </a:p>
+                    <a:p>
+                      <a:pPr algn="ctr"/>
+                      <a:r>
+                        <a:rPr lang="en-US" altLang="zh-TW" b="0" dirty="0" err="1">
+                          <a:latin typeface="Times New Roman" panose="02020603050405020304" pitchFamily="18" charset="0"/>
+                          <a:ea typeface="標楷體" panose="03000509000000000000" pitchFamily="65" charset="-120"/>
+                          <a:cs typeface="Times New Roman" panose="02020603050405020304" pitchFamily="18" charset="0"/>
+                        </a:rPr>
+                        <a:t>second_vp_point</a:t>
+                      </a:r>
+                      <a:r>
+                        <a:rPr lang="en-US" altLang="zh-TW" b="0" dirty="0">
+                          <a:latin typeface="Times New Roman" panose="02020603050405020304" pitchFamily="18" charset="0"/>
+                          <a:ea typeface="標楷體" panose="03000509000000000000" pitchFamily="65" charset="-120"/>
+                          <a:cs typeface="Times New Roman" panose="02020603050405020304" pitchFamily="18" charset="0"/>
+                        </a:rPr>
+                        <a:t> (tuple): </a:t>
+                      </a:r>
+                      <a:r>
+                        <a:rPr lang="zh-TW" altLang="en-US" b="0" dirty="0">
+                          <a:latin typeface="Times New Roman" panose="02020603050405020304" pitchFamily="18" charset="0"/>
+                          <a:ea typeface="標楷體" panose="03000509000000000000" pitchFamily="65" charset="-120"/>
+                          <a:cs typeface="Times New Roman" panose="02020603050405020304" pitchFamily="18" charset="0"/>
+                        </a:rPr>
+                        <a:t>計算出的第二視角消失點</a:t>
+                      </a:r>
+                    </a:p>
+                    <a:p>
+                      <a:pPr algn="ctr"/>
+                      <a:r>
+                        <a:rPr lang="en-US" altLang="zh-TW" b="0" dirty="0" err="1">
+                          <a:latin typeface="Times New Roman" panose="02020603050405020304" pitchFamily="18" charset="0"/>
+                          <a:ea typeface="標楷體" panose="03000509000000000000" pitchFamily="65" charset="-120"/>
+                          <a:cs typeface="Times New Roman" panose="02020603050405020304" pitchFamily="18" charset="0"/>
+                        </a:rPr>
+                        <a:t>every_floor_points_list</a:t>
+                      </a:r>
+                      <a:r>
+                        <a:rPr lang="en-US" altLang="zh-TW" b="0" dirty="0">
+                          <a:latin typeface="Times New Roman" panose="02020603050405020304" pitchFamily="18" charset="0"/>
+                          <a:ea typeface="標楷體" panose="03000509000000000000" pitchFamily="65" charset="-120"/>
+                          <a:cs typeface="Times New Roman" panose="02020603050405020304" pitchFamily="18" charset="0"/>
+                        </a:rPr>
+                        <a:t> (list): </a:t>
+                      </a:r>
+                      <a:r>
+                        <a:rPr lang="zh-TW" altLang="en-US" b="0" dirty="0">
+                          <a:latin typeface="Times New Roman" panose="02020603050405020304" pitchFamily="18" charset="0"/>
+                          <a:ea typeface="標楷體" panose="03000509000000000000" pitchFamily="65" charset="-120"/>
+                          <a:cs typeface="Times New Roman" panose="02020603050405020304" pitchFamily="18" charset="0"/>
+                        </a:rPr>
+                        <a:t>每層樓的網格點列表</a:t>
+                      </a:r>
+                    </a:p>
+                  </a:txBody>
+                  <a:tcPr anchor="ctr"/>
+                </a:tc>
+                <a:extLst>
+                  <a:ext uri="{0D108BD9-81ED-4DB2-BD59-A6C34878D82A}">
+                    <a16:rowId xmlns:a16="http://schemas.microsoft.com/office/drawing/2014/main" val="1237557617"/>
+                  </a:ext>
+                </a:extLst>
+              </a:tr>
+              <a:tr h="1251919">
+                <a:tc>
+                  <a:txBody>
+                    <a:bodyPr/>
+                    <a:lstStyle/>
+                    <a:p>
+                      <a:pPr algn="ctr"/>
+                      <a:r>
+                        <a:rPr lang="en-US" altLang="zh-TW" dirty="0">
+                          <a:latin typeface="Times New Roman" panose="02020603050405020304" pitchFamily="18" charset="0"/>
+                          <a:ea typeface="標楷體" panose="03000509000000000000" pitchFamily="65" charset="-120"/>
+                          <a:cs typeface="Times New Roman" panose="02020603050405020304" pitchFamily="18" charset="0"/>
+                        </a:rPr>
+                        <a:t>parameter</a:t>
+                      </a:r>
+                      <a:endParaRPr lang="zh-TW" altLang="en-US" dirty="0">
+                        <a:latin typeface="Times New Roman" panose="02020603050405020304" pitchFamily="18" charset="0"/>
+                        <a:ea typeface="標楷體" panose="03000509000000000000" pitchFamily="65" charset="-120"/>
+                        <a:cs typeface="Times New Roman" panose="02020603050405020304" pitchFamily="18" charset="0"/>
+                      </a:endParaRPr>
+                    </a:p>
+                  </a:txBody>
+                  <a:tcPr anchor="ctr"/>
+                </a:tc>
+                <a:tc>
+                  <a:txBody>
+                    <a:bodyPr/>
+                    <a:lstStyle/>
+                    <a:p>
+                      <a:pPr algn="ctr"/>
+                      <a:r>
+                        <a:rPr lang="zh-TW" altLang="en-US" b="0" dirty="0">
+                          <a:latin typeface="Times New Roman" panose="02020603050405020304" pitchFamily="18" charset="0"/>
+                          <a:ea typeface="標楷體" panose="03000509000000000000" pitchFamily="65" charset="-120"/>
+                          <a:cs typeface="Times New Roman" panose="02020603050405020304" pitchFamily="18" charset="0"/>
+                        </a:rPr>
+                        <a:t>無</a:t>
+                      </a:r>
+                    </a:p>
+                  </a:txBody>
+                  <a:tcPr anchor="ctr"/>
+                </a:tc>
+                <a:extLst>
+                  <a:ext uri="{0D108BD9-81ED-4DB2-BD59-A6C34878D82A}">
+                    <a16:rowId xmlns:a16="http://schemas.microsoft.com/office/drawing/2014/main" val="2724953223"/>
+                  </a:ext>
+                </a:extLst>
+              </a:tr>
+              <a:tr h="1251919">
+                <a:tc>
+                  <a:txBody>
+                    <a:bodyPr/>
+                    <a:lstStyle/>
+                    <a:p>
+                      <a:pPr algn="ctr"/>
+                      <a:r>
+                        <a:rPr lang="en-US" altLang="zh-TW" dirty="0">
+                          <a:latin typeface="Times New Roman" panose="02020603050405020304" pitchFamily="18" charset="0"/>
+                          <a:ea typeface="標楷體" panose="03000509000000000000" pitchFamily="65" charset="-120"/>
+                          <a:cs typeface="Times New Roman" panose="02020603050405020304" pitchFamily="18" charset="0"/>
+                        </a:rPr>
+                        <a:t>Method</a:t>
+                      </a:r>
+                      <a:endParaRPr lang="zh-TW" altLang="en-US" dirty="0">
+                        <a:latin typeface="Times New Roman" panose="02020603050405020304" pitchFamily="18" charset="0"/>
+                        <a:ea typeface="標楷體" panose="03000509000000000000" pitchFamily="65" charset="-120"/>
+                        <a:cs typeface="Times New Roman" panose="02020603050405020304" pitchFamily="18" charset="0"/>
+                      </a:endParaRPr>
+                    </a:p>
+                  </a:txBody>
+                  <a:tcPr anchor="ctr"/>
+                </a:tc>
+                <a:tc>
+                  <a:txBody>
+                    <a:bodyPr/>
+                    <a:lstStyle/>
+                    <a:p>
+                      <a:pPr algn="l"/>
+                      <a:r>
+                        <a:rPr lang="en-US" altLang="zh-TW" b="0" dirty="0">
+                          <a:latin typeface="Times New Roman" panose="02020603050405020304" pitchFamily="18" charset="0"/>
+                          <a:ea typeface="標楷體" panose="03000509000000000000" pitchFamily="65" charset="-120"/>
+                          <a:cs typeface="Times New Roman" panose="02020603050405020304" pitchFamily="18" charset="0"/>
+                        </a:rPr>
+                        <a:t>1.</a:t>
+                      </a:r>
+                      <a:r>
+                        <a:rPr lang="zh-TW" altLang="en-US" b="0" dirty="0">
+                          <a:latin typeface="Times New Roman" panose="02020603050405020304" pitchFamily="18" charset="0"/>
+                          <a:ea typeface="標楷體" panose="03000509000000000000" pitchFamily="65" charset="-120"/>
+                          <a:cs typeface="Times New Roman" panose="02020603050405020304" pitchFamily="18" charset="0"/>
+                        </a:rPr>
+                        <a:t>創建一個初始的空白圖像 </a:t>
+                      </a:r>
+                      <a:r>
+                        <a:rPr lang="en-US" altLang="zh-TW" b="0" dirty="0" err="1">
+                          <a:latin typeface="Times New Roman" panose="02020603050405020304" pitchFamily="18" charset="0"/>
+                          <a:ea typeface="標楷體" panose="03000509000000000000" pitchFamily="65" charset="-120"/>
+                          <a:cs typeface="Times New Roman" panose="02020603050405020304" pitchFamily="18" charset="0"/>
+                        </a:rPr>
+                        <a:t>origin_img</a:t>
+                      </a:r>
+                      <a:r>
+                        <a:rPr lang="zh-TW" altLang="en-US" b="0" dirty="0">
+                          <a:latin typeface="Times New Roman" panose="02020603050405020304" pitchFamily="18" charset="0"/>
+                          <a:ea typeface="標楷體" panose="03000509000000000000" pitchFamily="65" charset="-120"/>
+                          <a:cs typeface="Times New Roman" panose="02020603050405020304" pitchFamily="18" charset="0"/>
+                        </a:rPr>
+                        <a:t>。</a:t>
+                      </a:r>
+                    </a:p>
+                    <a:p>
+                      <a:pPr algn="l"/>
+                      <a:r>
+                        <a:rPr lang="en-US" altLang="zh-TW" b="0" dirty="0">
+                          <a:latin typeface="Times New Roman" panose="02020603050405020304" pitchFamily="18" charset="0"/>
+                          <a:ea typeface="標楷體" panose="03000509000000000000" pitchFamily="65" charset="-120"/>
+                          <a:cs typeface="Times New Roman" panose="02020603050405020304" pitchFamily="18" charset="0"/>
+                        </a:rPr>
+                        <a:t>2.</a:t>
+                      </a:r>
+                      <a:r>
+                        <a:rPr lang="zh-TW" altLang="en-US" b="0" dirty="0">
+                          <a:latin typeface="Times New Roman" panose="02020603050405020304" pitchFamily="18" charset="0"/>
+                          <a:ea typeface="標楷體" panose="03000509000000000000" pitchFamily="65" charset="-120"/>
+                          <a:cs typeface="Times New Roman" panose="02020603050405020304" pitchFamily="18" charset="0"/>
+                        </a:rPr>
+                        <a:t>將所有的消失點線合併成一個列表 </a:t>
+                      </a:r>
+                      <a:r>
+                        <a:rPr lang="en-US" altLang="zh-TW" b="0" dirty="0" err="1">
+                          <a:latin typeface="Times New Roman" panose="02020603050405020304" pitchFamily="18" charset="0"/>
+                          <a:ea typeface="標楷體" panose="03000509000000000000" pitchFamily="65" charset="-120"/>
+                          <a:cs typeface="Times New Roman" panose="02020603050405020304" pitchFamily="18" charset="0"/>
+                        </a:rPr>
+                        <a:t>vp_lines</a:t>
+                      </a:r>
+                      <a:r>
+                        <a:rPr lang="zh-TW" altLang="en-US" b="0" dirty="0">
+                          <a:latin typeface="Times New Roman" panose="02020603050405020304" pitchFamily="18" charset="0"/>
+                          <a:ea typeface="標楷體" panose="03000509000000000000" pitchFamily="65" charset="-120"/>
+                          <a:cs typeface="Times New Roman" panose="02020603050405020304" pitchFamily="18" charset="0"/>
+                        </a:rPr>
+                        <a:t>。</a:t>
+                      </a:r>
+                    </a:p>
+                    <a:p>
+                      <a:pPr algn="l"/>
+                      <a:r>
+                        <a:rPr lang="en-US" altLang="zh-TW" b="0" dirty="0">
+                          <a:latin typeface="Times New Roman" panose="02020603050405020304" pitchFamily="18" charset="0"/>
+                          <a:ea typeface="標楷體" panose="03000509000000000000" pitchFamily="65" charset="-120"/>
+                          <a:cs typeface="Times New Roman" panose="02020603050405020304" pitchFamily="18" charset="0"/>
+                        </a:rPr>
+                        <a:t>3.</a:t>
+                      </a:r>
+                      <a:r>
+                        <a:rPr lang="zh-TW" altLang="en-US" b="0" dirty="0">
+                          <a:latin typeface="Times New Roman" panose="02020603050405020304" pitchFamily="18" charset="0"/>
+                          <a:ea typeface="標楷體" panose="03000509000000000000" pitchFamily="65" charset="-120"/>
+                          <a:cs typeface="Times New Roman" panose="02020603050405020304" pitchFamily="18" charset="0"/>
+                        </a:rPr>
+                        <a:t>調用 </a:t>
+                      </a:r>
+                      <a:r>
+                        <a:rPr lang="en-US" altLang="zh-TW" b="0" dirty="0" err="1">
+                          <a:latin typeface="Times New Roman" panose="02020603050405020304" pitchFamily="18" charset="0"/>
+                          <a:ea typeface="標楷體" panose="03000509000000000000" pitchFamily="65" charset="-120"/>
+                          <a:cs typeface="Times New Roman" panose="02020603050405020304" pitchFamily="18" charset="0"/>
+                        </a:rPr>
+                        <a:t>Multisection_two_VP_Grid</a:t>
+                      </a:r>
+                      <a:r>
+                        <a:rPr lang="en-US" altLang="zh-TW" b="0" dirty="0">
+                          <a:latin typeface="Times New Roman" panose="02020603050405020304" pitchFamily="18" charset="0"/>
+                          <a:ea typeface="標楷體" panose="03000509000000000000" pitchFamily="65" charset="-120"/>
+                          <a:cs typeface="Times New Roman" panose="02020603050405020304" pitchFamily="18" charset="0"/>
+                        </a:rPr>
+                        <a:t> </a:t>
+                      </a:r>
+                      <a:r>
+                        <a:rPr lang="zh-TW" altLang="en-US" b="0" dirty="0">
+                          <a:latin typeface="Times New Roman" panose="02020603050405020304" pitchFamily="18" charset="0"/>
+                          <a:ea typeface="標楷體" panose="03000509000000000000" pitchFamily="65" charset="-120"/>
+                          <a:cs typeface="Times New Roman" panose="02020603050405020304" pitchFamily="18" charset="0"/>
+                        </a:rPr>
+                        <a:t>函數來生成網格，並返回主要視角消失點、第二視角消失點以及每層樓的網格點列表。</a:t>
+                      </a:r>
+                    </a:p>
+                    <a:p>
+                      <a:pPr algn="l"/>
+                      <a:r>
+                        <a:rPr lang="en-US" altLang="zh-TW" b="0" dirty="0">
+                          <a:latin typeface="Times New Roman" panose="02020603050405020304" pitchFamily="18" charset="0"/>
+                          <a:ea typeface="標楷體" panose="03000509000000000000" pitchFamily="65" charset="-120"/>
+                          <a:cs typeface="Times New Roman" panose="02020603050405020304" pitchFamily="18" charset="0"/>
+                        </a:rPr>
+                        <a:t>4.</a:t>
+                      </a:r>
+                      <a:r>
+                        <a:rPr lang="zh-TW" altLang="en-US" b="0" dirty="0">
+                          <a:latin typeface="Times New Roman" panose="02020603050405020304" pitchFamily="18" charset="0"/>
+                          <a:ea typeface="標楷體" panose="03000509000000000000" pitchFamily="65" charset="-120"/>
+                          <a:cs typeface="Times New Roman" panose="02020603050405020304" pitchFamily="18" charset="0"/>
+                        </a:rPr>
+                        <a:t>返回計算出的視角消失點和網格點列表。</a:t>
+                      </a:r>
+                    </a:p>
+                  </a:txBody>
+                  <a:tcPr anchor="ctr"/>
+                </a:tc>
+                <a:extLst>
+                  <a:ext uri="{0D108BD9-81ED-4DB2-BD59-A6C34878D82A}">
+                    <a16:rowId xmlns:a16="http://schemas.microsoft.com/office/drawing/2014/main" val="1249205175"/>
+                  </a:ext>
+                </a:extLst>
+              </a:tr>
+            </a:tbl>
+          </a:graphicData>
+        </a:graphic>
+      </p:graphicFrame>
+      <p:sp>
+        <p:nvSpPr>
+          <p:cNvPr id="3" name="標題 2">
+            <a:extLst>
+              <a:ext uri="{FF2B5EF4-FFF2-40B4-BE49-F238E27FC236}">
+                <a16:creationId xmlns:a16="http://schemas.microsoft.com/office/drawing/2014/main" id="{6F92454E-BB35-52B1-C513-B64234E91D25}"/>
+              </a:ext>
+            </a:extLst>
+          </p:cNvPr>
+          <p:cNvSpPr>
+            <a:spLocks noGrp="1"/>
+          </p:cNvSpPr>
+          <p:nvPr>
+            <p:ph type="title"/>
+          </p:nvPr>
+        </p:nvSpPr>
+        <p:spPr/>
+        <p:txBody>
+          <a:bodyPr>
+            <a:normAutofit/>
+          </a:bodyPr>
+          <a:lstStyle/>
+          <a:p>
+            <a:r>
+              <a:rPr lang="en-US" altLang="zh-TW" dirty="0">
+                <a:cs typeface="Times New Roman" panose="02020603050405020304" pitchFamily="18" charset="0"/>
+              </a:rPr>
+              <a:t>Function</a:t>
+            </a:r>
+            <a:r>
+              <a:rPr lang="zh-TW" altLang="en-US" dirty="0">
+                <a:cs typeface="Times New Roman" panose="02020603050405020304" pitchFamily="18" charset="0"/>
+              </a:rPr>
+              <a:t> </a:t>
+            </a:r>
+            <a:r>
+              <a:rPr lang="en-US" altLang="zh-TW" dirty="0">
+                <a:cs typeface="Times New Roman" panose="02020603050405020304" pitchFamily="18" charset="0"/>
+              </a:rPr>
+              <a:t>:</a:t>
+            </a:r>
+            <a:r>
+              <a:rPr lang="zh-TW" altLang="en-US" dirty="0">
+                <a:cs typeface="Times New Roman" panose="02020603050405020304" pitchFamily="18" charset="0"/>
+              </a:rPr>
+              <a:t>兩點透視</a:t>
+            </a:r>
+          </a:p>
+        </p:txBody>
+      </p:sp>
+    </p:spTree>
+    <p:extLst>
+      <p:ext uri="{BB962C8B-B14F-4D97-AF65-F5344CB8AC3E}">
+        <p14:creationId xmlns:p14="http://schemas.microsoft.com/office/powerpoint/2010/main" val="84104758"/>
+      </p:ext>
+    </p:extLst>
+  </p:cSld>
+  <p:clrMapOvr>
+    <a:masterClrMapping/>
+  </p:clrMapOvr>
+</p:sld>
+</file>
+
+<file path=ppt/slides/slide2.xml><?xml version="1.0" encoding="utf-8"?>
+<p:sld xmlns:a="http://schemas.openxmlformats.org/drawingml/2006/main" xmlns:r="http://schemas.openxmlformats.org/officeDocument/2006/relationships" xmlns:p="http://schemas.openxmlformats.org/presentationml/2006/main">
+  <p:cSld>
+    <p:spTree>
+      <p:nvGrpSpPr>
+        <p:cNvPr id="1" name=""/>
+        <p:cNvGrpSpPr/>
+        <p:nvPr/>
+      </p:nvGrpSpPr>
+      <p:grpSpPr>
+        <a:xfrm>
+          <a:off x="0" y="0"/>
+          <a:ext cx="0" cy="0"/>
+          <a:chOff x="0" y="0"/>
+          <a:chExt cx="0" cy="0"/>
+        </a:xfrm>
+      </p:grpSpPr>
+      <p:sp>
+        <p:nvSpPr>
+          <p:cNvPr id="3" name="標題 2"/>
+          <p:cNvSpPr>
+            <a:spLocks noGrp="1"/>
+          </p:cNvSpPr>
+          <p:nvPr>
+            <p:ph type="title"/>
+          </p:nvPr>
+        </p:nvSpPr>
+        <p:spPr/>
+        <p:txBody>
+          <a:bodyPr>
+            <a:normAutofit/>
+          </a:bodyPr>
+          <a:lstStyle/>
+          <a:p>
+            <a:r>
+              <a:rPr lang="zh-TW" altLang="en-US" sz="4000" dirty="0"/>
+              <a:t>系統分析圖</a:t>
+            </a:r>
+          </a:p>
+        </p:txBody>
+      </p:sp>
+      <p:graphicFrame>
+        <p:nvGraphicFramePr>
+          <p:cNvPr id="7" name="資料庫圖表 6">
+            <a:extLst>
+              <a:ext uri="{FF2B5EF4-FFF2-40B4-BE49-F238E27FC236}">
+                <a16:creationId xmlns:a16="http://schemas.microsoft.com/office/drawing/2014/main" id="{A35EE887-B85F-4C2B-8EA4-2773CE8006C1}"/>
+              </a:ext>
+            </a:extLst>
+          </p:cNvPr>
+          <p:cNvGraphicFramePr/>
+          <p:nvPr>
+            <p:extLst>
+              <p:ext uri="{D42A27DB-BD31-4B8C-83A1-F6EECF244321}">
+                <p14:modId xmlns:p14="http://schemas.microsoft.com/office/powerpoint/2010/main" val="442744623"/>
+              </p:ext>
+            </p:extLst>
+          </p:nvPr>
+        </p:nvGraphicFramePr>
+        <p:xfrm>
+          <a:off x="335280" y="1264920"/>
+          <a:ext cx="11772899" cy="4846319"/>
+        </p:xfrm>
+        <a:graphic>
+          <a:graphicData uri="http://schemas.openxmlformats.org/drawingml/2006/diagram">
+            <dgm:relIds xmlns:dgm="http://schemas.openxmlformats.org/drawingml/2006/diagram" xmlns:r="http://schemas.openxmlformats.org/officeDocument/2006/relationships" r:dm="rId3" r:lo="rId4" r:qs="rId5" r:cs="rId6"/>
+          </a:graphicData>
+        </a:graphic>
+      </p:graphicFrame>
+    </p:spTree>
+    <p:extLst>
+      <p:ext uri="{BB962C8B-B14F-4D97-AF65-F5344CB8AC3E}">
+        <p14:creationId xmlns:p14="http://schemas.microsoft.com/office/powerpoint/2010/main" val="3742601282"/>
       </p:ext>
     </p:extLst>
   </p:cSld>
@@ -27087,1321 +26503,6 @@
 </file>
 
 <file path=ppt/slides/slide3.xml><?xml version="1.0" encoding="utf-8"?>
-<p:sld xmlns:a="http://schemas.openxmlformats.org/drawingml/2006/main" xmlns:r="http://schemas.openxmlformats.org/officeDocument/2006/relationships" xmlns:p="http://schemas.openxmlformats.org/presentationml/2006/main">
-  <p:cSld>
-    <p:spTree>
-      <p:nvGrpSpPr>
-        <p:cNvPr id="1" name=""/>
-        <p:cNvGrpSpPr/>
-        <p:nvPr/>
-      </p:nvGrpSpPr>
-      <p:grpSpPr>
-        <a:xfrm>
-          <a:off x="0" y="0"/>
-          <a:ext cx="0" cy="0"/>
-          <a:chOff x="0" y="0"/>
-          <a:chExt cx="0" cy="0"/>
-        </a:xfrm>
-      </p:grpSpPr>
-      <p:sp>
-        <p:nvSpPr>
-          <p:cNvPr id="3" name="標題 2"/>
-          <p:cNvSpPr>
-            <a:spLocks noGrp="1"/>
-          </p:cNvSpPr>
-          <p:nvPr>
-            <p:ph type="title"/>
-          </p:nvPr>
-        </p:nvSpPr>
-        <p:spPr>
-          <a:xfrm>
-            <a:off x="838200" y="296376"/>
-            <a:ext cx="10515600" cy="720000"/>
-          </a:xfrm>
-        </p:spPr>
-        <p:txBody>
-          <a:bodyPr>
-            <a:noAutofit/>
-          </a:bodyPr>
-          <a:lstStyle/>
-          <a:p>
-            <a:r>
-              <a:rPr lang="zh-TW" altLang="en-US" sz="3600" dirty="0"/>
-              <a:t>需求列表 </a:t>
-            </a:r>
-            <a:r>
-              <a:rPr lang="en-US" altLang="zh-TW" sz="3600" dirty="0"/>
-              <a:t>– </a:t>
-            </a:r>
-            <a:r>
-              <a:rPr lang="zh-TW" altLang="en-US" sz="3600" dirty="0"/>
-              <a:t>硬體</a:t>
-            </a:r>
-          </a:p>
-        </p:txBody>
-      </p:sp>
-      <p:sp>
-        <p:nvSpPr>
-          <p:cNvPr id="7" name="內容版面配置區 1">
-            <a:extLst>
-              <a:ext uri="{FF2B5EF4-FFF2-40B4-BE49-F238E27FC236}">
-                <a16:creationId xmlns:a16="http://schemas.microsoft.com/office/drawing/2014/main" id="{AA0B3468-4E94-4C87-83E5-7571196E9226}"/>
-              </a:ext>
-            </a:extLst>
-          </p:cNvPr>
-          <p:cNvSpPr txBox="1">
-            <a:spLocks/>
-          </p:cNvSpPr>
-          <p:nvPr/>
-        </p:nvSpPr>
-        <p:spPr>
-          <a:xfrm>
-            <a:off x="826698" y="1204074"/>
-            <a:ext cx="5496464" cy="4997550"/>
-          </a:xfrm>
-          <a:prstGeom prst="rect">
-            <a:avLst/>
-          </a:prstGeom>
-        </p:spPr>
-        <p:txBody>
-          <a:bodyPr vert="horz" lIns="91440" tIns="45720" rIns="91440" bIns="45720" numCol="1" rtlCol="0">
-            <a:normAutofit/>
-          </a:bodyPr>
-          <a:lstStyle>
-            <a:lvl1pPr marL="144000" indent="-144000" algn="l" defTabSz="914400" rtl="0" eaLnBrk="1" latinLnBrk="0" hangingPunct="0">
-              <a:lnSpc>
-                <a:spcPct val="90000"/>
-              </a:lnSpc>
-              <a:spcBef>
-                <a:spcPts val="300"/>
-              </a:spcBef>
-              <a:buFont typeface="Arial" panose="020B0604020202020204" pitchFamily="34" charset="0"/>
-              <a:buChar char="•"/>
-              <a:defRPr sz="1600" kern="1200" baseline="0">
-                <a:solidFill>
-                  <a:schemeClr val="tx1"/>
-                </a:solidFill>
-                <a:latin typeface="Times New Roman" panose="02020603050405020304" pitchFamily="18" charset="0"/>
-                <a:ea typeface="標楷體" panose="03000509000000000000" pitchFamily="65" charset="-120"/>
-                <a:cs typeface="+mn-cs"/>
-              </a:defRPr>
-            </a:lvl1pPr>
-            <a:lvl2pPr marL="685800" indent="-228600" algn="l" defTabSz="914400" rtl="0" eaLnBrk="1" latinLnBrk="0" hangingPunct="0">
-              <a:lnSpc>
-                <a:spcPct val="90000"/>
-              </a:lnSpc>
-              <a:spcBef>
-                <a:spcPts val="300"/>
-              </a:spcBef>
-              <a:buFont typeface="Arial" panose="020B0604020202020204" pitchFamily="34" charset="0"/>
-              <a:buChar char="•"/>
-              <a:defRPr sz="1600" kern="1200" baseline="0">
-                <a:solidFill>
-                  <a:schemeClr val="tx1"/>
-                </a:solidFill>
-                <a:latin typeface="Times New Roman" panose="02020603050405020304" pitchFamily="18" charset="0"/>
-                <a:ea typeface="標楷體" panose="03000509000000000000" pitchFamily="65" charset="-120"/>
-                <a:cs typeface="+mn-cs"/>
-              </a:defRPr>
-            </a:lvl2pPr>
-            <a:lvl3pPr marL="1143000" indent="-228600" algn="l" defTabSz="914400" rtl="0" eaLnBrk="1" latinLnBrk="0" hangingPunct="0">
-              <a:lnSpc>
-                <a:spcPct val="90000"/>
-              </a:lnSpc>
-              <a:spcBef>
-                <a:spcPts val="300"/>
-              </a:spcBef>
-              <a:buFont typeface="Arial" panose="020B0604020202020204" pitchFamily="34" charset="0"/>
-              <a:buChar char="•"/>
-              <a:defRPr sz="1600" kern="1200" baseline="0">
-                <a:solidFill>
-                  <a:schemeClr val="tx1"/>
-                </a:solidFill>
-                <a:latin typeface="Times New Roman" panose="02020603050405020304" pitchFamily="18" charset="0"/>
-                <a:ea typeface="標楷體" panose="03000509000000000000" pitchFamily="65" charset="-120"/>
-                <a:cs typeface="+mn-cs"/>
-              </a:defRPr>
-            </a:lvl3pPr>
-            <a:lvl4pPr marL="1600200" indent="-228600" algn="l" defTabSz="914400" rtl="0" eaLnBrk="1" latinLnBrk="0" hangingPunct="0">
-              <a:lnSpc>
-                <a:spcPct val="90000"/>
-              </a:lnSpc>
-              <a:spcBef>
-                <a:spcPts val="300"/>
-              </a:spcBef>
-              <a:buFont typeface="Arial" panose="020B0604020202020204" pitchFamily="34" charset="0"/>
-              <a:buChar char="•"/>
-              <a:defRPr sz="1600" kern="1200" baseline="0">
-                <a:solidFill>
-                  <a:schemeClr val="tx1"/>
-                </a:solidFill>
-                <a:latin typeface="Times New Roman" panose="02020603050405020304" pitchFamily="18" charset="0"/>
-                <a:ea typeface="標楷體" panose="03000509000000000000" pitchFamily="65" charset="-120"/>
-                <a:cs typeface="+mn-cs"/>
-              </a:defRPr>
-            </a:lvl4pPr>
-            <a:lvl5pPr marL="2057400" indent="-228600" algn="l" defTabSz="914400" rtl="0" eaLnBrk="1" latinLnBrk="0" hangingPunct="0">
-              <a:lnSpc>
-                <a:spcPct val="90000"/>
-              </a:lnSpc>
-              <a:spcBef>
-                <a:spcPts val="300"/>
-              </a:spcBef>
-              <a:buFont typeface="Arial" panose="020B0604020202020204" pitchFamily="34" charset="0"/>
-              <a:buChar char="•"/>
-              <a:defRPr sz="1600" kern="1200" baseline="0">
-                <a:solidFill>
-                  <a:schemeClr val="tx1"/>
-                </a:solidFill>
-                <a:latin typeface="Times New Roman" panose="02020603050405020304" pitchFamily="18" charset="0"/>
-                <a:ea typeface="標楷體" panose="03000509000000000000" pitchFamily="65" charset="-120"/>
-                <a:cs typeface="+mn-cs"/>
-              </a:defRPr>
-            </a:lvl5pPr>
-            <a:lvl6pPr marL="2514600" indent="-228600" algn="l" defTabSz="914400" rtl="0" eaLnBrk="1" latinLnBrk="0" hangingPunct="1">
-              <a:lnSpc>
-                <a:spcPct val="90000"/>
-              </a:lnSpc>
-              <a:spcBef>
-                <a:spcPts val="500"/>
-              </a:spcBef>
-              <a:buFont typeface="Arial" panose="020B0604020202020204" pitchFamily="34" charset="0"/>
-              <a:buChar char="•"/>
-              <a:defRPr sz="1800" kern="1200">
-                <a:solidFill>
-                  <a:schemeClr val="tx1"/>
-                </a:solidFill>
-                <a:latin typeface="+mn-lt"/>
-                <a:ea typeface="+mn-ea"/>
-                <a:cs typeface="+mn-cs"/>
-              </a:defRPr>
-            </a:lvl6pPr>
-            <a:lvl7pPr marL="2971800" indent="-228600" algn="l" defTabSz="914400" rtl="0" eaLnBrk="1" latinLnBrk="0" hangingPunct="1">
-              <a:lnSpc>
-                <a:spcPct val="90000"/>
-              </a:lnSpc>
-              <a:spcBef>
-                <a:spcPts val="500"/>
-              </a:spcBef>
-              <a:buFont typeface="Arial" panose="020B0604020202020204" pitchFamily="34" charset="0"/>
-              <a:buChar char="•"/>
-              <a:defRPr sz="1800" kern="1200">
-                <a:solidFill>
-                  <a:schemeClr val="tx1"/>
-                </a:solidFill>
-                <a:latin typeface="+mn-lt"/>
-                <a:ea typeface="+mn-ea"/>
-                <a:cs typeface="+mn-cs"/>
-              </a:defRPr>
-            </a:lvl7pPr>
-            <a:lvl8pPr marL="3429000" indent="-228600" algn="l" defTabSz="914400" rtl="0" eaLnBrk="1" latinLnBrk="0" hangingPunct="1">
-              <a:lnSpc>
-                <a:spcPct val="90000"/>
-              </a:lnSpc>
-              <a:spcBef>
-                <a:spcPts val="500"/>
-              </a:spcBef>
-              <a:buFont typeface="Arial" panose="020B0604020202020204" pitchFamily="34" charset="0"/>
-              <a:buChar char="•"/>
-              <a:defRPr sz="1800" kern="1200">
-                <a:solidFill>
-                  <a:schemeClr val="tx1"/>
-                </a:solidFill>
-                <a:latin typeface="+mn-lt"/>
-                <a:ea typeface="+mn-ea"/>
-                <a:cs typeface="+mn-cs"/>
-              </a:defRPr>
-            </a:lvl8pPr>
-            <a:lvl9pPr marL="3886200" indent="-228600" algn="l" defTabSz="914400" rtl="0" eaLnBrk="1" latinLnBrk="0" hangingPunct="1">
-              <a:lnSpc>
-                <a:spcPct val="90000"/>
-              </a:lnSpc>
-              <a:spcBef>
-                <a:spcPts val="500"/>
-              </a:spcBef>
-              <a:buFont typeface="Arial" panose="020B0604020202020204" pitchFamily="34" charset="0"/>
-              <a:buChar char="•"/>
-              <a:defRPr sz="1800" kern="1200">
-                <a:solidFill>
-                  <a:schemeClr val="tx1"/>
-                </a:solidFill>
-                <a:latin typeface="+mn-lt"/>
-                <a:ea typeface="+mn-ea"/>
-                <a:cs typeface="+mn-cs"/>
-              </a:defRPr>
-            </a:lvl9pPr>
-          </a:lstStyle>
-          <a:p>
-            <a:pPr marL="0" indent="0">
-              <a:buNone/>
-            </a:pPr>
-            <a:r>
-              <a:rPr lang="zh-TW" altLang="en-US" sz="2000" dirty="0"/>
-              <a:t>硬體列表：</a:t>
-            </a:r>
-            <a:endParaRPr lang="en-US" altLang="zh-TW" sz="2000" dirty="0"/>
-          </a:p>
-          <a:p>
-            <a:pPr marL="0" indent="0">
-              <a:buNone/>
-            </a:pPr>
-            <a:endParaRPr lang="en-US" altLang="zh-TW" dirty="0">
-              <a:solidFill>
-                <a:srgbClr val="FF0000"/>
-              </a:solidFill>
-            </a:endParaRPr>
-          </a:p>
-          <a:p>
-            <a:pPr marL="884700" lvl="1" indent="-342900">
-              <a:buFont typeface="+mj-lt"/>
-              <a:buAutoNum type="arabicPeriod"/>
-            </a:pPr>
-            <a:endParaRPr lang="en-US" altLang="zh-TW" dirty="0">
-              <a:solidFill>
-                <a:srgbClr val="FF0000"/>
-              </a:solidFill>
-            </a:endParaRPr>
-          </a:p>
-        </p:txBody>
-      </p:sp>
-    </p:spTree>
-    <p:extLst>
-      <p:ext uri="{BB962C8B-B14F-4D97-AF65-F5344CB8AC3E}">
-        <p14:creationId xmlns:p14="http://schemas.microsoft.com/office/powerpoint/2010/main" val="2460776231"/>
-      </p:ext>
-    </p:extLst>
-  </p:cSld>
-  <p:clrMapOvr>
-    <a:masterClrMapping/>
-  </p:clrMapOvr>
-</p:sld>
-</file>
-
-<file path=ppt/slides/slide30.xml><?xml version="1.0" encoding="utf-8"?>
-<p:sld xmlns:a="http://schemas.openxmlformats.org/drawingml/2006/main" xmlns:r="http://schemas.openxmlformats.org/officeDocument/2006/relationships" xmlns:p="http://schemas.openxmlformats.org/presentationml/2006/main">
-  <p:cSld>
-    <p:spTree>
-      <p:nvGrpSpPr>
-        <p:cNvPr id="1" name=""/>
-        <p:cNvGrpSpPr/>
-        <p:nvPr/>
-      </p:nvGrpSpPr>
-      <p:grpSpPr>
-        <a:xfrm>
-          <a:off x="0" y="0"/>
-          <a:ext cx="0" cy="0"/>
-          <a:chOff x="0" y="0"/>
-          <a:chExt cx="0" cy="0"/>
-        </a:xfrm>
-      </p:grpSpPr>
-      <p:pic>
-        <p:nvPicPr>
-          <p:cNvPr id="5" name="內容版面配置區 4" descr="一張含有 黑色, 黑與白, 黑白攝影, 單色 的圖片&#10;&#10;自動產生的描述">
-            <a:extLst>
-              <a:ext uri="{FF2B5EF4-FFF2-40B4-BE49-F238E27FC236}">
-                <a16:creationId xmlns:a16="http://schemas.microsoft.com/office/drawing/2014/main" id="{74802198-4506-6DDB-8B48-5EF4F33BDDC9}"/>
-              </a:ext>
-            </a:extLst>
-          </p:cNvPr>
-          <p:cNvPicPr>
-            <a:picLocks noGrp="1" noChangeAspect="1"/>
-          </p:cNvPicPr>
-          <p:nvPr>
-            <p:ph idx="1"/>
-          </p:nvPr>
-        </p:nvPicPr>
-        <p:blipFill>
-          <a:blip r:embed="rId2">
-            <a:extLst>
-              <a:ext uri="{28A0092B-C50C-407E-A947-70E740481C1C}">
-                <a14:useLocalDpi xmlns:a14="http://schemas.microsoft.com/office/drawing/2010/main" val="0"/>
-              </a:ext>
-            </a:extLst>
-          </a:blip>
-          <a:stretch>
-            <a:fillRect/>
-          </a:stretch>
-        </p:blipFill>
-        <p:spPr>
-          <a:xfrm>
-            <a:off x="3089132" y="1216272"/>
-            <a:ext cx="9102868" cy="4786963"/>
-          </a:xfrm>
-        </p:spPr>
-      </p:pic>
-      <p:sp>
-        <p:nvSpPr>
-          <p:cNvPr id="3" name="標題 2">
-            <a:extLst>
-              <a:ext uri="{FF2B5EF4-FFF2-40B4-BE49-F238E27FC236}">
-                <a16:creationId xmlns:a16="http://schemas.microsoft.com/office/drawing/2014/main" id="{8C7EA8D3-FFEE-202C-64C3-E6F0CB6133D6}"/>
-              </a:ext>
-            </a:extLst>
-          </p:cNvPr>
-          <p:cNvSpPr>
-            <a:spLocks noGrp="1"/>
-          </p:cNvSpPr>
-          <p:nvPr>
-            <p:ph type="title"/>
-          </p:nvPr>
-        </p:nvSpPr>
-        <p:spPr/>
-        <p:txBody>
-          <a:bodyPr/>
-          <a:lstStyle/>
-          <a:p>
-            <a:r>
-              <a:rPr lang="zh-TW" altLang="en-US" dirty="0"/>
-              <a:t>深度圖</a:t>
-            </a:r>
-            <a:endParaRPr lang="en-US" dirty="0"/>
-          </a:p>
-        </p:txBody>
-      </p:sp>
-      <p:pic>
-        <p:nvPicPr>
-          <p:cNvPr id="6" name="圖片 5">
-            <a:extLst>
-              <a:ext uri="{FF2B5EF4-FFF2-40B4-BE49-F238E27FC236}">
-                <a16:creationId xmlns:a16="http://schemas.microsoft.com/office/drawing/2014/main" id="{3C73D407-09D6-5EC9-7836-75A648BEF782}"/>
-              </a:ext>
-            </a:extLst>
-          </p:cNvPr>
-          <p:cNvPicPr>
-            <a:picLocks noChangeAspect="1"/>
-          </p:cNvPicPr>
-          <p:nvPr/>
-        </p:nvPicPr>
-        <p:blipFill>
-          <a:blip r:embed="rId3"/>
-          <a:stretch>
-            <a:fillRect/>
-          </a:stretch>
-        </p:blipFill>
-        <p:spPr>
-          <a:xfrm>
-            <a:off x="838200" y="2204278"/>
-            <a:ext cx="1304925" cy="809625"/>
-          </a:xfrm>
-          <a:prstGeom prst="rect">
-            <a:avLst/>
-          </a:prstGeom>
-        </p:spPr>
-      </p:pic>
-      <p:sp>
-        <p:nvSpPr>
-          <p:cNvPr id="7" name="文字方塊 6">
-            <a:extLst>
-              <a:ext uri="{FF2B5EF4-FFF2-40B4-BE49-F238E27FC236}">
-                <a16:creationId xmlns:a16="http://schemas.microsoft.com/office/drawing/2014/main" id="{185700D5-687F-5422-4E29-63DD135B6354}"/>
-              </a:ext>
-            </a:extLst>
-          </p:cNvPr>
-          <p:cNvSpPr txBox="1"/>
-          <p:nvPr/>
-        </p:nvSpPr>
-        <p:spPr>
-          <a:xfrm>
-            <a:off x="87515" y="3429000"/>
-            <a:ext cx="3001617" cy="1754326"/>
-          </a:xfrm>
-          <a:prstGeom prst="rect">
-            <a:avLst/>
-          </a:prstGeom>
-          <a:noFill/>
-        </p:spPr>
-        <p:txBody>
-          <a:bodyPr wrap="square" rtlCol="0">
-            <a:spAutoFit/>
-          </a:bodyPr>
-          <a:lstStyle/>
-          <a:p>
-            <a:pPr marL="285750" indent="-285750">
-              <a:buFont typeface="Arial" panose="020B0604020202020204" pitchFamily="34" charset="0"/>
-              <a:buChar char="•"/>
-            </a:pPr>
-            <a:r>
-              <a:rPr lang="zh-TW" altLang="en-US" dirty="0">
-                <a:latin typeface="Times New Roman" panose="02020603050405020304" pitchFamily="18" charset="0"/>
-                <a:ea typeface="標楷體" panose="03000509000000000000" pitchFamily="65" charset="-120"/>
-                <a:cs typeface="Times New Roman" panose="02020603050405020304" pitchFamily="18" charset="0"/>
-              </a:rPr>
-              <a:t>𝑍：深度</a:t>
-            </a:r>
-            <a:endParaRPr lang="en-US" altLang="zh-TW" dirty="0">
-              <a:latin typeface="Times New Roman" panose="02020603050405020304" pitchFamily="18" charset="0"/>
-              <a:ea typeface="標楷體" panose="03000509000000000000" pitchFamily="65" charset="-120"/>
-              <a:cs typeface="Times New Roman" panose="02020603050405020304" pitchFamily="18" charset="0"/>
-            </a:endParaRPr>
-          </a:p>
-          <a:p>
-            <a:pPr marL="285750" indent="-285750">
-              <a:buFont typeface="Arial" panose="020B0604020202020204" pitchFamily="34" charset="0"/>
-              <a:buChar char="•"/>
-            </a:pPr>
-            <a:r>
-              <a:rPr lang="zh-TW" altLang="en-US" dirty="0">
-                <a:latin typeface="Times New Roman" panose="02020603050405020304" pitchFamily="18" charset="0"/>
-                <a:ea typeface="標楷體" panose="03000509000000000000" pitchFamily="65" charset="-120"/>
-                <a:cs typeface="Times New Roman" panose="02020603050405020304" pitchFamily="18" charset="0"/>
-              </a:rPr>
-              <a:t>𝑓：焦距</a:t>
-            </a:r>
-            <a:endParaRPr lang="en-US" altLang="zh-TW" dirty="0">
-              <a:latin typeface="Times New Roman" panose="02020603050405020304" pitchFamily="18" charset="0"/>
-              <a:ea typeface="標楷體" panose="03000509000000000000" pitchFamily="65" charset="-120"/>
-              <a:cs typeface="Times New Roman" panose="02020603050405020304" pitchFamily="18" charset="0"/>
-            </a:endParaRPr>
-          </a:p>
-          <a:p>
-            <a:pPr marL="285750" indent="-285750">
-              <a:buFont typeface="Arial" panose="020B0604020202020204" pitchFamily="34" charset="0"/>
-              <a:buChar char="•"/>
-            </a:pPr>
-            <a:r>
-              <a:rPr lang="zh-TW" altLang="en-US" dirty="0">
-                <a:latin typeface="Times New Roman" panose="02020603050405020304" pitchFamily="18" charset="0"/>
-                <a:ea typeface="標楷體" panose="03000509000000000000" pitchFamily="65" charset="-120"/>
-                <a:cs typeface="Times New Roman" panose="02020603050405020304" pitchFamily="18" charset="0"/>
-              </a:rPr>
-              <a:t>𝐷：到 </a:t>
-            </a:r>
-            <a:r>
-              <a:rPr lang="en-US" altLang="zh-TW" dirty="0">
-                <a:latin typeface="Times New Roman" panose="02020603050405020304" pitchFamily="18" charset="0"/>
-                <a:ea typeface="標楷體" panose="03000509000000000000" pitchFamily="65" charset="-120"/>
-                <a:cs typeface="Times New Roman" panose="02020603050405020304" pitchFamily="18" charset="0"/>
-              </a:rPr>
-              <a:t>FOE </a:t>
-            </a:r>
-            <a:r>
-              <a:rPr lang="zh-TW" altLang="en-US" dirty="0">
-                <a:latin typeface="Times New Roman" panose="02020603050405020304" pitchFamily="18" charset="0"/>
-                <a:ea typeface="標楷體" panose="03000509000000000000" pitchFamily="65" charset="-120"/>
-                <a:cs typeface="Times New Roman" panose="02020603050405020304" pitchFamily="18" charset="0"/>
-              </a:rPr>
-              <a:t>的徑向距離</a:t>
-            </a:r>
-            <a:endParaRPr lang="en-US" altLang="zh-TW" dirty="0">
-              <a:latin typeface="Times New Roman" panose="02020603050405020304" pitchFamily="18" charset="0"/>
-              <a:ea typeface="標楷體" panose="03000509000000000000" pitchFamily="65" charset="-120"/>
-              <a:cs typeface="Times New Roman" panose="02020603050405020304" pitchFamily="18" charset="0"/>
-            </a:endParaRPr>
-          </a:p>
-          <a:p>
-            <a:pPr marL="285750" indent="-285750">
-              <a:buFont typeface="Arial" panose="020B0604020202020204" pitchFamily="34" charset="0"/>
-              <a:buChar char="•"/>
-            </a:pPr>
-            <a:r>
-              <a:rPr lang="zh-TW" altLang="en-US" dirty="0">
-                <a:latin typeface="Times New Roman" panose="02020603050405020304" pitchFamily="18" charset="0"/>
-                <a:ea typeface="標楷體" panose="03000509000000000000" pitchFamily="65" charset="-120"/>
-                <a:cs typeface="Times New Roman" panose="02020603050405020304" pitchFamily="18" charset="0"/>
-              </a:rPr>
-              <a:t>𝑀：光流長度</a:t>
-            </a:r>
-            <a:endParaRPr lang="en-US" altLang="zh-TW" dirty="0">
-              <a:latin typeface="Times New Roman" panose="02020603050405020304" pitchFamily="18" charset="0"/>
-              <a:ea typeface="標楷體" panose="03000509000000000000" pitchFamily="65" charset="-120"/>
-              <a:cs typeface="Times New Roman" panose="02020603050405020304" pitchFamily="18" charset="0"/>
-            </a:endParaRPr>
-          </a:p>
-          <a:p>
-            <a:pPr marL="285750" indent="-285750">
-              <a:buFont typeface="Arial" panose="020B0604020202020204" pitchFamily="34" charset="0"/>
-              <a:buChar char="•"/>
-            </a:pPr>
-            <a:endParaRPr lang="en-US" altLang="zh-TW" dirty="0">
-              <a:latin typeface="Times New Roman" panose="02020603050405020304" pitchFamily="18" charset="0"/>
-              <a:ea typeface="標楷體" panose="03000509000000000000" pitchFamily="65" charset="-120"/>
-              <a:cs typeface="Times New Roman" panose="02020603050405020304" pitchFamily="18" charset="0"/>
-            </a:endParaRPr>
-          </a:p>
-          <a:p>
-            <a:r>
-              <a:rPr lang="zh-TW" altLang="en-US" dirty="0">
-                <a:latin typeface="Times New Roman" panose="02020603050405020304" pitchFamily="18" charset="0"/>
-                <a:ea typeface="標楷體" panose="03000509000000000000" pitchFamily="65" charset="-120"/>
-                <a:cs typeface="Times New Roman" panose="02020603050405020304" pitchFamily="18" charset="0"/>
-              </a:rPr>
-              <a:t>最後乘上攝影機速度</a:t>
-            </a:r>
-            <a:endParaRPr lang="en-US" altLang="zh-TW" dirty="0">
-              <a:latin typeface="Times New Roman" panose="02020603050405020304" pitchFamily="18" charset="0"/>
-              <a:ea typeface="標楷體" panose="03000509000000000000" pitchFamily="65" charset="-120"/>
-              <a:cs typeface="Times New Roman" panose="02020603050405020304" pitchFamily="18" charset="0"/>
-            </a:endParaRPr>
-          </a:p>
-        </p:txBody>
-      </p:sp>
-    </p:spTree>
-    <p:extLst>
-      <p:ext uri="{BB962C8B-B14F-4D97-AF65-F5344CB8AC3E}">
-        <p14:creationId xmlns:p14="http://schemas.microsoft.com/office/powerpoint/2010/main" val="3577351399"/>
-      </p:ext>
-    </p:extLst>
-  </p:cSld>
-  <p:clrMapOvr>
-    <a:masterClrMapping/>
-  </p:clrMapOvr>
-</p:sld>
-</file>
-
-<file path=ppt/slides/slide31.xml><?xml version="1.0" encoding="utf-8"?>
-<p:sld xmlns:a="http://schemas.openxmlformats.org/drawingml/2006/main" xmlns:r="http://schemas.openxmlformats.org/officeDocument/2006/relationships" xmlns:p="http://schemas.openxmlformats.org/presentationml/2006/main">
-  <p:cSld>
-    <p:spTree>
-      <p:nvGrpSpPr>
-        <p:cNvPr id="1" name="">
-          <a:extLst>
-            <a:ext uri="{FF2B5EF4-FFF2-40B4-BE49-F238E27FC236}">
-              <a16:creationId xmlns:a16="http://schemas.microsoft.com/office/drawing/2014/main" id="{F94A4CC6-64E1-C943-B004-2738B084A126}"/>
-            </a:ext>
-          </a:extLst>
-        </p:cNvPr>
-        <p:cNvGrpSpPr/>
-        <p:nvPr/>
-      </p:nvGrpSpPr>
-      <p:grpSpPr>
-        <a:xfrm>
-          <a:off x="0" y="0"/>
-          <a:ext cx="0" cy="0"/>
-          <a:chOff x="0" y="0"/>
-          <a:chExt cx="0" cy="0"/>
-        </a:xfrm>
-      </p:grpSpPr>
-      <p:pic>
-        <p:nvPicPr>
-          <p:cNvPr id="5" name="內容版面配置區 4">
-            <a:extLst>
-              <a:ext uri="{FF2B5EF4-FFF2-40B4-BE49-F238E27FC236}">
-                <a16:creationId xmlns:a16="http://schemas.microsoft.com/office/drawing/2014/main" id="{7C443DFF-EC22-B1F0-93FB-5A3BEC2612CF}"/>
-              </a:ext>
-            </a:extLst>
-          </p:cNvPr>
-          <p:cNvPicPr>
-            <a:picLocks noGrp="1" noChangeAspect="1"/>
-          </p:cNvPicPr>
-          <p:nvPr>
-            <p:ph idx="1"/>
-          </p:nvPr>
-        </p:nvPicPr>
-        <p:blipFill>
-          <a:blip r:embed="rId2"/>
-          <a:stretch>
-            <a:fillRect/>
-          </a:stretch>
-        </p:blipFill>
-        <p:spPr>
-          <a:xfrm>
-            <a:off x="838200" y="1221616"/>
-            <a:ext cx="5952230" cy="5037137"/>
-          </a:xfrm>
-        </p:spPr>
-      </p:pic>
-      <p:sp>
-        <p:nvSpPr>
-          <p:cNvPr id="3" name="標題 2">
-            <a:extLst>
-              <a:ext uri="{FF2B5EF4-FFF2-40B4-BE49-F238E27FC236}">
-                <a16:creationId xmlns:a16="http://schemas.microsoft.com/office/drawing/2014/main" id="{044F98AB-A83E-B52A-5F61-2411C5A4C36E}"/>
-              </a:ext>
-            </a:extLst>
-          </p:cNvPr>
-          <p:cNvSpPr>
-            <a:spLocks noGrp="1"/>
-          </p:cNvSpPr>
-          <p:nvPr>
-            <p:ph type="title"/>
-          </p:nvPr>
-        </p:nvSpPr>
-        <p:spPr/>
-        <p:txBody>
-          <a:bodyPr/>
-          <a:lstStyle/>
-          <a:p>
-            <a:r>
-              <a:rPr lang="zh-TW" altLang="en-US" dirty="0"/>
-              <a:t>網格繪製</a:t>
-            </a:r>
-            <a:endParaRPr lang="en-US" dirty="0"/>
-          </a:p>
-        </p:txBody>
-      </p:sp>
-      <p:pic>
-        <p:nvPicPr>
-          <p:cNvPr id="4" name="圖片 3">
-            <a:extLst>
-              <a:ext uri="{FF2B5EF4-FFF2-40B4-BE49-F238E27FC236}">
-                <a16:creationId xmlns:a16="http://schemas.microsoft.com/office/drawing/2014/main" id="{21A40E6E-8331-0165-1628-79E98D5B617E}"/>
-              </a:ext>
-            </a:extLst>
-          </p:cNvPr>
-          <p:cNvPicPr>
-            <a:picLocks noChangeAspect="1"/>
-          </p:cNvPicPr>
-          <p:nvPr/>
-        </p:nvPicPr>
-        <p:blipFill>
-          <a:blip r:embed="rId3"/>
-          <a:stretch>
-            <a:fillRect/>
-          </a:stretch>
-        </p:blipFill>
-        <p:spPr>
-          <a:xfrm>
-            <a:off x="9172575" y="1513818"/>
-            <a:ext cx="2181225" cy="1019175"/>
-          </a:xfrm>
-          <a:prstGeom prst="rect">
-            <a:avLst/>
-          </a:prstGeom>
-        </p:spPr>
-      </p:pic>
-      <p:pic>
-        <p:nvPicPr>
-          <p:cNvPr id="7" name="圖片 6">
-            <a:extLst>
-              <a:ext uri="{FF2B5EF4-FFF2-40B4-BE49-F238E27FC236}">
-                <a16:creationId xmlns:a16="http://schemas.microsoft.com/office/drawing/2014/main" id="{27A7ED8D-4354-9F1D-D552-EC18E5046B9B}"/>
-              </a:ext>
-            </a:extLst>
-          </p:cNvPr>
-          <p:cNvPicPr>
-            <a:picLocks noChangeAspect="1"/>
-          </p:cNvPicPr>
-          <p:nvPr/>
-        </p:nvPicPr>
-        <p:blipFill>
-          <a:blip r:embed="rId4"/>
-          <a:stretch>
-            <a:fillRect/>
-          </a:stretch>
-        </p:blipFill>
-        <p:spPr>
-          <a:xfrm>
-            <a:off x="9172575" y="3740134"/>
-            <a:ext cx="1725081" cy="1169747"/>
-          </a:xfrm>
-          <a:prstGeom prst="rect">
-            <a:avLst/>
-          </a:prstGeom>
-        </p:spPr>
-      </p:pic>
-    </p:spTree>
-    <p:extLst>
-      <p:ext uri="{BB962C8B-B14F-4D97-AF65-F5344CB8AC3E}">
-        <p14:creationId xmlns:p14="http://schemas.microsoft.com/office/powerpoint/2010/main" val="1373451093"/>
-      </p:ext>
-    </p:extLst>
-  </p:cSld>
-  <p:clrMapOvr>
-    <a:masterClrMapping/>
-  </p:clrMapOvr>
-</p:sld>
-</file>
-
-<file path=ppt/slides/slide32.xml><?xml version="1.0" encoding="utf-8"?>
-<p:sld xmlns:a="http://schemas.openxmlformats.org/drawingml/2006/main" xmlns:r="http://schemas.openxmlformats.org/officeDocument/2006/relationships" xmlns:p="http://schemas.openxmlformats.org/presentationml/2006/main">
-  <p:cSld>
-    <p:spTree>
-      <p:nvGrpSpPr>
-        <p:cNvPr id="1" name=""/>
-        <p:cNvGrpSpPr/>
-        <p:nvPr/>
-      </p:nvGrpSpPr>
-      <p:grpSpPr>
-        <a:xfrm>
-          <a:off x="0" y="0"/>
-          <a:ext cx="0" cy="0"/>
-          <a:chOff x="0" y="0"/>
-          <a:chExt cx="0" cy="0"/>
-        </a:xfrm>
-      </p:grpSpPr>
-      <p:sp>
-        <p:nvSpPr>
-          <p:cNvPr id="2" name="內容版面配置區 1">
-            <a:extLst>
-              <a:ext uri="{FF2B5EF4-FFF2-40B4-BE49-F238E27FC236}">
-                <a16:creationId xmlns:a16="http://schemas.microsoft.com/office/drawing/2014/main" id="{228DD9E0-9CD5-4A32-9704-E9DE4D90FFCB}"/>
-              </a:ext>
-            </a:extLst>
-          </p:cNvPr>
-          <p:cNvSpPr>
-            <a:spLocks noGrp="1"/>
-          </p:cNvSpPr>
-          <p:nvPr>
-            <p:ph idx="1"/>
-          </p:nvPr>
-        </p:nvSpPr>
-        <p:spPr/>
-        <p:txBody>
-          <a:bodyPr/>
-          <a:lstStyle/>
-          <a:p>
-            <a:pPr marL="342900" indent="-342900">
-              <a:buFont typeface="+mj-lt"/>
-              <a:buAutoNum type="arabicPeriod"/>
-            </a:pPr>
-            <a:r>
-              <a:rPr lang="zh-TW" altLang="en-US" dirty="0"/>
-              <a:t>硬幣堆疊高度有限，導致光流效果不明顯，</a:t>
-            </a:r>
-            <a:r>
-              <a:rPr lang="en-US" altLang="zh-TW" dirty="0"/>
-              <a:t>Z</a:t>
-            </a:r>
-            <a:r>
-              <a:rPr lang="zh-TW" altLang="en-US" dirty="0"/>
-              <a:t>值</a:t>
-            </a:r>
-            <a:r>
-              <a:rPr lang="en-US" altLang="zh-TW" dirty="0"/>
-              <a:t>(</a:t>
-            </a:r>
-            <a:r>
-              <a:rPr lang="zh-TW" altLang="en-US" dirty="0"/>
-              <a:t>深度</a:t>
-            </a:r>
-            <a:r>
-              <a:rPr lang="en-US" altLang="zh-TW" dirty="0"/>
-              <a:t>)</a:t>
-            </a:r>
-            <a:r>
-              <a:rPr lang="zh-TW" altLang="en-US" dirty="0"/>
-              <a:t>對於硬幣頂部與根部幾乎沒差別，產生的深度圖無法明顯呈現。</a:t>
-            </a:r>
-            <a:endParaRPr lang="en-US" altLang="zh-TW" dirty="0"/>
-          </a:p>
-          <a:p>
-            <a:pPr marL="342900" indent="-342900">
-              <a:buFont typeface="+mj-lt"/>
-              <a:buAutoNum type="arabicPeriod"/>
-            </a:pPr>
-            <a:endParaRPr lang="en-US" altLang="zh-TW" dirty="0"/>
-          </a:p>
-          <a:p>
-            <a:pPr marL="342900" indent="-342900">
-              <a:buFont typeface="+mj-lt"/>
-              <a:buAutoNum type="arabicPeriod"/>
-            </a:pPr>
-            <a:endParaRPr lang="en-US" altLang="zh-TW" dirty="0"/>
-          </a:p>
-          <a:p>
-            <a:pPr marL="342900" indent="-342900">
-              <a:buFont typeface="+mj-lt"/>
-              <a:buAutoNum type="arabicPeriod"/>
-            </a:pPr>
-            <a:endParaRPr lang="zh-TW" altLang="en-US" dirty="0"/>
-          </a:p>
-        </p:txBody>
-      </p:sp>
-      <p:sp>
-        <p:nvSpPr>
-          <p:cNvPr id="3" name="標題 2">
-            <a:extLst>
-              <a:ext uri="{FF2B5EF4-FFF2-40B4-BE49-F238E27FC236}">
-                <a16:creationId xmlns:a16="http://schemas.microsoft.com/office/drawing/2014/main" id="{6E43B781-8051-41A2-8DBF-7A98606C90FF}"/>
-              </a:ext>
-            </a:extLst>
-          </p:cNvPr>
-          <p:cNvSpPr>
-            <a:spLocks noGrp="1"/>
-          </p:cNvSpPr>
-          <p:nvPr>
-            <p:ph type="title"/>
-          </p:nvPr>
-        </p:nvSpPr>
-        <p:spPr/>
-        <p:txBody>
-          <a:bodyPr/>
-          <a:lstStyle/>
-          <a:p>
-            <a:r>
-              <a:rPr lang="zh-TW" altLang="en-US" dirty="0"/>
-              <a:t>問題紀錄</a:t>
-            </a:r>
-          </a:p>
-        </p:txBody>
-      </p:sp>
-    </p:spTree>
-    <p:extLst>
-      <p:ext uri="{BB962C8B-B14F-4D97-AF65-F5344CB8AC3E}">
-        <p14:creationId xmlns:p14="http://schemas.microsoft.com/office/powerpoint/2010/main" val="2736359394"/>
-      </p:ext>
-    </p:extLst>
-  </p:cSld>
-  <p:clrMapOvr>
-    <a:masterClrMapping/>
-  </p:clrMapOvr>
-</p:sld>
-</file>
-
-<file path=ppt/slides/slide4.xml><?xml version="1.0" encoding="utf-8"?>
-<p:sld xmlns:a="http://schemas.openxmlformats.org/drawingml/2006/main" xmlns:r="http://schemas.openxmlformats.org/officeDocument/2006/relationships" xmlns:p="http://schemas.openxmlformats.org/presentationml/2006/main">
-  <p:cSld>
-    <p:spTree>
-      <p:nvGrpSpPr>
-        <p:cNvPr id="1" name="">
-          <a:extLst>
-            <a:ext uri="{FF2B5EF4-FFF2-40B4-BE49-F238E27FC236}">
-              <a16:creationId xmlns:a16="http://schemas.microsoft.com/office/drawing/2014/main" id="{F7D47375-7DC6-7B0C-2348-2C84E4F9CBC7}"/>
-            </a:ext>
-          </a:extLst>
-        </p:cNvPr>
-        <p:cNvGrpSpPr/>
-        <p:nvPr/>
-      </p:nvGrpSpPr>
-      <p:grpSpPr>
-        <a:xfrm>
-          <a:off x="0" y="0"/>
-          <a:ext cx="0" cy="0"/>
-          <a:chOff x="0" y="0"/>
-          <a:chExt cx="0" cy="0"/>
-        </a:xfrm>
-      </p:grpSpPr>
-      <p:sp>
-        <p:nvSpPr>
-          <p:cNvPr id="3" name="標題 2">
-            <a:extLst>
-              <a:ext uri="{FF2B5EF4-FFF2-40B4-BE49-F238E27FC236}">
-                <a16:creationId xmlns:a16="http://schemas.microsoft.com/office/drawing/2014/main" id="{9EB592D2-2EDE-272D-3B28-A1E0C6CABBAA}"/>
-              </a:ext>
-            </a:extLst>
-          </p:cNvPr>
-          <p:cNvSpPr>
-            <a:spLocks noGrp="1"/>
-          </p:cNvSpPr>
-          <p:nvPr>
-            <p:ph type="title"/>
-          </p:nvPr>
-        </p:nvSpPr>
-        <p:spPr/>
-        <p:txBody>
-          <a:bodyPr>
-            <a:noAutofit/>
-          </a:bodyPr>
-          <a:lstStyle/>
-          <a:p>
-            <a:r>
-              <a:rPr lang="zh-TW" altLang="en-US" sz="3600" dirty="0"/>
-              <a:t>需求列表 </a:t>
-            </a:r>
-            <a:r>
-              <a:rPr lang="en-US" altLang="zh-TW" sz="3600" dirty="0"/>
-              <a:t>–</a:t>
-            </a:r>
-            <a:r>
-              <a:rPr lang="zh-TW" altLang="en-US" sz="3600" dirty="0"/>
-              <a:t> 環境需求</a:t>
-            </a:r>
-          </a:p>
-        </p:txBody>
-      </p:sp>
-      <p:sp>
-        <p:nvSpPr>
-          <p:cNvPr id="8" name="內容版面配置區 1">
-            <a:extLst>
-              <a:ext uri="{FF2B5EF4-FFF2-40B4-BE49-F238E27FC236}">
-                <a16:creationId xmlns:a16="http://schemas.microsoft.com/office/drawing/2014/main" id="{43D3056F-7038-034F-3D0E-1B99CF10054E}"/>
-              </a:ext>
-            </a:extLst>
-          </p:cNvPr>
-          <p:cNvSpPr txBox="1">
-            <a:spLocks/>
-          </p:cNvSpPr>
-          <p:nvPr/>
-        </p:nvSpPr>
-        <p:spPr>
-          <a:xfrm>
-            <a:off x="838200" y="1247206"/>
-            <a:ext cx="5868838" cy="4997550"/>
-          </a:xfrm>
-          <a:prstGeom prst="rect">
-            <a:avLst/>
-          </a:prstGeom>
-        </p:spPr>
-        <p:txBody>
-          <a:bodyPr vert="horz" lIns="91440" tIns="45720" rIns="91440" bIns="45720" numCol="1" rtlCol="0">
-            <a:normAutofit/>
-          </a:bodyPr>
-          <a:lstStyle>
-            <a:lvl1pPr marL="144000" indent="-144000" algn="l" defTabSz="914400" rtl="0" eaLnBrk="1" latinLnBrk="0" hangingPunct="0">
-              <a:lnSpc>
-                <a:spcPct val="90000"/>
-              </a:lnSpc>
-              <a:spcBef>
-                <a:spcPts val="300"/>
-              </a:spcBef>
-              <a:buFont typeface="Arial" panose="020B0604020202020204" pitchFamily="34" charset="0"/>
-              <a:buChar char="•"/>
-              <a:defRPr sz="1600" kern="1200" baseline="0">
-                <a:solidFill>
-                  <a:schemeClr val="tx1"/>
-                </a:solidFill>
-                <a:latin typeface="Times New Roman" panose="02020603050405020304" pitchFamily="18" charset="0"/>
-                <a:ea typeface="標楷體" panose="03000509000000000000" pitchFamily="65" charset="-120"/>
-                <a:cs typeface="+mn-cs"/>
-              </a:defRPr>
-            </a:lvl1pPr>
-            <a:lvl2pPr marL="685800" indent="-228600" algn="l" defTabSz="914400" rtl="0" eaLnBrk="1" latinLnBrk="0" hangingPunct="0">
-              <a:lnSpc>
-                <a:spcPct val="90000"/>
-              </a:lnSpc>
-              <a:spcBef>
-                <a:spcPts val="300"/>
-              </a:spcBef>
-              <a:buFont typeface="Arial" panose="020B0604020202020204" pitchFamily="34" charset="0"/>
-              <a:buChar char="•"/>
-              <a:defRPr sz="1600" kern="1200" baseline="0">
-                <a:solidFill>
-                  <a:schemeClr val="tx1"/>
-                </a:solidFill>
-                <a:latin typeface="Times New Roman" panose="02020603050405020304" pitchFamily="18" charset="0"/>
-                <a:ea typeface="標楷體" panose="03000509000000000000" pitchFamily="65" charset="-120"/>
-                <a:cs typeface="+mn-cs"/>
-              </a:defRPr>
-            </a:lvl2pPr>
-            <a:lvl3pPr marL="1143000" indent="-228600" algn="l" defTabSz="914400" rtl="0" eaLnBrk="1" latinLnBrk="0" hangingPunct="0">
-              <a:lnSpc>
-                <a:spcPct val="90000"/>
-              </a:lnSpc>
-              <a:spcBef>
-                <a:spcPts val="300"/>
-              </a:spcBef>
-              <a:buFont typeface="Arial" panose="020B0604020202020204" pitchFamily="34" charset="0"/>
-              <a:buChar char="•"/>
-              <a:defRPr sz="1600" kern="1200" baseline="0">
-                <a:solidFill>
-                  <a:schemeClr val="tx1"/>
-                </a:solidFill>
-                <a:latin typeface="Times New Roman" panose="02020603050405020304" pitchFamily="18" charset="0"/>
-                <a:ea typeface="標楷體" panose="03000509000000000000" pitchFamily="65" charset="-120"/>
-                <a:cs typeface="+mn-cs"/>
-              </a:defRPr>
-            </a:lvl3pPr>
-            <a:lvl4pPr marL="1600200" indent="-228600" algn="l" defTabSz="914400" rtl="0" eaLnBrk="1" latinLnBrk="0" hangingPunct="0">
-              <a:lnSpc>
-                <a:spcPct val="90000"/>
-              </a:lnSpc>
-              <a:spcBef>
-                <a:spcPts val="300"/>
-              </a:spcBef>
-              <a:buFont typeface="Arial" panose="020B0604020202020204" pitchFamily="34" charset="0"/>
-              <a:buChar char="•"/>
-              <a:defRPr sz="1600" kern="1200" baseline="0">
-                <a:solidFill>
-                  <a:schemeClr val="tx1"/>
-                </a:solidFill>
-                <a:latin typeface="Times New Roman" panose="02020603050405020304" pitchFamily="18" charset="0"/>
-                <a:ea typeface="標楷體" panose="03000509000000000000" pitchFamily="65" charset="-120"/>
-                <a:cs typeface="+mn-cs"/>
-              </a:defRPr>
-            </a:lvl4pPr>
-            <a:lvl5pPr marL="2057400" indent="-228600" algn="l" defTabSz="914400" rtl="0" eaLnBrk="1" latinLnBrk="0" hangingPunct="0">
-              <a:lnSpc>
-                <a:spcPct val="90000"/>
-              </a:lnSpc>
-              <a:spcBef>
-                <a:spcPts val="300"/>
-              </a:spcBef>
-              <a:buFont typeface="Arial" panose="020B0604020202020204" pitchFamily="34" charset="0"/>
-              <a:buChar char="•"/>
-              <a:defRPr sz="1600" kern="1200" baseline="0">
-                <a:solidFill>
-                  <a:schemeClr val="tx1"/>
-                </a:solidFill>
-                <a:latin typeface="Times New Roman" panose="02020603050405020304" pitchFamily="18" charset="0"/>
-                <a:ea typeface="標楷體" panose="03000509000000000000" pitchFamily="65" charset="-120"/>
-                <a:cs typeface="+mn-cs"/>
-              </a:defRPr>
-            </a:lvl5pPr>
-            <a:lvl6pPr marL="2514600" indent="-228600" algn="l" defTabSz="914400" rtl="0" eaLnBrk="1" latinLnBrk="0" hangingPunct="1">
-              <a:lnSpc>
-                <a:spcPct val="90000"/>
-              </a:lnSpc>
-              <a:spcBef>
-                <a:spcPts val="500"/>
-              </a:spcBef>
-              <a:buFont typeface="Arial" panose="020B0604020202020204" pitchFamily="34" charset="0"/>
-              <a:buChar char="•"/>
-              <a:defRPr sz="1800" kern="1200">
-                <a:solidFill>
-                  <a:schemeClr val="tx1"/>
-                </a:solidFill>
-                <a:latin typeface="+mn-lt"/>
-                <a:ea typeface="+mn-ea"/>
-                <a:cs typeface="+mn-cs"/>
-              </a:defRPr>
-            </a:lvl6pPr>
-            <a:lvl7pPr marL="2971800" indent="-228600" algn="l" defTabSz="914400" rtl="0" eaLnBrk="1" latinLnBrk="0" hangingPunct="1">
-              <a:lnSpc>
-                <a:spcPct val="90000"/>
-              </a:lnSpc>
-              <a:spcBef>
-                <a:spcPts val="500"/>
-              </a:spcBef>
-              <a:buFont typeface="Arial" panose="020B0604020202020204" pitchFamily="34" charset="0"/>
-              <a:buChar char="•"/>
-              <a:defRPr sz="1800" kern="1200">
-                <a:solidFill>
-                  <a:schemeClr val="tx1"/>
-                </a:solidFill>
-                <a:latin typeface="+mn-lt"/>
-                <a:ea typeface="+mn-ea"/>
-                <a:cs typeface="+mn-cs"/>
-              </a:defRPr>
-            </a:lvl7pPr>
-            <a:lvl8pPr marL="3429000" indent="-228600" algn="l" defTabSz="914400" rtl="0" eaLnBrk="1" latinLnBrk="0" hangingPunct="1">
-              <a:lnSpc>
-                <a:spcPct val="90000"/>
-              </a:lnSpc>
-              <a:spcBef>
-                <a:spcPts val="500"/>
-              </a:spcBef>
-              <a:buFont typeface="Arial" panose="020B0604020202020204" pitchFamily="34" charset="0"/>
-              <a:buChar char="•"/>
-              <a:defRPr sz="1800" kern="1200">
-                <a:solidFill>
-                  <a:schemeClr val="tx1"/>
-                </a:solidFill>
-                <a:latin typeface="+mn-lt"/>
-                <a:ea typeface="+mn-ea"/>
-                <a:cs typeface="+mn-cs"/>
-              </a:defRPr>
-            </a:lvl8pPr>
-            <a:lvl9pPr marL="3886200" indent="-228600" algn="l" defTabSz="914400" rtl="0" eaLnBrk="1" latinLnBrk="0" hangingPunct="1">
-              <a:lnSpc>
-                <a:spcPct val="90000"/>
-              </a:lnSpc>
-              <a:spcBef>
-                <a:spcPts val="500"/>
-              </a:spcBef>
-              <a:buFont typeface="Arial" panose="020B0604020202020204" pitchFamily="34" charset="0"/>
-              <a:buChar char="•"/>
-              <a:defRPr sz="1800" kern="1200">
-                <a:solidFill>
-                  <a:schemeClr val="tx1"/>
-                </a:solidFill>
-                <a:latin typeface="+mn-lt"/>
-                <a:ea typeface="+mn-ea"/>
-                <a:cs typeface="+mn-cs"/>
-              </a:defRPr>
-            </a:lvl9pPr>
-          </a:lstStyle>
-          <a:p>
-            <a:pPr marL="0" indent="0">
-              <a:buNone/>
-            </a:pPr>
-            <a:r>
-              <a:rPr lang="zh-TW" altLang="en-US" dirty="0"/>
-              <a:t>作業系統：</a:t>
-            </a:r>
-            <a:r>
-              <a:rPr lang="en-US" altLang="zh-TW" dirty="0"/>
-              <a:t>windows</a:t>
-            </a:r>
-            <a:r>
-              <a:rPr lang="zh-TW" altLang="en-US" dirty="0"/>
-              <a:t> </a:t>
-            </a:r>
-            <a:r>
-              <a:rPr lang="en-US" altLang="zh-TW" dirty="0"/>
-              <a:t>10</a:t>
-            </a:r>
-          </a:p>
-          <a:p>
-            <a:pPr lvl="1"/>
-            <a:endParaRPr lang="en-US" altLang="zh-TW" dirty="0"/>
-          </a:p>
-          <a:p>
-            <a:pPr marL="0" indent="0">
-              <a:buNone/>
-            </a:pPr>
-            <a:endParaRPr lang="en-US" altLang="zh-TW" dirty="0"/>
-          </a:p>
-          <a:p>
-            <a:pPr marL="0" indent="0">
-              <a:buNone/>
-            </a:pPr>
-            <a:endParaRPr lang="en-US" altLang="zh-TW" dirty="0"/>
-          </a:p>
-          <a:p>
-            <a:pPr marL="0" indent="0">
-              <a:buNone/>
-            </a:pPr>
-            <a:r>
-              <a:rPr lang="zh-TW" altLang="en-US" dirty="0"/>
-              <a:t>環境設定：</a:t>
-            </a:r>
-            <a:r>
-              <a:rPr lang="en-US" altLang="zh-TW" dirty="0"/>
-              <a:t>python 3.8</a:t>
-            </a:r>
-            <a:r>
-              <a:rPr lang="zh-TW" altLang="en-US" dirty="0"/>
-              <a:t> ，</a:t>
-            </a:r>
-            <a:r>
-              <a:rPr lang="en-US" altLang="zh-TW" dirty="0"/>
-              <a:t>OpenCV</a:t>
-            </a:r>
-          </a:p>
-          <a:p>
-            <a:pPr marL="884700" lvl="1" indent="-342900"/>
-            <a:endParaRPr lang="en-US" altLang="zh-TW" dirty="0"/>
-          </a:p>
-          <a:p>
-            <a:pPr marL="884700" lvl="1" indent="-342900"/>
-            <a:endParaRPr lang="en-US" altLang="zh-TW" dirty="0"/>
-          </a:p>
-          <a:p>
-            <a:pPr marL="0" indent="0">
-              <a:buNone/>
-            </a:pPr>
-            <a:r>
-              <a:rPr lang="zh-TW" altLang="en-US" dirty="0"/>
-              <a:t>其他工具：</a:t>
-            </a:r>
-            <a:endParaRPr lang="en-US" altLang="zh-TW" dirty="0"/>
-          </a:p>
-          <a:p>
-            <a:pPr lvl="1"/>
-            <a:endParaRPr lang="en-US" altLang="zh-TW" dirty="0">
-              <a:solidFill>
-                <a:srgbClr val="FF0000"/>
-              </a:solidFill>
-            </a:endParaRPr>
-          </a:p>
-        </p:txBody>
-      </p:sp>
-      <p:pic>
-        <p:nvPicPr>
-          <p:cNvPr id="4" name="圖片 3">
-            <a:extLst>
-              <a:ext uri="{FF2B5EF4-FFF2-40B4-BE49-F238E27FC236}">
-                <a16:creationId xmlns:a16="http://schemas.microsoft.com/office/drawing/2014/main" id="{248157F6-43DC-E387-3BC8-FD77FC133FBA}"/>
-              </a:ext>
-            </a:extLst>
-          </p:cNvPr>
-          <p:cNvPicPr>
-            <a:picLocks noChangeAspect="1"/>
-          </p:cNvPicPr>
-          <p:nvPr/>
-        </p:nvPicPr>
-        <p:blipFill>
-          <a:blip r:embed="rId2"/>
-          <a:stretch>
-            <a:fillRect/>
-          </a:stretch>
-        </p:blipFill>
-        <p:spPr>
-          <a:xfrm>
-            <a:off x="4915856" y="1876290"/>
-            <a:ext cx="6534451" cy="3105420"/>
-          </a:xfrm>
-          <a:prstGeom prst="rect">
-            <a:avLst/>
-          </a:prstGeom>
-        </p:spPr>
-      </p:pic>
-    </p:spTree>
-    <p:extLst>
-      <p:ext uri="{BB962C8B-B14F-4D97-AF65-F5344CB8AC3E}">
-        <p14:creationId xmlns:p14="http://schemas.microsoft.com/office/powerpoint/2010/main" val="698926209"/>
-      </p:ext>
-    </p:extLst>
-  </p:cSld>
-  <p:clrMapOvr>
-    <a:masterClrMapping/>
-  </p:clrMapOvr>
-</p:sld>
-</file>
-
-<file path=ppt/slides/slide5.xml><?xml version="1.0" encoding="utf-8"?>
-<p:sld xmlns:a="http://schemas.openxmlformats.org/drawingml/2006/main" xmlns:r="http://schemas.openxmlformats.org/officeDocument/2006/relationships" xmlns:p="http://schemas.openxmlformats.org/presentationml/2006/main">
-  <p:cSld>
-    <p:spTree>
-      <p:nvGrpSpPr>
-        <p:cNvPr id="1" name=""/>
-        <p:cNvGrpSpPr/>
-        <p:nvPr/>
-      </p:nvGrpSpPr>
-      <p:grpSpPr>
-        <a:xfrm>
-          <a:off x="0" y="0"/>
-          <a:ext cx="0" cy="0"/>
-          <a:chOff x="0" y="0"/>
-          <a:chExt cx="0" cy="0"/>
-        </a:xfrm>
-      </p:grpSpPr>
-      <p:sp>
-        <p:nvSpPr>
-          <p:cNvPr id="3" name="標題 2"/>
-          <p:cNvSpPr>
-            <a:spLocks noGrp="1"/>
-          </p:cNvSpPr>
-          <p:nvPr>
-            <p:ph type="title"/>
-          </p:nvPr>
-        </p:nvSpPr>
-        <p:spPr/>
-        <p:txBody>
-          <a:bodyPr>
-            <a:normAutofit/>
-          </a:bodyPr>
-          <a:lstStyle/>
-          <a:p>
-            <a:r>
-              <a:rPr lang="zh-TW" altLang="en-US" sz="4000" dirty="0"/>
-              <a:t>系統分析圖</a:t>
-            </a:r>
-          </a:p>
-        </p:txBody>
-      </p:sp>
-      <p:graphicFrame>
-        <p:nvGraphicFramePr>
-          <p:cNvPr id="7" name="資料庫圖表 6">
-            <a:extLst>
-              <a:ext uri="{FF2B5EF4-FFF2-40B4-BE49-F238E27FC236}">
-                <a16:creationId xmlns:a16="http://schemas.microsoft.com/office/drawing/2014/main" id="{A35EE887-B85F-4C2B-8EA4-2773CE8006C1}"/>
-              </a:ext>
-            </a:extLst>
-          </p:cNvPr>
-          <p:cNvGraphicFramePr/>
-          <p:nvPr>
-            <p:extLst>
-              <p:ext uri="{D42A27DB-BD31-4B8C-83A1-F6EECF244321}">
-                <p14:modId xmlns:p14="http://schemas.microsoft.com/office/powerpoint/2010/main" val="442744623"/>
-              </p:ext>
-            </p:extLst>
-          </p:nvPr>
-        </p:nvGraphicFramePr>
-        <p:xfrm>
-          <a:off x="335280" y="1264920"/>
-          <a:ext cx="11772899" cy="4846319"/>
-        </p:xfrm>
-        <a:graphic>
-          <a:graphicData uri="http://schemas.openxmlformats.org/drawingml/2006/diagram">
-            <dgm:relIds xmlns:dgm="http://schemas.openxmlformats.org/drawingml/2006/diagram" xmlns:r="http://schemas.openxmlformats.org/officeDocument/2006/relationships" r:dm="rId3" r:lo="rId4" r:qs="rId5" r:cs="rId6"/>
-          </a:graphicData>
-        </a:graphic>
-      </p:graphicFrame>
-    </p:spTree>
-    <p:extLst>
-      <p:ext uri="{BB962C8B-B14F-4D97-AF65-F5344CB8AC3E}">
-        <p14:creationId xmlns:p14="http://schemas.microsoft.com/office/powerpoint/2010/main" val="3742601282"/>
-      </p:ext>
-    </p:extLst>
-  </p:cSld>
-  <p:clrMapOvr>
-    <a:masterClrMapping/>
-  </p:clrMapOvr>
-</p:sld>
-</file>
-
-<file path=ppt/slides/slide6.xml><?xml version="1.0" encoding="utf-8"?>
 <p:sld xmlns:a="http://schemas.openxmlformats.org/drawingml/2006/main" xmlns:r="http://schemas.openxmlformats.org/officeDocument/2006/relationships" xmlns:p="http://schemas.openxmlformats.org/presentationml/2006/main">
   <p:cSld>
     <p:spTree>
@@ -30685,7 +28786,657 @@
 </p:sld>
 </file>
 
-<file path=ppt/slides/slide7.xml><?xml version="1.0" encoding="utf-8"?>
+<file path=ppt/slides/slide30.xml><?xml version="1.0" encoding="utf-8"?>
+<p:sld xmlns:a="http://schemas.openxmlformats.org/drawingml/2006/main" xmlns:r="http://schemas.openxmlformats.org/officeDocument/2006/relationships" xmlns:p="http://schemas.openxmlformats.org/presentationml/2006/main">
+  <p:cSld>
+    <p:spTree>
+      <p:nvGrpSpPr>
+        <p:cNvPr id="1" name=""/>
+        <p:cNvGrpSpPr/>
+        <p:nvPr/>
+      </p:nvGrpSpPr>
+      <p:grpSpPr>
+        <a:xfrm>
+          <a:off x="0" y="0"/>
+          <a:ext cx="0" cy="0"/>
+          <a:chOff x="0" y="0"/>
+          <a:chExt cx="0" cy="0"/>
+        </a:xfrm>
+      </p:grpSpPr>
+      <p:pic>
+        <p:nvPicPr>
+          <p:cNvPr id="5" name="內容版面配置區 4" descr="一張含有 黑色, 黑與白, 黑白攝影, 單色 的圖片&#10;&#10;自動產生的描述">
+            <a:extLst>
+              <a:ext uri="{FF2B5EF4-FFF2-40B4-BE49-F238E27FC236}">
+                <a16:creationId xmlns:a16="http://schemas.microsoft.com/office/drawing/2014/main" id="{74802198-4506-6DDB-8B48-5EF4F33BDDC9}"/>
+              </a:ext>
+            </a:extLst>
+          </p:cNvPr>
+          <p:cNvPicPr>
+            <a:picLocks noGrp="1" noChangeAspect="1"/>
+          </p:cNvPicPr>
+          <p:nvPr>
+            <p:ph idx="1"/>
+          </p:nvPr>
+        </p:nvPicPr>
+        <p:blipFill>
+          <a:blip r:embed="rId2">
+            <a:extLst>
+              <a:ext uri="{28A0092B-C50C-407E-A947-70E740481C1C}">
+                <a14:useLocalDpi xmlns:a14="http://schemas.microsoft.com/office/drawing/2010/main" val="0"/>
+              </a:ext>
+            </a:extLst>
+          </a:blip>
+          <a:stretch>
+            <a:fillRect/>
+          </a:stretch>
+        </p:blipFill>
+        <p:spPr>
+          <a:xfrm>
+            <a:off x="3089132" y="1216272"/>
+            <a:ext cx="9102868" cy="4786963"/>
+          </a:xfrm>
+        </p:spPr>
+      </p:pic>
+      <p:sp>
+        <p:nvSpPr>
+          <p:cNvPr id="3" name="標題 2">
+            <a:extLst>
+              <a:ext uri="{FF2B5EF4-FFF2-40B4-BE49-F238E27FC236}">
+                <a16:creationId xmlns:a16="http://schemas.microsoft.com/office/drawing/2014/main" id="{8C7EA8D3-FFEE-202C-64C3-E6F0CB6133D6}"/>
+              </a:ext>
+            </a:extLst>
+          </p:cNvPr>
+          <p:cNvSpPr>
+            <a:spLocks noGrp="1"/>
+          </p:cNvSpPr>
+          <p:nvPr>
+            <p:ph type="title"/>
+          </p:nvPr>
+        </p:nvSpPr>
+        <p:spPr/>
+        <p:txBody>
+          <a:bodyPr/>
+          <a:lstStyle/>
+          <a:p>
+            <a:r>
+              <a:rPr lang="zh-TW" altLang="en-US" dirty="0"/>
+              <a:t>深度圖</a:t>
+            </a:r>
+            <a:endParaRPr lang="en-US" dirty="0"/>
+          </a:p>
+        </p:txBody>
+      </p:sp>
+      <p:pic>
+        <p:nvPicPr>
+          <p:cNvPr id="6" name="圖片 5">
+            <a:extLst>
+              <a:ext uri="{FF2B5EF4-FFF2-40B4-BE49-F238E27FC236}">
+                <a16:creationId xmlns:a16="http://schemas.microsoft.com/office/drawing/2014/main" id="{3C73D407-09D6-5EC9-7836-75A648BEF782}"/>
+              </a:ext>
+            </a:extLst>
+          </p:cNvPr>
+          <p:cNvPicPr>
+            <a:picLocks noChangeAspect="1"/>
+          </p:cNvPicPr>
+          <p:nvPr/>
+        </p:nvPicPr>
+        <p:blipFill>
+          <a:blip r:embed="rId3"/>
+          <a:stretch>
+            <a:fillRect/>
+          </a:stretch>
+        </p:blipFill>
+        <p:spPr>
+          <a:xfrm>
+            <a:off x="838200" y="2204278"/>
+            <a:ext cx="1304925" cy="809625"/>
+          </a:xfrm>
+          <a:prstGeom prst="rect">
+            <a:avLst/>
+          </a:prstGeom>
+        </p:spPr>
+      </p:pic>
+      <p:sp>
+        <p:nvSpPr>
+          <p:cNvPr id="7" name="文字方塊 6">
+            <a:extLst>
+              <a:ext uri="{FF2B5EF4-FFF2-40B4-BE49-F238E27FC236}">
+                <a16:creationId xmlns:a16="http://schemas.microsoft.com/office/drawing/2014/main" id="{185700D5-687F-5422-4E29-63DD135B6354}"/>
+              </a:ext>
+            </a:extLst>
+          </p:cNvPr>
+          <p:cNvSpPr txBox="1"/>
+          <p:nvPr/>
+        </p:nvSpPr>
+        <p:spPr>
+          <a:xfrm>
+            <a:off x="87515" y="3429000"/>
+            <a:ext cx="3001617" cy="1754326"/>
+          </a:xfrm>
+          <a:prstGeom prst="rect">
+            <a:avLst/>
+          </a:prstGeom>
+          <a:noFill/>
+        </p:spPr>
+        <p:txBody>
+          <a:bodyPr wrap="square" rtlCol="0">
+            <a:spAutoFit/>
+          </a:bodyPr>
+          <a:lstStyle/>
+          <a:p>
+            <a:pPr marL="285750" indent="-285750">
+              <a:buFont typeface="Arial" panose="020B0604020202020204" pitchFamily="34" charset="0"/>
+              <a:buChar char="•"/>
+            </a:pPr>
+            <a:r>
+              <a:rPr lang="zh-TW" altLang="en-US" dirty="0">
+                <a:latin typeface="Times New Roman" panose="02020603050405020304" pitchFamily="18" charset="0"/>
+                <a:ea typeface="標楷體" panose="03000509000000000000" pitchFamily="65" charset="-120"/>
+                <a:cs typeface="Times New Roman" panose="02020603050405020304" pitchFamily="18" charset="0"/>
+              </a:rPr>
+              <a:t>𝑍：深度</a:t>
+            </a:r>
+            <a:endParaRPr lang="en-US" altLang="zh-TW" dirty="0">
+              <a:latin typeface="Times New Roman" panose="02020603050405020304" pitchFamily="18" charset="0"/>
+              <a:ea typeface="標楷體" panose="03000509000000000000" pitchFamily="65" charset="-120"/>
+              <a:cs typeface="Times New Roman" panose="02020603050405020304" pitchFamily="18" charset="0"/>
+            </a:endParaRPr>
+          </a:p>
+          <a:p>
+            <a:pPr marL="285750" indent="-285750">
+              <a:buFont typeface="Arial" panose="020B0604020202020204" pitchFamily="34" charset="0"/>
+              <a:buChar char="•"/>
+            </a:pPr>
+            <a:r>
+              <a:rPr lang="zh-TW" altLang="en-US" dirty="0">
+                <a:latin typeface="Times New Roman" panose="02020603050405020304" pitchFamily="18" charset="0"/>
+                <a:ea typeface="標楷體" panose="03000509000000000000" pitchFamily="65" charset="-120"/>
+                <a:cs typeface="Times New Roman" panose="02020603050405020304" pitchFamily="18" charset="0"/>
+              </a:rPr>
+              <a:t>𝑓：焦距</a:t>
+            </a:r>
+            <a:endParaRPr lang="en-US" altLang="zh-TW" dirty="0">
+              <a:latin typeface="Times New Roman" panose="02020603050405020304" pitchFamily="18" charset="0"/>
+              <a:ea typeface="標楷體" panose="03000509000000000000" pitchFamily="65" charset="-120"/>
+              <a:cs typeface="Times New Roman" panose="02020603050405020304" pitchFamily="18" charset="0"/>
+            </a:endParaRPr>
+          </a:p>
+          <a:p>
+            <a:pPr marL="285750" indent="-285750">
+              <a:buFont typeface="Arial" panose="020B0604020202020204" pitchFamily="34" charset="0"/>
+              <a:buChar char="•"/>
+            </a:pPr>
+            <a:r>
+              <a:rPr lang="zh-TW" altLang="en-US" dirty="0">
+                <a:latin typeface="Times New Roman" panose="02020603050405020304" pitchFamily="18" charset="0"/>
+                <a:ea typeface="標楷體" panose="03000509000000000000" pitchFamily="65" charset="-120"/>
+                <a:cs typeface="Times New Roman" panose="02020603050405020304" pitchFamily="18" charset="0"/>
+              </a:rPr>
+              <a:t>𝐷：到 </a:t>
+            </a:r>
+            <a:r>
+              <a:rPr lang="en-US" altLang="zh-TW" dirty="0">
+                <a:latin typeface="Times New Roman" panose="02020603050405020304" pitchFamily="18" charset="0"/>
+                <a:ea typeface="標楷體" panose="03000509000000000000" pitchFamily="65" charset="-120"/>
+                <a:cs typeface="Times New Roman" panose="02020603050405020304" pitchFamily="18" charset="0"/>
+              </a:rPr>
+              <a:t>FOE </a:t>
+            </a:r>
+            <a:r>
+              <a:rPr lang="zh-TW" altLang="en-US" dirty="0">
+                <a:latin typeface="Times New Roman" panose="02020603050405020304" pitchFamily="18" charset="0"/>
+                <a:ea typeface="標楷體" panose="03000509000000000000" pitchFamily="65" charset="-120"/>
+                <a:cs typeface="Times New Roman" panose="02020603050405020304" pitchFamily="18" charset="0"/>
+              </a:rPr>
+              <a:t>的徑向距離</a:t>
+            </a:r>
+            <a:endParaRPr lang="en-US" altLang="zh-TW" dirty="0">
+              <a:latin typeface="Times New Roman" panose="02020603050405020304" pitchFamily="18" charset="0"/>
+              <a:ea typeface="標楷體" panose="03000509000000000000" pitchFamily="65" charset="-120"/>
+              <a:cs typeface="Times New Roman" panose="02020603050405020304" pitchFamily="18" charset="0"/>
+            </a:endParaRPr>
+          </a:p>
+          <a:p>
+            <a:pPr marL="285750" indent="-285750">
+              <a:buFont typeface="Arial" panose="020B0604020202020204" pitchFamily="34" charset="0"/>
+              <a:buChar char="•"/>
+            </a:pPr>
+            <a:r>
+              <a:rPr lang="zh-TW" altLang="en-US" dirty="0">
+                <a:latin typeface="Times New Roman" panose="02020603050405020304" pitchFamily="18" charset="0"/>
+                <a:ea typeface="標楷體" panose="03000509000000000000" pitchFamily="65" charset="-120"/>
+                <a:cs typeface="Times New Roman" panose="02020603050405020304" pitchFamily="18" charset="0"/>
+              </a:rPr>
+              <a:t>𝑀：光流長度</a:t>
+            </a:r>
+            <a:endParaRPr lang="en-US" altLang="zh-TW" dirty="0">
+              <a:latin typeface="Times New Roman" panose="02020603050405020304" pitchFamily="18" charset="0"/>
+              <a:ea typeface="標楷體" panose="03000509000000000000" pitchFamily="65" charset="-120"/>
+              <a:cs typeface="Times New Roman" panose="02020603050405020304" pitchFamily="18" charset="0"/>
+            </a:endParaRPr>
+          </a:p>
+          <a:p>
+            <a:pPr marL="285750" indent="-285750">
+              <a:buFont typeface="Arial" panose="020B0604020202020204" pitchFamily="34" charset="0"/>
+              <a:buChar char="•"/>
+            </a:pPr>
+            <a:endParaRPr lang="en-US" altLang="zh-TW" dirty="0">
+              <a:latin typeface="Times New Roman" panose="02020603050405020304" pitchFamily="18" charset="0"/>
+              <a:ea typeface="標楷體" panose="03000509000000000000" pitchFamily="65" charset="-120"/>
+              <a:cs typeface="Times New Roman" panose="02020603050405020304" pitchFamily="18" charset="0"/>
+            </a:endParaRPr>
+          </a:p>
+          <a:p>
+            <a:r>
+              <a:rPr lang="zh-TW" altLang="en-US" dirty="0">
+                <a:latin typeface="Times New Roman" panose="02020603050405020304" pitchFamily="18" charset="0"/>
+                <a:ea typeface="標楷體" panose="03000509000000000000" pitchFamily="65" charset="-120"/>
+                <a:cs typeface="Times New Roman" panose="02020603050405020304" pitchFamily="18" charset="0"/>
+              </a:rPr>
+              <a:t>最後乘上攝影機速度</a:t>
+            </a:r>
+            <a:endParaRPr lang="en-US" altLang="zh-TW" dirty="0">
+              <a:latin typeface="Times New Roman" panose="02020603050405020304" pitchFamily="18" charset="0"/>
+              <a:ea typeface="標楷體" panose="03000509000000000000" pitchFamily="65" charset="-120"/>
+              <a:cs typeface="Times New Roman" panose="02020603050405020304" pitchFamily="18" charset="0"/>
+            </a:endParaRPr>
+          </a:p>
+        </p:txBody>
+      </p:sp>
+    </p:spTree>
+    <p:extLst>
+      <p:ext uri="{BB962C8B-B14F-4D97-AF65-F5344CB8AC3E}">
+        <p14:creationId xmlns:p14="http://schemas.microsoft.com/office/powerpoint/2010/main" val="3577351399"/>
+      </p:ext>
+    </p:extLst>
+  </p:cSld>
+  <p:clrMapOvr>
+    <a:masterClrMapping/>
+  </p:clrMapOvr>
+</p:sld>
+</file>
+
+<file path=ppt/slides/slide31.xml><?xml version="1.0" encoding="utf-8"?>
+<p:sld xmlns:a="http://schemas.openxmlformats.org/drawingml/2006/main" xmlns:r="http://schemas.openxmlformats.org/officeDocument/2006/relationships" xmlns:p="http://schemas.openxmlformats.org/presentationml/2006/main">
+  <p:cSld>
+    <p:spTree>
+      <p:nvGrpSpPr>
+        <p:cNvPr id="1" name="">
+          <a:extLst>
+            <a:ext uri="{FF2B5EF4-FFF2-40B4-BE49-F238E27FC236}">
+              <a16:creationId xmlns:a16="http://schemas.microsoft.com/office/drawing/2014/main" id="{F94A4CC6-64E1-C943-B004-2738B084A126}"/>
+            </a:ext>
+          </a:extLst>
+        </p:cNvPr>
+        <p:cNvGrpSpPr/>
+        <p:nvPr/>
+      </p:nvGrpSpPr>
+      <p:grpSpPr>
+        <a:xfrm>
+          <a:off x="0" y="0"/>
+          <a:ext cx="0" cy="0"/>
+          <a:chOff x="0" y="0"/>
+          <a:chExt cx="0" cy="0"/>
+        </a:xfrm>
+      </p:grpSpPr>
+      <p:pic>
+        <p:nvPicPr>
+          <p:cNvPr id="5" name="內容版面配置區 4">
+            <a:extLst>
+              <a:ext uri="{FF2B5EF4-FFF2-40B4-BE49-F238E27FC236}">
+                <a16:creationId xmlns:a16="http://schemas.microsoft.com/office/drawing/2014/main" id="{7C443DFF-EC22-B1F0-93FB-5A3BEC2612CF}"/>
+              </a:ext>
+            </a:extLst>
+          </p:cNvPr>
+          <p:cNvPicPr>
+            <a:picLocks noGrp="1" noChangeAspect="1"/>
+          </p:cNvPicPr>
+          <p:nvPr>
+            <p:ph idx="1"/>
+          </p:nvPr>
+        </p:nvPicPr>
+        <p:blipFill>
+          <a:blip r:embed="rId2"/>
+          <a:stretch>
+            <a:fillRect/>
+          </a:stretch>
+        </p:blipFill>
+        <p:spPr>
+          <a:xfrm>
+            <a:off x="838200" y="1221616"/>
+            <a:ext cx="5952230" cy="5037137"/>
+          </a:xfrm>
+        </p:spPr>
+      </p:pic>
+      <p:sp>
+        <p:nvSpPr>
+          <p:cNvPr id="3" name="標題 2">
+            <a:extLst>
+              <a:ext uri="{FF2B5EF4-FFF2-40B4-BE49-F238E27FC236}">
+                <a16:creationId xmlns:a16="http://schemas.microsoft.com/office/drawing/2014/main" id="{044F98AB-A83E-B52A-5F61-2411C5A4C36E}"/>
+              </a:ext>
+            </a:extLst>
+          </p:cNvPr>
+          <p:cNvSpPr>
+            <a:spLocks noGrp="1"/>
+          </p:cNvSpPr>
+          <p:nvPr>
+            <p:ph type="title"/>
+          </p:nvPr>
+        </p:nvSpPr>
+        <p:spPr/>
+        <p:txBody>
+          <a:bodyPr/>
+          <a:lstStyle/>
+          <a:p>
+            <a:r>
+              <a:rPr lang="zh-TW" altLang="en-US" dirty="0"/>
+              <a:t>網格繪製</a:t>
+            </a:r>
+            <a:endParaRPr lang="en-US" dirty="0"/>
+          </a:p>
+        </p:txBody>
+      </p:sp>
+      <p:pic>
+        <p:nvPicPr>
+          <p:cNvPr id="4" name="圖片 3">
+            <a:extLst>
+              <a:ext uri="{FF2B5EF4-FFF2-40B4-BE49-F238E27FC236}">
+                <a16:creationId xmlns:a16="http://schemas.microsoft.com/office/drawing/2014/main" id="{21A40E6E-8331-0165-1628-79E98D5B617E}"/>
+              </a:ext>
+            </a:extLst>
+          </p:cNvPr>
+          <p:cNvPicPr>
+            <a:picLocks noChangeAspect="1"/>
+          </p:cNvPicPr>
+          <p:nvPr/>
+        </p:nvPicPr>
+        <p:blipFill>
+          <a:blip r:embed="rId3"/>
+          <a:stretch>
+            <a:fillRect/>
+          </a:stretch>
+        </p:blipFill>
+        <p:spPr>
+          <a:xfrm>
+            <a:off x="9172575" y="1513818"/>
+            <a:ext cx="2181225" cy="1019175"/>
+          </a:xfrm>
+          <a:prstGeom prst="rect">
+            <a:avLst/>
+          </a:prstGeom>
+        </p:spPr>
+      </p:pic>
+      <p:pic>
+        <p:nvPicPr>
+          <p:cNvPr id="7" name="圖片 6">
+            <a:extLst>
+              <a:ext uri="{FF2B5EF4-FFF2-40B4-BE49-F238E27FC236}">
+                <a16:creationId xmlns:a16="http://schemas.microsoft.com/office/drawing/2014/main" id="{27A7ED8D-4354-9F1D-D552-EC18E5046B9B}"/>
+              </a:ext>
+            </a:extLst>
+          </p:cNvPr>
+          <p:cNvPicPr>
+            <a:picLocks noChangeAspect="1"/>
+          </p:cNvPicPr>
+          <p:nvPr/>
+        </p:nvPicPr>
+        <p:blipFill>
+          <a:blip r:embed="rId4"/>
+          <a:stretch>
+            <a:fillRect/>
+          </a:stretch>
+        </p:blipFill>
+        <p:spPr>
+          <a:xfrm>
+            <a:off x="9172575" y="3740134"/>
+            <a:ext cx="1725081" cy="1169747"/>
+          </a:xfrm>
+          <a:prstGeom prst="rect">
+            <a:avLst/>
+          </a:prstGeom>
+        </p:spPr>
+      </p:pic>
+    </p:spTree>
+    <p:extLst>
+      <p:ext uri="{BB962C8B-B14F-4D97-AF65-F5344CB8AC3E}">
+        <p14:creationId xmlns:p14="http://schemas.microsoft.com/office/powerpoint/2010/main" val="1373451093"/>
+      </p:ext>
+    </p:extLst>
+  </p:cSld>
+  <p:clrMapOvr>
+    <a:masterClrMapping/>
+  </p:clrMapOvr>
+</p:sld>
+</file>
+
+<file path=ppt/slides/slide32.xml><?xml version="1.0" encoding="utf-8"?>
+<p:sld xmlns:a="http://schemas.openxmlformats.org/drawingml/2006/main" xmlns:r="http://schemas.openxmlformats.org/officeDocument/2006/relationships" xmlns:p="http://schemas.openxmlformats.org/presentationml/2006/main">
+  <p:cSld>
+    <p:spTree>
+      <p:nvGrpSpPr>
+        <p:cNvPr id="1" name=""/>
+        <p:cNvGrpSpPr/>
+        <p:nvPr/>
+      </p:nvGrpSpPr>
+      <p:grpSpPr>
+        <a:xfrm>
+          <a:off x="0" y="0"/>
+          <a:ext cx="0" cy="0"/>
+          <a:chOff x="0" y="0"/>
+          <a:chExt cx="0" cy="0"/>
+        </a:xfrm>
+      </p:grpSpPr>
+      <p:sp>
+        <p:nvSpPr>
+          <p:cNvPr id="3" name="標題 2">
+            <a:extLst>
+              <a:ext uri="{FF2B5EF4-FFF2-40B4-BE49-F238E27FC236}">
+                <a16:creationId xmlns:a16="http://schemas.microsoft.com/office/drawing/2014/main" id="{6E62C137-A674-9D5F-C6B7-601BF703D824}"/>
+              </a:ext>
+            </a:extLst>
+          </p:cNvPr>
+          <p:cNvSpPr>
+            <a:spLocks noGrp="1"/>
+          </p:cNvSpPr>
+          <p:nvPr>
+            <p:ph type="title"/>
+          </p:nvPr>
+        </p:nvSpPr>
+        <p:spPr/>
+        <p:txBody>
+          <a:bodyPr/>
+          <a:lstStyle/>
+          <a:p>
+            <a:r>
+              <a:rPr lang="en-US" altLang="zh-TW" dirty="0"/>
+              <a:t>UI</a:t>
+            </a:r>
+            <a:endParaRPr lang="zh-TW" altLang="en-US" dirty="0"/>
+          </a:p>
+        </p:txBody>
+      </p:sp>
+      <p:pic>
+        <p:nvPicPr>
+          <p:cNvPr id="5" name="圖片 4">
+            <a:extLst>
+              <a:ext uri="{FF2B5EF4-FFF2-40B4-BE49-F238E27FC236}">
+                <a16:creationId xmlns:a16="http://schemas.microsoft.com/office/drawing/2014/main" id="{7335801C-FE72-0A99-7257-0A67255208ED}"/>
+              </a:ext>
+            </a:extLst>
+          </p:cNvPr>
+          <p:cNvPicPr>
+            <a:picLocks noChangeAspect="1"/>
+          </p:cNvPicPr>
+          <p:nvPr/>
+        </p:nvPicPr>
+        <p:blipFill>
+          <a:blip r:embed="rId2"/>
+          <a:stretch>
+            <a:fillRect/>
+          </a:stretch>
+        </p:blipFill>
+        <p:spPr>
+          <a:xfrm>
+            <a:off x="2626951" y="1211238"/>
+            <a:ext cx="6938098" cy="5038006"/>
+          </a:xfrm>
+          <a:prstGeom prst="rect">
+            <a:avLst/>
+          </a:prstGeom>
+        </p:spPr>
+      </p:pic>
+    </p:spTree>
+    <p:extLst>
+      <p:ext uri="{BB962C8B-B14F-4D97-AF65-F5344CB8AC3E}">
+        <p14:creationId xmlns:p14="http://schemas.microsoft.com/office/powerpoint/2010/main" val="4061495546"/>
+      </p:ext>
+    </p:extLst>
+  </p:cSld>
+  <p:clrMapOvr>
+    <a:masterClrMapping/>
+  </p:clrMapOvr>
+</p:sld>
+</file>
+
+<file path=ppt/slides/slide33.xml><?xml version="1.0" encoding="utf-8"?>
+<p:sld xmlns:a="http://schemas.openxmlformats.org/drawingml/2006/main" xmlns:r="http://schemas.openxmlformats.org/officeDocument/2006/relationships" xmlns:p="http://schemas.openxmlformats.org/presentationml/2006/main">
+  <p:cSld>
+    <p:spTree>
+      <p:nvGrpSpPr>
+        <p:cNvPr id="1" name=""/>
+        <p:cNvGrpSpPr/>
+        <p:nvPr/>
+      </p:nvGrpSpPr>
+      <p:grpSpPr>
+        <a:xfrm>
+          <a:off x="0" y="0"/>
+          <a:ext cx="0" cy="0"/>
+          <a:chOff x="0" y="0"/>
+          <a:chExt cx="0" cy="0"/>
+        </a:xfrm>
+      </p:grpSpPr>
+      <p:sp>
+        <p:nvSpPr>
+          <p:cNvPr id="2" name="內容版面配置區 1">
+            <a:extLst>
+              <a:ext uri="{FF2B5EF4-FFF2-40B4-BE49-F238E27FC236}">
+                <a16:creationId xmlns:a16="http://schemas.microsoft.com/office/drawing/2014/main" id="{228DD9E0-9CD5-4A32-9704-E9DE4D90FFCB}"/>
+              </a:ext>
+            </a:extLst>
+          </p:cNvPr>
+          <p:cNvSpPr>
+            <a:spLocks noGrp="1"/>
+          </p:cNvSpPr>
+          <p:nvPr>
+            <p:ph idx="1"/>
+          </p:nvPr>
+        </p:nvSpPr>
+        <p:spPr/>
+        <p:txBody>
+          <a:bodyPr/>
+          <a:lstStyle/>
+          <a:p>
+            <a:pPr marL="342900" indent="-342900">
+              <a:buFont typeface="+mj-lt"/>
+              <a:buAutoNum type="arabicPeriod"/>
+            </a:pPr>
+            <a:r>
+              <a:rPr lang="zh-TW" altLang="en-US" dirty="0"/>
+              <a:t>硬幣堆疊高度有限，導致光流效果不明顯，</a:t>
+            </a:r>
+            <a:r>
+              <a:rPr lang="en-US" altLang="zh-TW" dirty="0"/>
+              <a:t>Z</a:t>
+            </a:r>
+            <a:r>
+              <a:rPr lang="zh-TW" altLang="en-US" dirty="0"/>
+              <a:t>值</a:t>
+            </a:r>
+            <a:r>
+              <a:rPr lang="en-US" altLang="zh-TW" dirty="0"/>
+              <a:t>(</a:t>
+            </a:r>
+            <a:r>
+              <a:rPr lang="zh-TW" altLang="en-US" dirty="0"/>
+              <a:t>深度</a:t>
+            </a:r>
+            <a:r>
+              <a:rPr lang="en-US" altLang="zh-TW" dirty="0"/>
+              <a:t>)</a:t>
+            </a:r>
+            <a:r>
+              <a:rPr lang="zh-TW" altLang="en-US" dirty="0"/>
+              <a:t>對於硬幣頂部與根部幾乎沒差別，產生的深度圖無法明顯呈現。</a:t>
+            </a:r>
+            <a:endParaRPr lang="en-US" altLang="zh-TW" dirty="0"/>
+          </a:p>
+          <a:p>
+            <a:pPr marL="342900" indent="-342900">
+              <a:buFont typeface="+mj-lt"/>
+              <a:buAutoNum type="arabicPeriod"/>
+            </a:pPr>
+            <a:endParaRPr lang="en-US" altLang="zh-TW" dirty="0"/>
+          </a:p>
+          <a:p>
+            <a:pPr marL="342900" indent="-342900">
+              <a:buFont typeface="+mj-lt"/>
+              <a:buAutoNum type="arabicPeriod"/>
+            </a:pPr>
+            <a:endParaRPr lang="en-US" altLang="zh-TW" dirty="0"/>
+          </a:p>
+          <a:p>
+            <a:pPr marL="342900" indent="-342900">
+              <a:buFont typeface="+mj-lt"/>
+              <a:buAutoNum type="arabicPeriod"/>
+            </a:pPr>
+            <a:endParaRPr lang="zh-TW" altLang="en-US" dirty="0"/>
+          </a:p>
+        </p:txBody>
+      </p:sp>
+      <p:sp>
+        <p:nvSpPr>
+          <p:cNvPr id="3" name="標題 2">
+            <a:extLst>
+              <a:ext uri="{FF2B5EF4-FFF2-40B4-BE49-F238E27FC236}">
+                <a16:creationId xmlns:a16="http://schemas.microsoft.com/office/drawing/2014/main" id="{6E43B781-8051-41A2-8DBF-7A98606C90FF}"/>
+              </a:ext>
+            </a:extLst>
+          </p:cNvPr>
+          <p:cNvSpPr>
+            <a:spLocks noGrp="1"/>
+          </p:cNvSpPr>
+          <p:nvPr>
+            <p:ph type="title"/>
+          </p:nvPr>
+        </p:nvSpPr>
+        <p:spPr/>
+        <p:txBody>
+          <a:bodyPr/>
+          <a:lstStyle/>
+          <a:p>
+            <a:r>
+              <a:rPr lang="zh-TW" altLang="en-US" dirty="0"/>
+              <a:t>問題紀錄</a:t>
+            </a:r>
+          </a:p>
+        </p:txBody>
+      </p:sp>
+    </p:spTree>
+    <p:extLst>
+      <p:ext uri="{BB962C8B-B14F-4D97-AF65-F5344CB8AC3E}">
+        <p14:creationId xmlns:p14="http://schemas.microsoft.com/office/powerpoint/2010/main" val="2736359394"/>
+      </p:ext>
+    </p:extLst>
+  </p:cSld>
+  <p:clrMapOvr>
+    <a:masterClrMapping/>
+  </p:clrMapOvr>
+</p:sld>
+</file>
+
+<file path=ppt/slides/slide4.xml><?xml version="1.0" encoding="utf-8"?>
 <p:sld xmlns:a="http://schemas.openxmlformats.org/drawingml/2006/main" xmlns:r="http://schemas.openxmlformats.org/officeDocument/2006/relationships" xmlns:p="http://schemas.openxmlformats.org/presentationml/2006/main">
   <p:cSld>
     <p:spTree>
@@ -30778,7 +29529,7 @@
 </p:sld>
 </file>
 
-<file path=ppt/slides/slide8.xml><?xml version="1.0" encoding="utf-8"?>
+<file path=ppt/slides/slide5.xml><?xml version="1.0" encoding="utf-8"?>
 <p:sld xmlns:a="http://schemas.openxmlformats.org/drawingml/2006/main" xmlns:r="http://schemas.openxmlformats.org/officeDocument/2006/relationships" xmlns:p="http://schemas.openxmlformats.org/presentationml/2006/main">
   <p:cSld>
     <p:spTree>
@@ -31307,7 +30058,7 @@
 </p:sld>
 </file>
 
-<file path=ppt/slides/slide9.xml><?xml version="1.0" encoding="utf-8"?>
+<file path=ppt/slides/slide6.xml><?xml version="1.0" encoding="utf-8"?>
 <p:sld xmlns:a="http://schemas.openxmlformats.org/drawingml/2006/main" xmlns:r="http://schemas.openxmlformats.org/officeDocument/2006/relationships" xmlns:p="http://schemas.openxmlformats.org/presentationml/2006/main">
   <p:cSld>
     <p:spTree>
@@ -31880,6 +30631,1309 @@
     <p:extLst>
       <p:ext uri="{BB962C8B-B14F-4D97-AF65-F5344CB8AC3E}">
         <p14:creationId xmlns:p14="http://schemas.microsoft.com/office/powerpoint/2010/main" val="1549287508"/>
+      </p:ext>
+    </p:extLst>
+  </p:cSld>
+  <p:clrMapOvr>
+    <a:masterClrMapping/>
+  </p:clrMapOvr>
+</p:sld>
+</file>
+
+<file path=ppt/slides/slide7.xml><?xml version="1.0" encoding="utf-8"?>
+<p:sld xmlns:a="http://schemas.openxmlformats.org/drawingml/2006/main" xmlns:r="http://schemas.openxmlformats.org/officeDocument/2006/relationships" xmlns:p="http://schemas.openxmlformats.org/presentationml/2006/main">
+  <p:cSld>
+    <p:spTree>
+      <p:nvGrpSpPr>
+        <p:cNvPr id="1" name=""/>
+        <p:cNvGrpSpPr/>
+        <p:nvPr/>
+      </p:nvGrpSpPr>
+      <p:grpSpPr>
+        <a:xfrm>
+          <a:off x="0" y="0"/>
+          <a:ext cx="0" cy="0"/>
+          <a:chOff x="0" y="0"/>
+          <a:chExt cx="0" cy="0"/>
+        </a:xfrm>
+      </p:grpSpPr>
+      <p:graphicFrame>
+        <p:nvGraphicFramePr>
+          <p:cNvPr id="7" name="內容版面配置區 6">
+            <a:extLst>
+              <a:ext uri="{FF2B5EF4-FFF2-40B4-BE49-F238E27FC236}">
+                <a16:creationId xmlns:a16="http://schemas.microsoft.com/office/drawing/2014/main" id="{196695FC-8643-4BCA-B463-BD8E56079EE6}"/>
+              </a:ext>
+            </a:extLst>
+          </p:cNvPr>
+          <p:cNvGraphicFramePr>
+            <a:graphicFrameLocks noGrp="1"/>
+          </p:cNvGraphicFramePr>
+          <p:nvPr>
+            <p:ph idx="1"/>
+            <p:extLst>
+              <p:ext uri="{D42A27DB-BD31-4B8C-83A1-F6EECF244321}">
+                <p14:modId xmlns:p14="http://schemas.microsoft.com/office/powerpoint/2010/main" val="3439600964"/>
+              </p:ext>
+            </p:extLst>
+          </p:nvPr>
+        </p:nvGraphicFramePr>
+        <p:xfrm>
+          <a:off x="838200" y="1201738"/>
+          <a:ext cx="10515600" cy="5007676"/>
+        </p:xfrm>
+        <a:graphic>
+          <a:graphicData uri="http://schemas.openxmlformats.org/drawingml/2006/table">
+            <a:tbl>
+              <a:tblPr firstRow="1" bandRow="1">
+                <a:tableStyleId>{69CF1AB2-1976-4502-BF36-3FF5EA218861}</a:tableStyleId>
+              </a:tblPr>
+              <a:tblGrid>
+                <a:gridCol w="2946991">
+                  <a:extLst>
+                    <a:ext uri="{9D8B030D-6E8A-4147-A177-3AD203B41FA5}">
+                      <a16:colId xmlns:a16="http://schemas.microsoft.com/office/drawing/2014/main" val="1525235260"/>
+                    </a:ext>
+                  </a:extLst>
+                </a:gridCol>
+                <a:gridCol w="7568609">
+                  <a:extLst>
+                    <a:ext uri="{9D8B030D-6E8A-4147-A177-3AD203B41FA5}">
+                      <a16:colId xmlns:a16="http://schemas.microsoft.com/office/drawing/2014/main" val="3150341969"/>
+                    </a:ext>
+                  </a:extLst>
+                </a:gridCol>
+              </a:tblGrid>
+              <a:tr h="1251919">
+                <a:tc>
+                  <a:txBody>
+                    <a:bodyPr/>
+                    <a:lstStyle/>
+                    <a:p>
+                      <a:pPr algn="ctr"/>
+                      <a:r>
+                        <a:rPr lang="en-US" altLang="zh-TW" dirty="0">
+                          <a:latin typeface="Times New Roman" panose="02020603050405020304" pitchFamily="18" charset="0"/>
+                          <a:ea typeface="標楷體" panose="03000509000000000000" pitchFamily="65" charset="-120"/>
+                          <a:cs typeface="Times New Roman" panose="02020603050405020304" pitchFamily="18" charset="0"/>
+                        </a:rPr>
+                        <a:t>Input</a:t>
+                      </a:r>
+                      <a:endParaRPr lang="zh-TW" altLang="en-US" dirty="0">
+                        <a:latin typeface="Times New Roman" panose="02020603050405020304" pitchFamily="18" charset="0"/>
+                        <a:ea typeface="標楷體" panose="03000509000000000000" pitchFamily="65" charset="-120"/>
+                        <a:cs typeface="Times New Roman" panose="02020603050405020304" pitchFamily="18" charset="0"/>
+                      </a:endParaRPr>
+                    </a:p>
+                  </a:txBody>
+                  <a:tcPr anchor="ctr"/>
+                </a:tc>
+                <a:tc>
+                  <a:txBody>
+                    <a:bodyPr/>
+                    <a:lstStyle/>
+                    <a:p>
+                      <a:pPr marL="0" marR="0" lvl="0" indent="0" algn="ctr" defTabSz="914400" rtl="0" eaLnBrk="1" fontAlgn="auto" latinLnBrk="0" hangingPunct="1">
+                        <a:lnSpc>
+                          <a:spcPct val="100000"/>
+                        </a:lnSpc>
+                        <a:spcBef>
+                          <a:spcPts val="0"/>
+                        </a:spcBef>
+                        <a:spcAft>
+                          <a:spcPts val="0"/>
+                        </a:spcAft>
+                        <a:buClrTx/>
+                        <a:buSzTx/>
+                        <a:buFontTx/>
+                        <a:buNone/>
+                        <a:tabLst/>
+                        <a:defRPr/>
+                      </a:pPr>
+                      <a:r>
+                        <a:rPr lang="zh-TW" altLang="en-US" sz="1800" b="0" kern="1200" dirty="0">
+                          <a:solidFill>
+                            <a:schemeClr val="dk1"/>
+                          </a:solidFill>
+                          <a:effectLst/>
+                          <a:latin typeface="Times New Roman" panose="02020603050405020304" pitchFamily="18" charset="0"/>
+                          <a:ea typeface="標楷體" panose="03000509000000000000" pitchFamily="65" charset="-120"/>
+                          <a:cs typeface="Times New Roman" panose="02020603050405020304" pitchFamily="18" charset="0"/>
+                        </a:rPr>
+                        <a:t>原影像</a:t>
+                      </a:r>
+                      <a:r>
+                        <a:rPr lang="en-US" altLang="zh-TW" sz="1800" b="0" kern="1200" dirty="0">
+                          <a:solidFill>
+                            <a:schemeClr val="dk1"/>
+                          </a:solidFill>
+                          <a:effectLst/>
+                          <a:latin typeface="Times New Roman" panose="02020603050405020304" pitchFamily="18" charset="0"/>
+                          <a:ea typeface="標楷體" panose="03000509000000000000" pitchFamily="65" charset="-120"/>
+                          <a:cs typeface="Times New Roman" panose="02020603050405020304" pitchFamily="18" charset="0"/>
+                        </a:rPr>
+                        <a:t>Frame(</a:t>
+                      </a:r>
+                      <a:r>
+                        <a:rPr lang="en-US" altLang="zh-TW" b="0" dirty="0" err="1">
+                          <a:latin typeface="Times New Roman" panose="02020603050405020304" pitchFamily="18" charset="0"/>
+                          <a:ea typeface="標楷體" panose="03000509000000000000" pitchFamily="65" charset="-120"/>
+                          <a:cs typeface="Times New Roman" panose="02020603050405020304" pitchFamily="18" charset="0"/>
+                        </a:rPr>
+                        <a:t>np.ndarray</a:t>
+                      </a:r>
+                      <a:r>
+                        <a:rPr lang="en-US" altLang="zh-TW" b="0" dirty="0">
+                          <a:latin typeface="Times New Roman" panose="02020603050405020304" pitchFamily="18" charset="0"/>
+                          <a:ea typeface="標楷體" panose="03000509000000000000" pitchFamily="65" charset="-120"/>
+                          <a:cs typeface="Times New Roman" panose="02020603050405020304" pitchFamily="18" charset="0"/>
+                        </a:rPr>
+                        <a:t>)</a:t>
+                      </a:r>
+                      <a:endParaRPr lang="en-US" altLang="zh-TW" sz="1800" b="0" kern="1200" dirty="0">
+                        <a:solidFill>
+                          <a:schemeClr val="dk1"/>
+                        </a:solidFill>
+                        <a:effectLst/>
+                        <a:latin typeface="Times New Roman" panose="02020603050405020304" pitchFamily="18" charset="0"/>
+                        <a:ea typeface="標楷體" panose="03000509000000000000" pitchFamily="65" charset="-120"/>
+                        <a:cs typeface="Times New Roman" panose="02020603050405020304" pitchFamily="18" charset="0"/>
+                      </a:endParaRPr>
+                    </a:p>
+                  </a:txBody>
+                  <a:tcPr anchor="ctr"/>
+                </a:tc>
+                <a:extLst>
+                  <a:ext uri="{0D108BD9-81ED-4DB2-BD59-A6C34878D82A}">
+                    <a16:rowId xmlns:a16="http://schemas.microsoft.com/office/drawing/2014/main" val="1796280440"/>
+                  </a:ext>
+                </a:extLst>
+              </a:tr>
+              <a:tr h="1251919">
+                <a:tc>
+                  <a:txBody>
+                    <a:bodyPr/>
+                    <a:lstStyle/>
+                    <a:p>
+                      <a:pPr marL="0" marR="0" lvl="0" indent="0" algn="ctr" defTabSz="914400" rtl="0" eaLnBrk="1" fontAlgn="auto" latinLnBrk="0" hangingPunct="1">
+                        <a:lnSpc>
+                          <a:spcPct val="100000"/>
+                        </a:lnSpc>
+                        <a:spcBef>
+                          <a:spcPts val="0"/>
+                        </a:spcBef>
+                        <a:spcAft>
+                          <a:spcPts val="0"/>
+                        </a:spcAft>
+                        <a:buClrTx/>
+                        <a:buSzTx/>
+                        <a:buFontTx/>
+                        <a:buNone/>
+                        <a:tabLst/>
+                        <a:defRPr/>
+                      </a:pPr>
+                      <a:r>
+                        <a:rPr lang="en-US" altLang="zh-TW" dirty="0">
+                          <a:latin typeface="Times New Roman" panose="02020603050405020304" pitchFamily="18" charset="0"/>
+                          <a:ea typeface="標楷體" panose="03000509000000000000" pitchFamily="65" charset="-120"/>
+                          <a:cs typeface="Times New Roman" panose="02020603050405020304" pitchFamily="18" charset="0"/>
+                        </a:rPr>
+                        <a:t>Output</a:t>
+                      </a:r>
+                      <a:endParaRPr lang="zh-TW" altLang="en-US" dirty="0">
+                        <a:latin typeface="Times New Roman" panose="02020603050405020304" pitchFamily="18" charset="0"/>
+                        <a:ea typeface="標楷體" panose="03000509000000000000" pitchFamily="65" charset="-120"/>
+                        <a:cs typeface="Times New Roman" panose="02020603050405020304" pitchFamily="18" charset="0"/>
+                      </a:endParaRPr>
+                    </a:p>
+                    <a:p>
+                      <a:pPr algn="ctr"/>
+                      <a:endParaRPr lang="zh-TW" altLang="en-US" dirty="0">
+                        <a:latin typeface="Times New Roman" panose="02020603050405020304" pitchFamily="18" charset="0"/>
+                        <a:ea typeface="標楷體" panose="03000509000000000000" pitchFamily="65" charset="-120"/>
+                        <a:cs typeface="Times New Roman" panose="02020603050405020304" pitchFamily="18" charset="0"/>
+                      </a:endParaRPr>
+                    </a:p>
+                  </a:txBody>
+                  <a:tcPr anchor="ctr"/>
+                </a:tc>
+                <a:tc>
+                  <a:txBody>
+                    <a:bodyPr/>
+                    <a:lstStyle/>
+                    <a:p>
+                      <a:pPr marL="0" marR="0" lvl="0" indent="0" algn="ctr" defTabSz="914400" rtl="0" eaLnBrk="1" fontAlgn="auto" latinLnBrk="0" hangingPunct="1">
+                        <a:lnSpc>
+                          <a:spcPct val="100000"/>
+                        </a:lnSpc>
+                        <a:spcBef>
+                          <a:spcPts val="0"/>
+                        </a:spcBef>
+                        <a:spcAft>
+                          <a:spcPts val="0"/>
+                        </a:spcAft>
+                        <a:buClrTx/>
+                        <a:buSzTx/>
+                        <a:buFontTx/>
+                        <a:buNone/>
+                        <a:tabLst/>
+                        <a:defRPr/>
+                      </a:pPr>
+                      <a:r>
+                        <a:rPr lang="zh-TW" altLang="en-US" b="0" dirty="0">
+                          <a:latin typeface="Times New Roman" panose="02020603050405020304" pitchFamily="18" charset="0"/>
+                          <a:ea typeface="標楷體" panose="03000509000000000000" pitchFamily="65" charset="-120"/>
+                          <a:cs typeface="Times New Roman" panose="02020603050405020304" pitchFamily="18" charset="0"/>
+                        </a:rPr>
+                        <a:t>辨識結果影像</a:t>
+                      </a:r>
+                      <a:r>
+                        <a:rPr lang="en-US" altLang="zh-TW" sz="1800" b="0" kern="1200" dirty="0">
+                          <a:solidFill>
+                            <a:schemeClr val="dk1"/>
+                          </a:solidFill>
+                          <a:effectLst/>
+                          <a:latin typeface="Times New Roman" panose="02020603050405020304" pitchFamily="18" charset="0"/>
+                          <a:ea typeface="標楷體" panose="03000509000000000000" pitchFamily="65" charset="-120"/>
+                          <a:cs typeface="Times New Roman" panose="02020603050405020304" pitchFamily="18" charset="0"/>
+                        </a:rPr>
+                        <a:t>output(</a:t>
+                      </a:r>
+                      <a:r>
+                        <a:rPr lang="en-US" altLang="zh-TW" b="0" dirty="0" err="1">
+                          <a:latin typeface="Times New Roman" panose="02020603050405020304" pitchFamily="18" charset="0"/>
+                          <a:ea typeface="標楷體" panose="03000509000000000000" pitchFamily="65" charset="-120"/>
+                          <a:cs typeface="Times New Roman" panose="02020603050405020304" pitchFamily="18" charset="0"/>
+                        </a:rPr>
+                        <a:t>np.ndarray</a:t>
+                      </a:r>
+                      <a:r>
+                        <a:rPr lang="en-US" altLang="zh-TW" b="0" dirty="0">
+                          <a:latin typeface="Times New Roman" panose="02020603050405020304" pitchFamily="18" charset="0"/>
+                          <a:ea typeface="標楷體" panose="03000509000000000000" pitchFamily="65" charset="-120"/>
+                          <a:cs typeface="Times New Roman" panose="02020603050405020304" pitchFamily="18" charset="0"/>
+                        </a:rPr>
+                        <a:t>)</a:t>
+                      </a:r>
+                      <a:endParaRPr lang="en-US" altLang="zh-TW" sz="1800" b="0" kern="1200" dirty="0">
+                        <a:solidFill>
+                          <a:schemeClr val="dk1"/>
+                        </a:solidFill>
+                        <a:effectLst/>
+                        <a:latin typeface="Times New Roman" panose="02020603050405020304" pitchFamily="18" charset="0"/>
+                        <a:ea typeface="標楷體" panose="03000509000000000000" pitchFamily="65" charset="-120"/>
+                        <a:cs typeface="Times New Roman" panose="02020603050405020304" pitchFamily="18" charset="0"/>
+                      </a:endParaRPr>
+                    </a:p>
+                    <a:p>
+                      <a:pPr algn="ctr"/>
+                      <a:endParaRPr lang="zh-TW" altLang="en-US" b="0" dirty="0">
+                        <a:latin typeface="Times New Roman" panose="02020603050405020304" pitchFamily="18" charset="0"/>
+                        <a:ea typeface="標楷體" panose="03000509000000000000" pitchFamily="65" charset="-120"/>
+                        <a:cs typeface="Times New Roman" panose="02020603050405020304" pitchFamily="18" charset="0"/>
+                      </a:endParaRPr>
+                    </a:p>
+                  </a:txBody>
+                  <a:tcPr anchor="ctr"/>
+                </a:tc>
+                <a:extLst>
+                  <a:ext uri="{0D108BD9-81ED-4DB2-BD59-A6C34878D82A}">
+                    <a16:rowId xmlns:a16="http://schemas.microsoft.com/office/drawing/2014/main" val="1237557617"/>
+                  </a:ext>
+                </a:extLst>
+              </a:tr>
+              <a:tr h="1251919">
+                <a:tc>
+                  <a:txBody>
+                    <a:bodyPr/>
+                    <a:lstStyle/>
+                    <a:p>
+                      <a:pPr algn="ctr"/>
+                      <a:r>
+                        <a:rPr lang="en-US" altLang="zh-TW" dirty="0">
+                          <a:latin typeface="Times New Roman" panose="02020603050405020304" pitchFamily="18" charset="0"/>
+                          <a:ea typeface="標楷體" panose="03000509000000000000" pitchFamily="65" charset="-120"/>
+                          <a:cs typeface="Times New Roman" panose="02020603050405020304" pitchFamily="18" charset="0"/>
+                        </a:rPr>
+                        <a:t>Description</a:t>
+                      </a:r>
+                      <a:endParaRPr lang="zh-TW" altLang="en-US" dirty="0">
+                        <a:latin typeface="Times New Roman" panose="02020603050405020304" pitchFamily="18" charset="0"/>
+                        <a:ea typeface="標楷體" panose="03000509000000000000" pitchFamily="65" charset="-120"/>
+                        <a:cs typeface="Times New Roman" panose="02020603050405020304" pitchFamily="18" charset="0"/>
+                      </a:endParaRPr>
+                    </a:p>
+                  </a:txBody>
+                  <a:tcPr anchor="ctr"/>
+                </a:tc>
+                <a:tc>
+                  <a:txBody>
+                    <a:bodyPr/>
+                    <a:lstStyle/>
+                    <a:p>
+                      <a:pPr algn="ctr"/>
+                      <a:r>
+                        <a:rPr lang="zh-TW" altLang="en-US" b="0" dirty="0">
+                          <a:latin typeface="Times New Roman" panose="02020603050405020304" pitchFamily="18" charset="0"/>
+                          <a:ea typeface="標楷體" panose="03000509000000000000" pitchFamily="65" charset="-120"/>
+                          <a:cs typeface="Times New Roman" panose="02020603050405020304" pitchFamily="18" charset="0"/>
+                        </a:rPr>
+                        <a:t>對影像作前處理後，偵測圓形，並標示在畫面上。</a:t>
+                      </a:r>
+                    </a:p>
+                  </a:txBody>
+                  <a:tcPr anchor="ctr"/>
+                </a:tc>
+                <a:extLst>
+                  <a:ext uri="{0D108BD9-81ED-4DB2-BD59-A6C34878D82A}">
+                    <a16:rowId xmlns:a16="http://schemas.microsoft.com/office/drawing/2014/main" val="2724953223"/>
+                  </a:ext>
+                </a:extLst>
+              </a:tr>
+              <a:tr h="1251919">
+                <a:tc>
+                  <a:txBody>
+                    <a:bodyPr/>
+                    <a:lstStyle/>
+                    <a:p>
+                      <a:pPr algn="ctr"/>
+                      <a:r>
+                        <a:rPr lang="en-US" altLang="zh-TW" dirty="0">
+                          <a:latin typeface="Times New Roman" panose="02020603050405020304" pitchFamily="18" charset="0"/>
+                          <a:ea typeface="標楷體" panose="03000509000000000000" pitchFamily="65" charset="-120"/>
+                          <a:cs typeface="Times New Roman" panose="02020603050405020304" pitchFamily="18" charset="0"/>
+                        </a:rPr>
+                        <a:t>Method</a:t>
+                      </a:r>
+                      <a:endParaRPr lang="zh-TW" altLang="en-US" dirty="0">
+                        <a:latin typeface="Times New Roman" panose="02020603050405020304" pitchFamily="18" charset="0"/>
+                        <a:ea typeface="標楷體" panose="03000509000000000000" pitchFamily="65" charset="-120"/>
+                        <a:cs typeface="Times New Roman" panose="02020603050405020304" pitchFamily="18" charset="0"/>
+                      </a:endParaRPr>
+                    </a:p>
+                  </a:txBody>
+                  <a:tcPr anchor="ctr"/>
+                </a:tc>
+                <a:tc>
+                  <a:txBody>
+                    <a:bodyPr/>
+                    <a:lstStyle/>
+                    <a:p>
+                      <a:pPr algn="ctr"/>
+                      <a:r>
+                        <a:rPr lang="zh-TW" altLang="en-US" b="0" dirty="0">
+                          <a:latin typeface="Times New Roman" panose="02020603050405020304" pitchFamily="18" charset="0"/>
+                          <a:ea typeface="標楷體" panose="03000509000000000000" pitchFamily="65" charset="-120"/>
+                          <a:cs typeface="Times New Roman" panose="02020603050405020304" pitchFamily="18" charset="0"/>
+                        </a:rPr>
+                        <a:t>使用設定好的座標框選</a:t>
+                      </a:r>
+                      <a:r>
+                        <a:rPr lang="en-US" altLang="zh-TW" b="0" dirty="0">
+                          <a:latin typeface="Times New Roman" panose="02020603050405020304" pitchFamily="18" charset="0"/>
+                          <a:ea typeface="標楷體" panose="03000509000000000000" pitchFamily="65" charset="-120"/>
+                          <a:cs typeface="Times New Roman" panose="02020603050405020304" pitchFamily="18" charset="0"/>
+                        </a:rPr>
+                        <a:t>ROI</a:t>
+                      </a:r>
+                      <a:r>
+                        <a:rPr lang="zh-TW" altLang="en-US" b="0" dirty="0">
+                          <a:latin typeface="Times New Roman" panose="02020603050405020304" pitchFamily="18" charset="0"/>
+                          <a:ea typeface="標楷體" panose="03000509000000000000" pitchFamily="65" charset="-120"/>
+                          <a:cs typeface="Times New Roman" panose="02020603050405020304" pitchFamily="18" charset="0"/>
+                        </a:rPr>
+                        <a:t>，並對影像作灰階及高斯濾波，後使用霍夫圓檢測辨識後，並標示在畫面上。</a:t>
+                      </a:r>
+                    </a:p>
+                  </a:txBody>
+                  <a:tcPr anchor="ctr"/>
+                </a:tc>
+                <a:extLst>
+                  <a:ext uri="{0D108BD9-81ED-4DB2-BD59-A6C34878D82A}">
+                    <a16:rowId xmlns:a16="http://schemas.microsoft.com/office/drawing/2014/main" val="1249205175"/>
+                  </a:ext>
+                </a:extLst>
+              </a:tr>
+            </a:tbl>
+          </a:graphicData>
+        </a:graphic>
+      </p:graphicFrame>
+      <p:sp>
+        <p:nvSpPr>
+          <p:cNvPr id="3" name="標題 2">
+            <a:extLst>
+              <a:ext uri="{FF2B5EF4-FFF2-40B4-BE49-F238E27FC236}">
+                <a16:creationId xmlns:a16="http://schemas.microsoft.com/office/drawing/2014/main" id="{6A7930DE-6901-442B-83B7-7F6681C80DC6}"/>
+              </a:ext>
+            </a:extLst>
+          </p:cNvPr>
+          <p:cNvSpPr>
+            <a:spLocks noGrp="1"/>
+          </p:cNvSpPr>
+          <p:nvPr>
+            <p:ph type="title"/>
+          </p:nvPr>
+        </p:nvSpPr>
+        <p:spPr/>
+        <p:txBody>
+          <a:bodyPr>
+            <a:normAutofit/>
+          </a:bodyPr>
+          <a:lstStyle/>
+          <a:p>
+            <a:r>
+              <a:rPr lang="en-US" altLang="zh-TW" dirty="0" err="1"/>
+              <a:t>Function:process_frame</a:t>
+            </a:r>
+            <a:endParaRPr lang="zh-TW" altLang="en-US" dirty="0"/>
+          </a:p>
+        </p:txBody>
+      </p:sp>
+    </p:spTree>
+    <p:extLst>
+      <p:ext uri="{BB962C8B-B14F-4D97-AF65-F5344CB8AC3E}">
+        <p14:creationId xmlns:p14="http://schemas.microsoft.com/office/powerpoint/2010/main" val="3548823149"/>
+      </p:ext>
+    </p:extLst>
+  </p:cSld>
+  <p:clrMapOvr>
+    <a:masterClrMapping/>
+  </p:clrMapOvr>
+</p:sld>
+</file>
+
+<file path=ppt/slides/slide8.xml><?xml version="1.0" encoding="utf-8"?>
+<p:sld xmlns:a="http://schemas.openxmlformats.org/drawingml/2006/main" xmlns:r="http://schemas.openxmlformats.org/officeDocument/2006/relationships" xmlns:p="http://schemas.openxmlformats.org/presentationml/2006/main">
+  <p:cSld>
+    <p:spTree>
+      <p:nvGrpSpPr>
+        <p:cNvPr id="1" name=""/>
+        <p:cNvGrpSpPr/>
+        <p:nvPr/>
+      </p:nvGrpSpPr>
+      <p:grpSpPr>
+        <a:xfrm>
+          <a:off x="0" y="0"/>
+          <a:ext cx="0" cy="0"/>
+          <a:chOff x="0" y="0"/>
+          <a:chExt cx="0" cy="0"/>
+        </a:xfrm>
+      </p:grpSpPr>
+      <p:graphicFrame>
+        <p:nvGraphicFramePr>
+          <p:cNvPr id="7" name="內容版面配置區 6">
+            <a:extLst>
+              <a:ext uri="{FF2B5EF4-FFF2-40B4-BE49-F238E27FC236}">
+                <a16:creationId xmlns:a16="http://schemas.microsoft.com/office/drawing/2014/main" id="{196695FC-8643-4BCA-B463-BD8E56079EE6}"/>
+              </a:ext>
+            </a:extLst>
+          </p:cNvPr>
+          <p:cNvGraphicFramePr>
+            <a:graphicFrameLocks noGrp="1"/>
+          </p:cNvGraphicFramePr>
+          <p:nvPr>
+            <p:ph idx="1"/>
+            <p:extLst>
+              <p:ext uri="{D42A27DB-BD31-4B8C-83A1-F6EECF244321}">
+                <p14:modId xmlns:p14="http://schemas.microsoft.com/office/powerpoint/2010/main" val="3535800783"/>
+              </p:ext>
+            </p:extLst>
+          </p:nvPr>
+        </p:nvGraphicFramePr>
+        <p:xfrm>
+          <a:off x="838200" y="1201738"/>
+          <a:ext cx="10515600" cy="5007676"/>
+        </p:xfrm>
+        <a:graphic>
+          <a:graphicData uri="http://schemas.openxmlformats.org/drawingml/2006/table">
+            <a:tbl>
+              <a:tblPr firstRow="1" bandRow="1">
+                <a:tableStyleId>{69CF1AB2-1976-4502-BF36-3FF5EA218861}</a:tableStyleId>
+              </a:tblPr>
+              <a:tblGrid>
+                <a:gridCol w="2946991">
+                  <a:extLst>
+                    <a:ext uri="{9D8B030D-6E8A-4147-A177-3AD203B41FA5}">
+                      <a16:colId xmlns:a16="http://schemas.microsoft.com/office/drawing/2014/main" val="1525235260"/>
+                    </a:ext>
+                  </a:extLst>
+                </a:gridCol>
+                <a:gridCol w="7568609">
+                  <a:extLst>
+                    <a:ext uri="{9D8B030D-6E8A-4147-A177-3AD203B41FA5}">
+                      <a16:colId xmlns:a16="http://schemas.microsoft.com/office/drawing/2014/main" val="3150341969"/>
+                    </a:ext>
+                  </a:extLst>
+                </a:gridCol>
+              </a:tblGrid>
+              <a:tr h="1251919">
+                <a:tc>
+                  <a:txBody>
+                    <a:bodyPr/>
+                    <a:lstStyle/>
+                    <a:p>
+                      <a:pPr algn="ctr"/>
+                      <a:r>
+                        <a:rPr lang="en-US" altLang="zh-TW" dirty="0">
+                          <a:latin typeface="Times New Roman" panose="02020603050405020304" pitchFamily="18" charset="0"/>
+                          <a:ea typeface="標楷體" panose="03000509000000000000" pitchFamily="65" charset="-120"/>
+                          <a:cs typeface="Times New Roman" panose="02020603050405020304" pitchFamily="18" charset="0"/>
+                        </a:rPr>
+                        <a:t>Input</a:t>
+                      </a:r>
+                      <a:endParaRPr lang="zh-TW" altLang="en-US" dirty="0">
+                        <a:latin typeface="Times New Roman" panose="02020603050405020304" pitchFamily="18" charset="0"/>
+                        <a:ea typeface="標楷體" panose="03000509000000000000" pitchFamily="65" charset="-120"/>
+                        <a:cs typeface="Times New Roman" panose="02020603050405020304" pitchFamily="18" charset="0"/>
+                      </a:endParaRPr>
+                    </a:p>
+                  </a:txBody>
+                  <a:tcPr anchor="ctr"/>
+                </a:tc>
+                <a:tc>
+                  <a:txBody>
+                    <a:bodyPr/>
+                    <a:lstStyle/>
+                    <a:p>
+                      <a:pPr algn="ctr"/>
+                      <a:r>
+                        <a:rPr lang="en-US" altLang="zh-TW" b="0" dirty="0">
+                          <a:latin typeface="Times New Roman" panose="02020603050405020304" pitchFamily="18" charset="0"/>
+                          <a:ea typeface="標楷體" panose="03000509000000000000" pitchFamily="65" charset="-120"/>
+                          <a:cs typeface="Times New Roman" panose="02020603050405020304" pitchFamily="18" charset="0"/>
+                        </a:rPr>
+                        <a:t>None</a:t>
+                      </a:r>
+                      <a:endParaRPr lang="zh-TW" altLang="en-US" b="0" dirty="0">
+                        <a:latin typeface="Times New Roman" panose="02020603050405020304" pitchFamily="18" charset="0"/>
+                        <a:ea typeface="標楷體" panose="03000509000000000000" pitchFamily="65" charset="-120"/>
+                        <a:cs typeface="Times New Roman" panose="02020603050405020304" pitchFamily="18" charset="0"/>
+                      </a:endParaRPr>
+                    </a:p>
+                  </a:txBody>
+                  <a:tcPr anchor="ctr"/>
+                </a:tc>
+                <a:extLst>
+                  <a:ext uri="{0D108BD9-81ED-4DB2-BD59-A6C34878D82A}">
+                    <a16:rowId xmlns:a16="http://schemas.microsoft.com/office/drawing/2014/main" val="1796280440"/>
+                  </a:ext>
+                </a:extLst>
+              </a:tr>
+              <a:tr h="1251919">
+                <a:tc>
+                  <a:txBody>
+                    <a:bodyPr/>
+                    <a:lstStyle/>
+                    <a:p>
+                      <a:pPr marL="0" marR="0" lvl="0" indent="0" algn="ctr" defTabSz="914400" rtl="0" eaLnBrk="1" fontAlgn="auto" latinLnBrk="0" hangingPunct="1">
+                        <a:lnSpc>
+                          <a:spcPct val="100000"/>
+                        </a:lnSpc>
+                        <a:spcBef>
+                          <a:spcPts val="0"/>
+                        </a:spcBef>
+                        <a:spcAft>
+                          <a:spcPts val="0"/>
+                        </a:spcAft>
+                        <a:buClrTx/>
+                        <a:buSzTx/>
+                        <a:buFontTx/>
+                        <a:buNone/>
+                        <a:tabLst/>
+                        <a:defRPr/>
+                      </a:pPr>
+                      <a:r>
+                        <a:rPr lang="en-US" altLang="zh-TW" dirty="0">
+                          <a:latin typeface="Times New Roman" panose="02020603050405020304" pitchFamily="18" charset="0"/>
+                          <a:ea typeface="標楷體" panose="03000509000000000000" pitchFamily="65" charset="-120"/>
+                          <a:cs typeface="Times New Roman" panose="02020603050405020304" pitchFamily="18" charset="0"/>
+                        </a:rPr>
+                        <a:t>Output</a:t>
+                      </a:r>
+                      <a:endParaRPr lang="zh-TW" altLang="en-US" dirty="0">
+                        <a:latin typeface="Times New Roman" panose="02020603050405020304" pitchFamily="18" charset="0"/>
+                        <a:ea typeface="標楷體" panose="03000509000000000000" pitchFamily="65" charset="-120"/>
+                        <a:cs typeface="Times New Roman" panose="02020603050405020304" pitchFamily="18" charset="0"/>
+                      </a:endParaRPr>
+                    </a:p>
+                    <a:p>
+                      <a:pPr algn="ctr"/>
+                      <a:endParaRPr lang="zh-TW" altLang="en-US" dirty="0">
+                        <a:latin typeface="Times New Roman" panose="02020603050405020304" pitchFamily="18" charset="0"/>
+                        <a:ea typeface="標楷體" panose="03000509000000000000" pitchFamily="65" charset="-120"/>
+                        <a:cs typeface="Times New Roman" panose="02020603050405020304" pitchFamily="18" charset="0"/>
+                      </a:endParaRPr>
+                    </a:p>
+                  </a:txBody>
+                  <a:tcPr anchor="ctr"/>
+                </a:tc>
+                <a:tc>
+                  <a:txBody>
+                    <a:bodyPr/>
+                    <a:lstStyle/>
+                    <a:p>
+                      <a:pPr algn="ctr"/>
+                      <a:r>
+                        <a:rPr lang="en-US" altLang="zh-TW" b="0" dirty="0">
+                          <a:latin typeface="Times New Roman" panose="02020603050405020304" pitchFamily="18" charset="0"/>
+                          <a:ea typeface="標楷體" panose="03000509000000000000" pitchFamily="65" charset="-120"/>
+                          <a:cs typeface="Times New Roman" panose="02020603050405020304" pitchFamily="18" charset="0"/>
+                        </a:rPr>
+                        <a:t>None</a:t>
+                      </a:r>
+                      <a:endParaRPr lang="zh-TW" altLang="en-US" b="0" dirty="0">
+                        <a:latin typeface="Times New Roman" panose="02020603050405020304" pitchFamily="18" charset="0"/>
+                        <a:ea typeface="標楷體" panose="03000509000000000000" pitchFamily="65" charset="-120"/>
+                        <a:cs typeface="Times New Roman" panose="02020603050405020304" pitchFamily="18" charset="0"/>
+                      </a:endParaRPr>
+                    </a:p>
+                  </a:txBody>
+                  <a:tcPr anchor="ctr"/>
+                </a:tc>
+                <a:extLst>
+                  <a:ext uri="{0D108BD9-81ED-4DB2-BD59-A6C34878D82A}">
+                    <a16:rowId xmlns:a16="http://schemas.microsoft.com/office/drawing/2014/main" val="1237557617"/>
+                  </a:ext>
+                </a:extLst>
+              </a:tr>
+              <a:tr h="1251919">
+                <a:tc>
+                  <a:txBody>
+                    <a:bodyPr/>
+                    <a:lstStyle/>
+                    <a:p>
+                      <a:pPr algn="ctr"/>
+                      <a:r>
+                        <a:rPr lang="en-US" altLang="zh-TW" dirty="0">
+                          <a:latin typeface="Times New Roman" panose="02020603050405020304" pitchFamily="18" charset="0"/>
+                          <a:ea typeface="標楷體" panose="03000509000000000000" pitchFamily="65" charset="-120"/>
+                          <a:cs typeface="Times New Roman" panose="02020603050405020304" pitchFamily="18" charset="0"/>
+                        </a:rPr>
+                        <a:t>Description</a:t>
+                      </a:r>
+                      <a:endParaRPr lang="zh-TW" altLang="en-US" dirty="0">
+                        <a:latin typeface="Times New Roman" panose="02020603050405020304" pitchFamily="18" charset="0"/>
+                        <a:ea typeface="標楷體" panose="03000509000000000000" pitchFamily="65" charset="-120"/>
+                        <a:cs typeface="Times New Roman" panose="02020603050405020304" pitchFamily="18" charset="0"/>
+                      </a:endParaRPr>
+                    </a:p>
+                  </a:txBody>
+                  <a:tcPr anchor="ctr"/>
+                </a:tc>
+                <a:tc>
+                  <a:txBody>
+                    <a:bodyPr/>
+                    <a:lstStyle/>
+                    <a:p>
+                      <a:pPr algn="ctr"/>
+                      <a:r>
+                        <a:rPr lang="zh-TW" altLang="en-US" b="0" dirty="0">
+                          <a:latin typeface="Times New Roman" panose="02020603050405020304" pitchFamily="18" charset="0"/>
+                          <a:ea typeface="標楷體" panose="03000509000000000000" pitchFamily="65" charset="-120"/>
+                          <a:cs typeface="Times New Roman" panose="02020603050405020304" pitchFamily="18" charset="0"/>
+                        </a:rPr>
+                        <a:t>讀取影像並顯示結果</a:t>
+                      </a:r>
+                    </a:p>
+                  </a:txBody>
+                  <a:tcPr anchor="ctr"/>
+                </a:tc>
+                <a:extLst>
+                  <a:ext uri="{0D108BD9-81ED-4DB2-BD59-A6C34878D82A}">
+                    <a16:rowId xmlns:a16="http://schemas.microsoft.com/office/drawing/2014/main" val="2724953223"/>
+                  </a:ext>
+                </a:extLst>
+              </a:tr>
+              <a:tr h="1251919">
+                <a:tc>
+                  <a:txBody>
+                    <a:bodyPr/>
+                    <a:lstStyle/>
+                    <a:p>
+                      <a:pPr algn="ctr"/>
+                      <a:r>
+                        <a:rPr lang="en-US" altLang="zh-TW" dirty="0">
+                          <a:latin typeface="Times New Roman" panose="02020603050405020304" pitchFamily="18" charset="0"/>
+                          <a:ea typeface="標楷體" panose="03000509000000000000" pitchFamily="65" charset="-120"/>
+                          <a:cs typeface="Times New Roman" panose="02020603050405020304" pitchFamily="18" charset="0"/>
+                        </a:rPr>
+                        <a:t>Method</a:t>
+                      </a:r>
+                      <a:endParaRPr lang="zh-TW" altLang="en-US" dirty="0">
+                        <a:latin typeface="Times New Roman" panose="02020603050405020304" pitchFamily="18" charset="0"/>
+                        <a:ea typeface="標楷體" panose="03000509000000000000" pitchFamily="65" charset="-120"/>
+                        <a:cs typeface="Times New Roman" panose="02020603050405020304" pitchFamily="18" charset="0"/>
+                      </a:endParaRPr>
+                    </a:p>
+                  </a:txBody>
+                  <a:tcPr anchor="ctr"/>
+                </a:tc>
+                <a:tc>
+                  <a:txBody>
+                    <a:bodyPr/>
+                    <a:lstStyle/>
+                    <a:p>
+                      <a:pPr algn="ctr"/>
+                      <a:endParaRPr lang="zh-TW" altLang="en-US" b="0" dirty="0">
+                        <a:latin typeface="Times New Roman" panose="02020603050405020304" pitchFamily="18" charset="0"/>
+                        <a:ea typeface="標楷體" panose="03000509000000000000" pitchFamily="65" charset="-120"/>
+                        <a:cs typeface="Times New Roman" panose="02020603050405020304" pitchFamily="18" charset="0"/>
+                      </a:endParaRPr>
+                    </a:p>
+                  </a:txBody>
+                  <a:tcPr anchor="ctr"/>
+                </a:tc>
+                <a:extLst>
+                  <a:ext uri="{0D108BD9-81ED-4DB2-BD59-A6C34878D82A}">
+                    <a16:rowId xmlns:a16="http://schemas.microsoft.com/office/drawing/2014/main" val="1249205175"/>
+                  </a:ext>
+                </a:extLst>
+              </a:tr>
+            </a:tbl>
+          </a:graphicData>
+        </a:graphic>
+      </p:graphicFrame>
+      <p:sp>
+        <p:nvSpPr>
+          <p:cNvPr id="3" name="標題 2">
+            <a:extLst>
+              <a:ext uri="{FF2B5EF4-FFF2-40B4-BE49-F238E27FC236}">
+                <a16:creationId xmlns:a16="http://schemas.microsoft.com/office/drawing/2014/main" id="{6A7930DE-6901-442B-83B7-7F6681C80DC6}"/>
+              </a:ext>
+            </a:extLst>
+          </p:cNvPr>
+          <p:cNvSpPr>
+            <a:spLocks noGrp="1"/>
+          </p:cNvSpPr>
+          <p:nvPr>
+            <p:ph type="title"/>
+          </p:nvPr>
+        </p:nvSpPr>
+        <p:spPr/>
+        <p:txBody>
+          <a:bodyPr>
+            <a:normAutofit/>
+          </a:bodyPr>
+          <a:lstStyle/>
+          <a:p>
+            <a:r>
+              <a:rPr lang="en-US" altLang="zh-TW" dirty="0" err="1"/>
+              <a:t>Function:process_video</a:t>
+            </a:r>
+            <a:endParaRPr lang="zh-TW" altLang="en-US" dirty="0"/>
+          </a:p>
+        </p:txBody>
+      </p:sp>
+    </p:spTree>
+    <p:extLst>
+      <p:ext uri="{BB962C8B-B14F-4D97-AF65-F5344CB8AC3E}">
+        <p14:creationId xmlns:p14="http://schemas.microsoft.com/office/powerpoint/2010/main" val="2824849072"/>
+      </p:ext>
+    </p:extLst>
+  </p:cSld>
+  <p:clrMapOvr>
+    <a:masterClrMapping/>
+  </p:clrMapOvr>
+</p:sld>
+</file>
+
+<file path=ppt/slides/slide9.xml><?xml version="1.0" encoding="utf-8"?>
+<p:sld xmlns:a="http://schemas.openxmlformats.org/drawingml/2006/main" xmlns:r="http://schemas.openxmlformats.org/officeDocument/2006/relationships" xmlns:p="http://schemas.openxmlformats.org/presentationml/2006/main">
+  <p:cSld>
+    <p:spTree>
+      <p:nvGrpSpPr>
+        <p:cNvPr id="1" name="">
+          <a:extLst>
+            <a:ext uri="{FF2B5EF4-FFF2-40B4-BE49-F238E27FC236}">
+              <a16:creationId xmlns:a16="http://schemas.microsoft.com/office/drawing/2014/main" id="{88857372-3048-1677-A6FF-D4886F500597}"/>
+            </a:ext>
+          </a:extLst>
+        </p:cNvPr>
+        <p:cNvGrpSpPr/>
+        <p:nvPr/>
+      </p:nvGrpSpPr>
+      <p:grpSpPr>
+        <a:xfrm>
+          <a:off x="0" y="0"/>
+          <a:ext cx="0" cy="0"/>
+          <a:chOff x="0" y="0"/>
+          <a:chExt cx="0" cy="0"/>
+        </a:xfrm>
+      </p:grpSpPr>
+      <p:graphicFrame>
+        <p:nvGraphicFramePr>
+          <p:cNvPr id="7" name="內容版面配置區 6">
+            <a:extLst>
+              <a:ext uri="{FF2B5EF4-FFF2-40B4-BE49-F238E27FC236}">
+                <a16:creationId xmlns:a16="http://schemas.microsoft.com/office/drawing/2014/main" id="{55426EDC-352D-7049-07D1-5D20455D1EC2}"/>
+              </a:ext>
+            </a:extLst>
+          </p:cNvPr>
+          <p:cNvGraphicFramePr>
+            <a:graphicFrameLocks noGrp="1"/>
+          </p:cNvGraphicFramePr>
+          <p:nvPr>
+            <p:ph idx="1"/>
+            <p:extLst>
+              <p:ext uri="{D42A27DB-BD31-4B8C-83A1-F6EECF244321}">
+                <p14:modId xmlns:p14="http://schemas.microsoft.com/office/powerpoint/2010/main" val="1946277104"/>
+              </p:ext>
+            </p:extLst>
+          </p:nvPr>
+        </p:nvGraphicFramePr>
+        <p:xfrm>
+          <a:off x="838200" y="1201738"/>
+          <a:ext cx="10515600" cy="5007676"/>
+        </p:xfrm>
+        <a:graphic>
+          <a:graphicData uri="http://schemas.openxmlformats.org/drawingml/2006/table">
+            <a:tbl>
+              <a:tblPr firstRow="1" bandRow="1">
+                <a:tableStyleId>{69CF1AB2-1976-4502-BF36-3FF5EA218861}</a:tableStyleId>
+              </a:tblPr>
+              <a:tblGrid>
+                <a:gridCol w="2946991">
+                  <a:extLst>
+                    <a:ext uri="{9D8B030D-6E8A-4147-A177-3AD203B41FA5}">
+                      <a16:colId xmlns:a16="http://schemas.microsoft.com/office/drawing/2014/main" val="1525235260"/>
+                    </a:ext>
+                  </a:extLst>
+                </a:gridCol>
+                <a:gridCol w="7568609">
+                  <a:extLst>
+                    <a:ext uri="{9D8B030D-6E8A-4147-A177-3AD203B41FA5}">
+                      <a16:colId xmlns:a16="http://schemas.microsoft.com/office/drawing/2014/main" val="3150341969"/>
+                    </a:ext>
+                  </a:extLst>
+                </a:gridCol>
+              </a:tblGrid>
+              <a:tr h="1251919">
+                <a:tc>
+                  <a:txBody>
+                    <a:bodyPr/>
+                    <a:lstStyle/>
+                    <a:p>
+                      <a:pPr algn="ctr"/>
+                      <a:r>
+                        <a:rPr lang="en-US" altLang="zh-TW" dirty="0">
+                          <a:latin typeface="Times New Roman" panose="02020603050405020304" pitchFamily="18" charset="0"/>
+                          <a:ea typeface="標楷體" panose="03000509000000000000" pitchFamily="65" charset="-120"/>
+                          <a:cs typeface="Times New Roman" panose="02020603050405020304" pitchFamily="18" charset="0"/>
+                        </a:rPr>
+                        <a:t>Input</a:t>
+                      </a:r>
+                      <a:endParaRPr lang="zh-TW" altLang="en-US" dirty="0">
+                        <a:latin typeface="Times New Roman" panose="02020603050405020304" pitchFamily="18" charset="0"/>
+                        <a:ea typeface="標楷體" panose="03000509000000000000" pitchFamily="65" charset="-120"/>
+                        <a:cs typeface="Times New Roman" panose="02020603050405020304" pitchFamily="18" charset="0"/>
+                      </a:endParaRPr>
+                    </a:p>
+                  </a:txBody>
+                  <a:tcPr anchor="ctr"/>
+                </a:tc>
+                <a:tc>
+                  <a:txBody>
+                    <a:bodyPr/>
+                    <a:lstStyle/>
+                    <a:p>
+                      <a:pPr algn="ctr"/>
+                      <a:r>
+                        <a:rPr lang="zh-TW" altLang="en-US" b="0" dirty="0">
+                          <a:latin typeface="Times New Roman" panose="02020603050405020304" pitchFamily="18" charset="0"/>
+                          <a:ea typeface="標楷體" panose="03000509000000000000" pitchFamily="65" charset="-120"/>
+                          <a:cs typeface="Times New Roman" panose="02020603050405020304" pitchFamily="18" charset="0"/>
+                        </a:rPr>
+                        <a:t>偵測點的 </a:t>
+                      </a:r>
+                      <a:r>
+                        <a:rPr lang="en-US" altLang="zh-TW" b="0" dirty="0">
+                          <a:latin typeface="Times New Roman" panose="02020603050405020304" pitchFamily="18" charset="0"/>
+                          <a:ea typeface="標楷體" panose="03000509000000000000" pitchFamily="65" charset="-120"/>
+                          <a:cs typeface="Times New Roman" panose="02020603050405020304" pitchFamily="18" charset="0"/>
+                        </a:rPr>
+                        <a:t>x </a:t>
+                      </a:r>
+                      <a:r>
+                        <a:rPr lang="zh-TW" altLang="en-US" b="0" dirty="0">
+                          <a:latin typeface="Times New Roman" panose="02020603050405020304" pitchFamily="18" charset="0"/>
+                          <a:ea typeface="標楷體" panose="03000509000000000000" pitchFamily="65" charset="-120"/>
+                          <a:cs typeface="Times New Roman" panose="02020603050405020304" pitchFamily="18" charset="0"/>
+                        </a:rPr>
+                        <a:t>和 </a:t>
+                      </a:r>
+                      <a:r>
+                        <a:rPr lang="en-US" altLang="zh-TW" b="0" dirty="0">
+                          <a:latin typeface="Times New Roman" panose="02020603050405020304" pitchFamily="18" charset="0"/>
+                          <a:ea typeface="標楷體" panose="03000509000000000000" pitchFamily="65" charset="-120"/>
+                          <a:cs typeface="Times New Roman" panose="02020603050405020304" pitchFamily="18" charset="0"/>
+                        </a:rPr>
+                        <a:t>y </a:t>
+                      </a:r>
+                      <a:r>
+                        <a:rPr lang="zh-TW" altLang="en-US" b="0" dirty="0">
+                          <a:latin typeface="Times New Roman" panose="02020603050405020304" pitchFamily="18" charset="0"/>
+                          <a:ea typeface="標楷體" panose="03000509000000000000" pitchFamily="65" charset="-120"/>
+                          <a:cs typeface="Times New Roman" panose="02020603050405020304" pitchFamily="18" charset="0"/>
+                        </a:rPr>
+                        <a:t>座標，以及 </a:t>
+                      </a:r>
+                      <a:r>
+                        <a:rPr lang="en-US" altLang="zh-TW" b="0" dirty="0">
+                          <a:latin typeface="Times New Roman" panose="02020603050405020304" pitchFamily="18" charset="0"/>
+                          <a:ea typeface="標楷體" panose="03000509000000000000" pitchFamily="65" charset="-120"/>
+                          <a:cs typeface="Times New Roman" panose="02020603050405020304" pitchFamily="18" charset="0"/>
+                        </a:rPr>
+                        <a:t>FOE </a:t>
+                      </a:r>
+                      <a:r>
+                        <a:rPr lang="zh-TW" altLang="en-US" b="0" dirty="0">
+                          <a:latin typeface="Times New Roman" panose="02020603050405020304" pitchFamily="18" charset="0"/>
+                          <a:ea typeface="標楷體" panose="03000509000000000000" pitchFamily="65" charset="-120"/>
+                          <a:cs typeface="Times New Roman" panose="02020603050405020304" pitchFamily="18" charset="0"/>
+                        </a:rPr>
+                        <a:t>的 </a:t>
+                      </a:r>
+                      <a:r>
+                        <a:rPr lang="en-US" altLang="zh-TW" b="0" dirty="0">
+                          <a:latin typeface="Times New Roman" panose="02020603050405020304" pitchFamily="18" charset="0"/>
+                          <a:ea typeface="標楷體" panose="03000509000000000000" pitchFamily="65" charset="-120"/>
+                          <a:cs typeface="Times New Roman" panose="02020603050405020304" pitchFamily="18" charset="0"/>
+                        </a:rPr>
+                        <a:t>x </a:t>
+                      </a:r>
+                      <a:r>
+                        <a:rPr lang="zh-TW" altLang="en-US" b="0" dirty="0">
+                          <a:latin typeface="Times New Roman" panose="02020603050405020304" pitchFamily="18" charset="0"/>
+                          <a:ea typeface="標楷體" panose="03000509000000000000" pitchFamily="65" charset="-120"/>
+                          <a:cs typeface="Times New Roman" panose="02020603050405020304" pitchFamily="18" charset="0"/>
+                        </a:rPr>
+                        <a:t>和 </a:t>
+                      </a:r>
+                      <a:r>
+                        <a:rPr lang="en-US" altLang="zh-TW" b="0" dirty="0">
+                          <a:latin typeface="Times New Roman" panose="02020603050405020304" pitchFamily="18" charset="0"/>
+                          <a:ea typeface="標楷體" panose="03000509000000000000" pitchFamily="65" charset="-120"/>
+                          <a:cs typeface="Times New Roman" panose="02020603050405020304" pitchFamily="18" charset="0"/>
+                        </a:rPr>
+                        <a:t>y </a:t>
+                      </a:r>
+                      <a:r>
+                        <a:rPr lang="zh-TW" altLang="en-US" b="0" dirty="0">
+                          <a:latin typeface="Times New Roman" panose="02020603050405020304" pitchFamily="18" charset="0"/>
+                          <a:ea typeface="標楷體" panose="03000509000000000000" pitchFamily="65" charset="-120"/>
+                          <a:cs typeface="Times New Roman" panose="02020603050405020304" pitchFamily="18" charset="0"/>
+                        </a:rPr>
+                        <a:t>座標（</a:t>
+                      </a:r>
+                      <a:r>
+                        <a:rPr lang="en-US" altLang="zh-TW" b="0" dirty="0">
+                          <a:latin typeface="Times New Roman" panose="02020603050405020304" pitchFamily="18" charset="0"/>
+                          <a:ea typeface="標楷體" panose="03000509000000000000" pitchFamily="65" charset="-120"/>
+                          <a:cs typeface="Times New Roman" panose="02020603050405020304" pitchFamily="18" charset="0"/>
+                        </a:rPr>
+                        <a:t>float </a:t>
+                      </a:r>
+                      <a:r>
+                        <a:rPr lang="zh-TW" altLang="en-US" b="0" dirty="0">
+                          <a:latin typeface="Times New Roman" panose="02020603050405020304" pitchFamily="18" charset="0"/>
+                          <a:ea typeface="標楷體" panose="03000509000000000000" pitchFamily="65" charset="-120"/>
+                          <a:cs typeface="Times New Roman" panose="02020603050405020304" pitchFamily="18" charset="0"/>
+                        </a:rPr>
+                        <a:t>型別）</a:t>
+                      </a:r>
+                    </a:p>
+                  </a:txBody>
+                  <a:tcPr anchor="ctr"/>
+                </a:tc>
+                <a:extLst>
+                  <a:ext uri="{0D108BD9-81ED-4DB2-BD59-A6C34878D82A}">
+                    <a16:rowId xmlns:a16="http://schemas.microsoft.com/office/drawing/2014/main" val="1796280440"/>
+                  </a:ext>
+                </a:extLst>
+              </a:tr>
+              <a:tr h="1251919">
+                <a:tc>
+                  <a:txBody>
+                    <a:bodyPr/>
+                    <a:lstStyle/>
+                    <a:p>
+                      <a:pPr marL="0" marR="0" lvl="0" indent="0" algn="ctr" defTabSz="914400" rtl="0" eaLnBrk="1" fontAlgn="auto" latinLnBrk="0" hangingPunct="1">
+                        <a:lnSpc>
+                          <a:spcPct val="100000"/>
+                        </a:lnSpc>
+                        <a:spcBef>
+                          <a:spcPts val="0"/>
+                        </a:spcBef>
+                        <a:spcAft>
+                          <a:spcPts val="0"/>
+                        </a:spcAft>
+                        <a:buClrTx/>
+                        <a:buSzTx/>
+                        <a:buFontTx/>
+                        <a:buNone/>
+                        <a:tabLst/>
+                        <a:defRPr/>
+                      </a:pPr>
+                      <a:r>
+                        <a:rPr lang="en-US" altLang="zh-TW" dirty="0">
+                          <a:latin typeface="Times New Roman" panose="02020603050405020304" pitchFamily="18" charset="0"/>
+                          <a:ea typeface="標楷體" panose="03000509000000000000" pitchFamily="65" charset="-120"/>
+                          <a:cs typeface="Times New Roman" panose="02020603050405020304" pitchFamily="18" charset="0"/>
+                        </a:rPr>
+                        <a:t>Output</a:t>
+                      </a:r>
+                      <a:endParaRPr lang="zh-TW" altLang="en-US" dirty="0">
+                        <a:latin typeface="Times New Roman" panose="02020603050405020304" pitchFamily="18" charset="0"/>
+                        <a:ea typeface="標楷體" panose="03000509000000000000" pitchFamily="65" charset="-120"/>
+                        <a:cs typeface="Times New Roman" panose="02020603050405020304" pitchFamily="18" charset="0"/>
+                      </a:endParaRPr>
+                    </a:p>
+                    <a:p>
+                      <a:pPr algn="ctr"/>
+                      <a:endParaRPr lang="zh-TW" altLang="en-US" dirty="0">
+                        <a:latin typeface="Times New Roman" panose="02020603050405020304" pitchFamily="18" charset="0"/>
+                        <a:ea typeface="標楷體" panose="03000509000000000000" pitchFamily="65" charset="-120"/>
+                        <a:cs typeface="Times New Roman" panose="02020603050405020304" pitchFamily="18" charset="0"/>
+                      </a:endParaRPr>
+                    </a:p>
+                  </a:txBody>
+                  <a:tcPr anchor="ctr"/>
+                </a:tc>
+                <a:tc>
+                  <a:txBody>
+                    <a:bodyPr/>
+                    <a:lstStyle/>
+                    <a:p>
+                      <a:pPr algn="ctr"/>
+                      <a:r>
+                        <a:rPr lang="zh-TW" altLang="en-US" b="0" dirty="0">
+                          <a:latin typeface="Times New Roman" panose="02020603050405020304" pitchFamily="18" charset="0"/>
+                          <a:ea typeface="標楷體" panose="03000509000000000000" pitchFamily="65" charset="-120"/>
+                          <a:cs typeface="Times New Roman" panose="02020603050405020304" pitchFamily="18" charset="0"/>
+                        </a:rPr>
+                        <a:t>返回該點與 </a:t>
+                      </a:r>
+                      <a:r>
+                        <a:rPr lang="en-US" altLang="zh-TW" b="0" dirty="0">
+                          <a:latin typeface="Times New Roman" panose="02020603050405020304" pitchFamily="18" charset="0"/>
+                          <a:ea typeface="標楷體" panose="03000509000000000000" pitchFamily="65" charset="-120"/>
+                          <a:cs typeface="Times New Roman" panose="02020603050405020304" pitchFamily="18" charset="0"/>
+                        </a:rPr>
+                        <a:t>FOE </a:t>
+                      </a:r>
+                      <a:r>
+                        <a:rPr lang="zh-TW" altLang="en-US" b="0" dirty="0">
+                          <a:latin typeface="Times New Roman" panose="02020603050405020304" pitchFamily="18" charset="0"/>
+                          <a:ea typeface="標楷體" panose="03000509000000000000" pitchFamily="65" charset="-120"/>
+                          <a:cs typeface="Times New Roman" panose="02020603050405020304" pitchFamily="18" charset="0"/>
+                        </a:rPr>
+                        <a:t>的歐幾里得距離（</a:t>
+                      </a:r>
+                      <a:r>
+                        <a:rPr lang="en-US" altLang="zh-TW" b="0" dirty="0">
+                          <a:latin typeface="Times New Roman" panose="02020603050405020304" pitchFamily="18" charset="0"/>
+                          <a:ea typeface="標楷體" panose="03000509000000000000" pitchFamily="65" charset="-120"/>
+                          <a:cs typeface="Times New Roman" panose="02020603050405020304" pitchFamily="18" charset="0"/>
+                        </a:rPr>
+                        <a:t>float </a:t>
+                      </a:r>
+                      <a:r>
+                        <a:rPr lang="zh-TW" altLang="en-US" b="0" dirty="0">
+                          <a:latin typeface="Times New Roman" panose="02020603050405020304" pitchFamily="18" charset="0"/>
+                          <a:ea typeface="標楷體" panose="03000509000000000000" pitchFamily="65" charset="-120"/>
+                          <a:cs typeface="Times New Roman" panose="02020603050405020304" pitchFamily="18" charset="0"/>
+                        </a:rPr>
+                        <a:t>型別）</a:t>
+                      </a:r>
+                    </a:p>
+                  </a:txBody>
+                  <a:tcPr anchor="ctr"/>
+                </a:tc>
+                <a:extLst>
+                  <a:ext uri="{0D108BD9-81ED-4DB2-BD59-A6C34878D82A}">
+                    <a16:rowId xmlns:a16="http://schemas.microsoft.com/office/drawing/2014/main" val="1237557617"/>
+                  </a:ext>
+                </a:extLst>
+              </a:tr>
+              <a:tr h="1251919">
+                <a:tc>
+                  <a:txBody>
+                    <a:bodyPr/>
+                    <a:lstStyle/>
+                    <a:p>
+                      <a:pPr algn="ctr"/>
+                      <a:r>
+                        <a:rPr lang="en-US" altLang="zh-TW" dirty="0">
+                          <a:latin typeface="Times New Roman" panose="02020603050405020304" pitchFamily="18" charset="0"/>
+                          <a:ea typeface="標楷體" panose="03000509000000000000" pitchFamily="65" charset="-120"/>
+                          <a:cs typeface="Times New Roman" panose="02020603050405020304" pitchFamily="18" charset="0"/>
+                        </a:rPr>
+                        <a:t>Description</a:t>
+                      </a:r>
+                      <a:endParaRPr lang="zh-TW" altLang="en-US" dirty="0">
+                        <a:latin typeface="Times New Roman" panose="02020603050405020304" pitchFamily="18" charset="0"/>
+                        <a:ea typeface="標楷體" panose="03000509000000000000" pitchFamily="65" charset="-120"/>
+                        <a:cs typeface="Times New Roman" panose="02020603050405020304" pitchFamily="18" charset="0"/>
+                      </a:endParaRPr>
+                    </a:p>
+                  </a:txBody>
+                  <a:tcPr anchor="ctr"/>
+                </a:tc>
+                <a:tc>
+                  <a:txBody>
+                    <a:bodyPr/>
+                    <a:lstStyle/>
+                    <a:p>
+                      <a:pPr algn="ctr"/>
+                      <a:r>
+                        <a:rPr lang="zh-TW" altLang="en-US" b="0" dirty="0">
+                          <a:latin typeface="Times New Roman" panose="02020603050405020304" pitchFamily="18" charset="0"/>
+                          <a:ea typeface="標楷體" panose="03000509000000000000" pitchFamily="65" charset="-120"/>
+                          <a:cs typeface="Times New Roman" panose="02020603050405020304" pitchFamily="18" charset="0"/>
+                        </a:rPr>
+                        <a:t>計算特定點與 </a:t>
+                      </a:r>
+                      <a:r>
+                        <a:rPr lang="en-US" altLang="zh-TW" b="0" dirty="0">
+                          <a:latin typeface="Times New Roman" panose="02020603050405020304" pitchFamily="18" charset="0"/>
+                          <a:ea typeface="標楷體" panose="03000509000000000000" pitchFamily="65" charset="-120"/>
+                          <a:cs typeface="Times New Roman" panose="02020603050405020304" pitchFamily="18" charset="0"/>
+                        </a:rPr>
+                        <a:t>FOE </a:t>
+                      </a:r>
+                      <a:r>
+                        <a:rPr lang="zh-TW" altLang="en-US" b="0" dirty="0">
+                          <a:latin typeface="Times New Roman" panose="02020603050405020304" pitchFamily="18" charset="0"/>
+                          <a:ea typeface="標楷體" panose="03000509000000000000" pitchFamily="65" charset="-120"/>
+                          <a:cs typeface="Times New Roman" panose="02020603050405020304" pitchFamily="18" charset="0"/>
+                        </a:rPr>
+                        <a:t>的距離</a:t>
+                      </a:r>
+                    </a:p>
+                  </a:txBody>
+                  <a:tcPr anchor="ctr"/>
+                </a:tc>
+                <a:extLst>
+                  <a:ext uri="{0D108BD9-81ED-4DB2-BD59-A6C34878D82A}">
+                    <a16:rowId xmlns:a16="http://schemas.microsoft.com/office/drawing/2014/main" val="2724953223"/>
+                  </a:ext>
+                </a:extLst>
+              </a:tr>
+              <a:tr h="1251919">
+                <a:tc>
+                  <a:txBody>
+                    <a:bodyPr/>
+                    <a:lstStyle/>
+                    <a:p>
+                      <a:pPr algn="ctr"/>
+                      <a:r>
+                        <a:rPr lang="en-US" altLang="zh-TW" dirty="0">
+                          <a:latin typeface="Times New Roman" panose="02020603050405020304" pitchFamily="18" charset="0"/>
+                          <a:ea typeface="標楷體" panose="03000509000000000000" pitchFamily="65" charset="-120"/>
+                          <a:cs typeface="Times New Roman" panose="02020603050405020304" pitchFamily="18" charset="0"/>
+                        </a:rPr>
+                        <a:t>Method</a:t>
+                      </a:r>
+                      <a:endParaRPr lang="zh-TW" altLang="en-US" dirty="0">
+                        <a:latin typeface="Times New Roman" panose="02020603050405020304" pitchFamily="18" charset="0"/>
+                        <a:ea typeface="標楷體" panose="03000509000000000000" pitchFamily="65" charset="-120"/>
+                        <a:cs typeface="Times New Roman" panose="02020603050405020304" pitchFamily="18" charset="0"/>
+                      </a:endParaRPr>
+                    </a:p>
+                  </a:txBody>
+                  <a:tcPr anchor="ctr"/>
+                </a:tc>
+                <a:tc>
+                  <a:txBody>
+                    <a:bodyPr/>
+                    <a:lstStyle/>
+                    <a:p>
+                      <a:pPr algn="ctr"/>
+                      <a:r>
+                        <a:rPr lang="zh-TW" altLang="en-US" b="0" dirty="0">
+                          <a:latin typeface="Times New Roman" panose="02020603050405020304" pitchFamily="18" charset="0"/>
+                          <a:ea typeface="標楷體" panose="03000509000000000000" pitchFamily="65" charset="-120"/>
+                          <a:cs typeface="Times New Roman" panose="02020603050405020304" pitchFamily="18" charset="0"/>
+                        </a:rPr>
+                        <a:t>使用歐幾里得公式</a:t>
+                      </a:r>
+                    </a:p>
+                  </a:txBody>
+                  <a:tcPr anchor="ctr"/>
+                </a:tc>
+                <a:extLst>
+                  <a:ext uri="{0D108BD9-81ED-4DB2-BD59-A6C34878D82A}">
+                    <a16:rowId xmlns:a16="http://schemas.microsoft.com/office/drawing/2014/main" val="1249205175"/>
+                  </a:ext>
+                </a:extLst>
+              </a:tr>
+            </a:tbl>
+          </a:graphicData>
+        </a:graphic>
+      </p:graphicFrame>
+      <p:sp>
+        <p:nvSpPr>
+          <p:cNvPr id="3" name="標題 2">
+            <a:extLst>
+              <a:ext uri="{FF2B5EF4-FFF2-40B4-BE49-F238E27FC236}">
+                <a16:creationId xmlns:a16="http://schemas.microsoft.com/office/drawing/2014/main" id="{D4F3953A-46AF-68D1-FCD9-88A190F2C722}"/>
+              </a:ext>
+            </a:extLst>
+          </p:cNvPr>
+          <p:cNvSpPr>
+            <a:spLocks noGrp="1"/>
+          </p:cNvSpPr>
+          <p:nvPr>
+            <p:ph type="title"/>
+          </p:nvPr>
+        </p:nvSpPr>
+        <p:spPr/>
+        <p:txBody>
+          <a:bodyPr>
+            <a:normAutofit/>
+          </a:bodyPr>
+          <a:lstStyle/>
+          <a:p>
+            <a:r>
+              <a:rPr lang="en-US" altLang="zh-TW" dirty="0">
+                <a:cs typeface="Times New Roman" panose="02020603050405020304" pitchFamily="18" charset="0"/>
+              </a:rPr>
+              <a:t>Function</a:t>
+            </a:r>
+            <a:r>
+              <a:rPr lang="zh-TW" altLang="en-US" dirty="0">
+                <a:cs typeface="Times New Roman" panose="02020603050405020304" pitchFamily="18" charset="0"/>
+              </a:rPr>
+              <a:t> </a:t>
+            </a:r>
+            <a:r>
+              <a:rPr lang="en-US" altLang="zh-TW" dirty="0">
+                <a:cs typeface="Times New Roman" panose="02020603050405020304" pitchFamily="18" charset="0"/>
+              </a:rPr>
+              <a:t>:</a:t>
+            </a:r>
+            <a:r>
+              <a:rPr lang="zh-TW" altLang="en-US" dirty="0">
+                <a:cs typeface="Times New Roman" panose="02020603050405020304" pitchFamily="18" charset="0"/>
+              </a:rPr>
+              <a:t> </a:t>
+            </a:r>
+            <a:r>
+              <a:rPr lang="en-US" altLang="zh-TW" dirty="0" err="1">
+                <a:cs typeface="Times New Roman" panose="02020603050405020304" pitchFamily="18" charset="0"/>
+              </a:rPr>
+              <a:t>calculate_distance</a:t>
+            </a:r>
+            <a:endParaRPr lang="zh-TW" altLang="en-US" dirty="0">
+              <a:cs typeface="Times New Roman" panose="02020603050405020304" pitchFamily="18" charset="0"/>
+            </a:endParaRPr>
+          </a:p>
+        </p:txBody>
+      </p:sp>
+    </p:spTree>
+    <p:extLst>
+      <p:ext uri="{BB962C8B-B14F-4D97-AF65-F5344CB8AC3E}">
+        <p14:creationId xmlns:p14="http://schemas.microsoft.com/office/powerpoint/2010/main" val="2574795543"/>
       </p:ext>
     </p:extLst>
   </p:cSld>
